--- a/phrase 5 submission/Presentation3.pptx
+++ b/phrase 5 submission/Presentation3.pptx
@@ -5,10 +5,10 @@
     <p:sldMasterId id="2147483648" r:id="rId1"/>
   </p:sldMasterIdLst>
   <p:notesMasterIdLst>
-    <p:notesMasterId r:id="rId35"/>
+    <p:notesMasterId r:id="rId33"/>
   </p:notesMasterIdLst>
   <p:handoutMasterIdLst>
-    <p:handoutMasterId r:id="rId36"/>
+    <p:handoutMasterId r:id="rId34"/>
   </p:handoutMasterIdLst>
   <p:sldIdLst>
     <p:sldId id="306" r:id="rId2"/>
@@ -30,20 +30,18 @@
     <p:sldId id="338" r:id="rId18"/>
     <p:sldId id="323" r:id="rId19"/>
     <p:sldId id="324" r:id="rId20"/>
-    <p:sldId id="325" r:id="rId21"/>
+    <p:sldId id="341" r:id="rId21"/>
     <p:sldId id="326" r:id="rId22"/>
     <p:sldId id="327" r:id="rId23"/>
     <p:sldId id="328" r:id="rId24"/>
     <p:sldId id="329" r:id="rId25"/>
-    <p:sldId id="330" r:id="rId26"/>
-    <p:sldId id="331" r:id="rId27"/>
-    <p:sldId id="332" r:id="rId28"/>
-    <p:sldId id="333" r:id="rId29"/>
-    <p:sldId id="318" r:id="rId30"/>
-    <p:sldId id="316" r:id="rId31"/>
-    <p:sldId id="317" r:id="rId32"/>
-    <p:sldId id="270" r:id="rId33"/>
-    <p:sldId id="339" r:id="rId34"/>
+    <p:sldId id="333" r:id="rId26"/>
+    <p:sldId id="340" r:id="rId27"/>
+    <p:sldId id="318" r:id="rId28"/>
+    <p:sldId id="316" r:id="rId29"/>
+    <p:sldId id="317" r:id="rId30"/>
+    <p:sldId id="270" r:id="rId31"/>
+    <p:sldId id="339" r:id="rId32"/>
   </p:sldIdLst>
   <p:sldSz cx="9144000" cy="6858000" type="screen4x3"/>
   <p:notesSz cx="6858000" cy="9144000"/>
@@ -1548,7 +1546,7 @@
             </a:r>
             <a:r>
               <a:rPr lang="en-US" baseline="0" dirty="0" err="1" smtClean="0"/>
-              <a:t>MemberMangagementSystem_Login</a:t>
+              <a:t>MemberMangagementSystem_HomePage</a:t>
             </a:r>
             <a:endParaRPr lang="en-US" dirty="0"/>
           </a:p>
@@ -1809,19 +1807,35 @@
           <a:bodyPr/>
           <a:lstStyle/>
           <a:p>
-            <a:r>
-              <a:rPr lang="en-US" dirty="0" smtClean="0"/>
+            <a:pPr marL="457200" lvl="1" indent="0">
+              <a:buFont typeface="Arial" pitchFamily="34" charset="0"/>
+              <a:buNone/>
+            </a:pPr>
+            <a:r>
+              <a:rPr lang="en-US" smtClean="0"/>
               <a:t>UI</a:t>
             </a:r>
             <a:r>
-              <a:rPr lang="en-US" baseline="0" dirty="0" smtClean="0"/>
-              <a:t> - </a:t>
-            </a:r>
-            <a:r>
-              <a:rPr lang="en-US" baseline="0" dirty="0" err="1" smtClean="0"/>
-              <a:t>MemberMangagementSystem_Logout</a:t>
-            </a:r>
-            <a:endParaRPr lang="en-US" dirty="0"/>
+              <a:rPr lang="en-US" baseline="0" smtClean="0"/>
+              <a:t> </a:t>
+            </a:r>
+            <a:r>
+              <a:rPr lang="en-US" baseline="0" smtClean="0"/>
+              <a:t>– </a:t>
+            </a:r>
+            <a:r>
+              <a:rPr lang="en-US" sz="2400" b="1" smtClean="0">
+                <a:solidFill>
+                  <a:srgbClr val="FC7500"/>
+                </a:solidFill>
+              </a:rPr>
+              <a:t>Forget PW</a:t>
+            </a:r>
+            <a:endParaRPr lang="en-US" sz="2400" b="1" dirty="0">
+              <a:solidFill>
+                <a:srgbClr val="FC7500"/>
+              </a:solidFill>
+            </a:endParaRPr>
           </a:p>
         </p:txBody>
       </p:sp>
@@ -2289,6 +2303,10 @@
           <a:bodyPr/>
           <a:lstStyle/>
           <a:p>
+            <a:pPr marL="457200" lvl="1" indent="0">
+              <a:buFont typeface="Arial" pitchFamily="34" charset="0"/>
+              <a:buNone/>
+            </a:pPr>
             <a:r>
               <a:rPr lang="en-US" dirty="0" smtClean="0"/>
               <a:t>UI</a:t>
@@ -2298,10 +2316,18 @@
               <a:t> - </a:t>
             </a:r>
             <a:r>
-              <a:rPr lang="en-US" baseline="0" dirty="0" err="1" smtClean="0"/>
-              <a:t>NotificationSystem</a:t>
-            </a:r>
-            <a:endParaRPr lang="en-US" dirty="0"/>
+              <a:rPr lang="en-US" sz="2400" b="1" dirty="0" smtClean="0">
+                <a:solidFill>
+                  <a:srgbClr val="FC7500"/>
+                </a:solidFill>
+              </a:rPr>
+              <a:t>Admin</a:t>
+            </a:r>
+            <a:endParaRPr lang="en-US" sz="2400" b="1" dirty="0">
+              <a:solidFill>
+                <a:srgbClr val="FC7500"/>
+              </a:solidFill>
+            </a:endParaRPr>
           </a:p>
         </p:txBody>
       </p:sp>
@@ -2395,17 +2421,25 @@
             </a:r>
             <a:r>
               <a:rPr lang="en-US" baseline="0" dirty="0" smtClean="0"/>
-              <a:t> - </a:t>
-            </a:r>
-            <a:r>
-              <a:rPr lang="en-US" dirty="0" err="1" smtClean="0"/>
-              <a:t>Modifiy</a:t>
-            </a:r>
-            <a:r>
-              <a:rPr lang="en-US" baseline="0" dirty="0" err="1" smtClean="0"/>
-              <a:t>UserInfo</a:t>
-            </a:r>
-            <a:endParaRPr lang="en-US" dirty="0"/>
+              <a:t> </a:t>
+            </a:r>
+            <a:r>
+              <a:rPr lang="en-US" baseline="0" dirty="0" smtClean="0"/>
+              <a:t>– </a:t>
+            </a:r>
+            <a:r>
+              <a:rPr lang="en-US" sz="2400" b="1" dirty="0" smtClean="0">
+                <a:solidFill>
+                  <a:srgbClr val="FC7500"/>
+                </a:solidFill>
+              </a:rPr>
+              <a:t>About Us</a:t>
+            </a:r>
+            <a:endParaRPr lang="en-US" sz="2400" b="1" dirty="0">
+              <a:solidFill>
+                <a:srgbClr val="FC7500"/>
+              </a:solidFill>
+            </a:endParaRPr>
           </a:p>
         </p:txBody>
       </p:sp>
@@ -2489,34 +2523,7 @@
           <a:bodyPr/>
           <a:lstStyle/>
           <a:p>
-            <a:pPr marL="457200" lvl="1" indent="0">
-              <a:buFont typeface="Arial" pitchFamily="34" charset="0"/>
-              <a:buNone/>
-            </a:pPr>
-            <a:r>
-              <a:rPr lang="en-US" sz="2400" b="1" dirty="0" smtClean="0">
-                <a:solidFill>
-                  <a:srgbClr val="FC7500"/>
-                </a:solidFill>
-              </a:rPr>
-              <a:t>UI</a:t>
-            </a:r>
-            <a:r>
-              <a:rPr lang="en-US" sz="2400" b="1" baseline="0" dirty="0" smtClean="0">
-                <a:solidFill>
-                  <a:srgbClr val="FC7500"/>
-                </a:solidFill>
-              </a:rPr>
-              <a:t> - </a:t>
-            </a:r>
-            <a:r>
-              <a:rPr lang="en-US" sz="2400" b="1" dirty="0" smtClean="0">
-                <a:solidFill>
-                  <a:srgbClr val="FC7500"/>
-                </a:solidFill>
-              </a:rPr>
-              <a:t>Member authorization</a:t>
-            </a:r>
+            <a:endParaRPr lang="en-US" dirty="0"/>
           </a:p>
         </p:txBody>
       </p:sp>
@@ -2544,11 +2551,6 @@
         </p:txBody>
       </p:sp>
     </p:spTree>
-    <p:extLst>
-      <p:ext uri="{BB962C8B-B14F-4D97-AF65-F5344CB8AC3E}">
-        <p14:creationId xmlns:p14="http://schemas.microsoft.com/office/powerpoint/2010/main" val="2820704640"/>
-      </p:ext>
-    </p:extLst>
   </p:cSld>
   <p:clrMapOvr>
     <a:masterClrMapping/>
@@ -2600,31 +2602,7 @@
           <a:bodyPr/>
           <a:lstStyle/>
           <a:p>
-            <a:pPr marL="457200" lvl="1" indent="0">
-              <a:buFont typeface="Arial" pitchFamily="34" charset="0"/>
-              <a:buNone/>
-            </a:pPr>
-            <a:r>
-              <a:rPr lang="en-US" dirty="0" smtClean="0"/>
-              <a:t>UI</a:t>
-            </a:r>
-            <a:r>
-              <a:rPr lang="en-US" baseline="0" dirty="0" smtClean="0"/>
-              <a:t> - </a:t>
-            </a:r>
-            <a:r>
-              <a:rPr lang="en-US" sz="2400" b="1" dirty="0" smtClean="0">
-                <a:solidFill>
-                  <a:srgbClr val="FC7500"/>
-                </a:solidFill>
-              </a:rPr>
-              <a:t>System statistics</a:t>
-            </a:r>
-            <a:endParaRPr lang="en-US" sz="2400" b="1" dirty="0">
-              <a:solidFill>
-                <a:srgbClr val="FC7500"/>
-              </a:solidFill>
-            </a:endParaRPr>
+            <a:endParaRPr lang="en-US" dirty="0"/>
           </a:p>
         </p:txBody>
       </p:sp>
@@ -2652,11 +2630,6 @@
         </p:txBody>
       </p:sp>
     </p:spTree>
-    <p:extLst>
-      <p:ext uri="{BB962C8B-B14F-4D97-AF65-F5344CB8AC3E}">
-        <p14:creationId xmlns:p14="http://schemas.microsoft.com/office/powerpoint/2010/main" val="2820704640"/>
-      </p:ext>
-    </p:extLst>
   </p:cSld>
   <p:clrMapOvr>
     <a:masterClrMapping/>
@@ -2967,164 +2940,6 @@
             <a:fld id="{DD7D2AD7-BD31-48B9-8C8A-7D4EAE7F6485}" type="slidenum">
               <a:rPr lang="en-US" smtClean="0"/>
               <a:t>31</a:t>
-            </a:fld>
-            <a:endParaRPr lang="en-US"/>
-          </a:p>
-        </p:txBody>
-      </p:sp>
-    </p:spTree>
-  </p:cSld>
-  <p:clrMapOvr>
-    <a:masterClrMapping/>
-  </p:clrMapOvr>
-</p:notes>
-</file>
-
-<file path=ppt/notesSlides/notesSlide32.xml><?xml version="1.0" encoding="utf-8"?>
-<p:notes xmlns:a="http://schemas.openxmlformats.org/drawingml/2006/main" xmlns:r="http://schemas.openxmlformats.org/officeDocument/2006/relationships" xmlns:p="http://schemas.openxmlformats.org/presentationml/2006/main">
-  <p:cSld>
-    <p:spTree>
-      <p:nvGrpSpPr>
-        <p:cNvPr id="1" name=""/>
-        <p:cNvGrpSpPr/>
-        <p:nvPr/>
-      </p:nvGrpSpPr>
-      <p:grpSpPr>
-        <a:xfrm>
-          <a:off x="0" y="0"/>
-          <a:ext cx="0" cy="0"/>
-          <a:chOff x="0" y="0"/>
-          <a:chExt cx="0" cy="0"/>
-        </a:xfrm>
-      </p:grpSpPr>
-      <p:sp>
-        <p:nvSpPr>
-          <p:cNvPr id="2" name="Slide Image Placeholder 1"/>
-          <p:cNvSpPr>
-            <a:spLocks noGrp="1" noRot="1" noChangeAspect="1"/>
-          </p:cNvSpPr>
-          <p:nvPr>
-            <p:ph type="sldImg"/>
-          </p:nvPr>
-        </p:nvSpPr>
-        <p:spPr/>
-      </p:sp>
-      <p:sp>
-        <p:nvSpPr>
-          <p:cNvPr id="3" name="Notes Placeholder 2"/>
-          <p:cNvSpPr>
-            <a:spLocks noGrp="1"/>
-          </p:cNvSpPr>
-          <p:nvPr>
-            <p:ph type="body" idx="1"/>
-          </p:nvPr>
-        </p:nvSpPr>
-        <p:spPr/>
-        <p:txBody>
-          <a:bodyPr/>
-          <a:lstStyle/>
-          <a:p>
-            <a:endParaRPr lang="en-US" dirty="0"/>
-          </a:p>
-        </p:txBody>
-      </p:sp>
-      <p:sp>
-        <p:nvSpPr>
-          <p:cNvPr id="4" name="Slide Number Placeholder 3"/>
-          <p:cNvSpPr>
-            <a:spLocks noGrp="1"/>
-          </p:cNvSpPr>
-          <p:nvPr>
-            <p:ph type="sldNum" sz="quarter" idx="10"/>
-          </p:nvPr>
-        </p:nvSpPr>
-        <p:spPr/>
-        <p:txBody>
-          <a:bodyPr/>
-          <a:lstStyle/>
-          <a:p>
-            <a:fld id="{DD7D2AD7-BD31-48B9-8C8A-7D4EAE7F6485}" type="slidenum">
-              <a:rPr lang="en-US" smtClean="0"/>
-              <a:t>32</a:t>
-            </a:fld>
-            <a:endParaRPr lang="en-US"/>
-          </a:p>
-        </p:txBody>
-      </p:sp>
-    </p:spTree>
-  </p:cSld>
-  <p:clrMapOvr>
-    <a:masterClrMapping/>
-  </p:clrMapOvr>
-</p:notes>
-</file>
-
-<file path=ppt/notesSlides/notesSlide33.xml><?xml version="1.0" encoding="utf-8"?>
-<p:notes xmlns:a="http://schemas.openxmlformats.org/drawingml/2006/main" xmlns:r="http://schemas.openxmlformats.org/officeDocument/2006/relationships" xmlns:p="http://schemas.openxmlformats.org/presentationml/2006/main">
-  <p:cSld>
-    <p:spTree>
-      <p:nvGrpSpPr>
-        <p:cNvPr id="1" name=""/>
-        <p:cNvGrpSpPr/>
-        <p:nvPr/>
-      </p:nvGrpSpPr>
-      <p:grpSpPr>
-        <a:xfrm>
-          <a:off x="0" y="0"/>
-          <a:ext cx="0" cy="0"/>
-          <a:chOff x="0" y="0"/>
-          <a:chExt cx="0" cy="0"/>
-        </a:xfrm>
-      </p:grpSpPr>
-      <p:sp>
-        <p:nvSpPr>
-          <p:cNvPr id="2" name="Slide Image Placeholder 1"/>
-          <p:cNvSpPr>
-            <a:spLocks noGrp="1" noRot="1" noChangeAspect="1"/>
-          </p:cNvSpPr>
-          <p:nvPr>
-            <p:ph type="sldImg"/>
-          </p:nvPr>
-        </p:nvSpPr>
-        <p:spPr/>
-      </p:sp>
-      <p:sp>
-        <p:nvSpPr>
-          <p:cNvPr id="3" name="Notes Placeholder 2"/>
-          <p:cNvSpPr>
-            <a:spLocks noGrp="1"/>
-          </p:cNvSpPr>
-          <p:nvPr>
-            <p:ph type="body" idx="1"/>
-          </p:nvPr>
-        </p:nvSpPr>
-        <p:spPr/>
-        <p:txBody>
-          <a:bodyPr/>
-          <a:lstStyle/>
-          <a:p>
-            <a:endParaRPr lang="en-US" dirty="0"/>
-          </a:p>
-        </p:txBody>
-      </p:sp>
-      <p:sp>
-        <p:nvSpPr>
-          <p:cNvPr id="4" name="Slide Number Placeholder 3"/>
-          <p:cNvSpPr>
-            <a:spLocks noGrp="1"/>
-          </p:cNvSpPr>
-          <p:nvPr>
-            <p:ph type="sldNum" sz="quarter" idx="10"/>
-          </p:nvPr>
-        </p:nvSpPr>
-        <p:spPr/>
-        <p:txBody>
-          <a:bodyPr/>
-          <a:lstStyle/>
-          <a:p>
-            <a:fld id="{DD7D2AD7-BD31-48B9-8C8A-7D4EAE7F6485}" type="slidenum">
-              <a:rPr lang="en-US" smtClean="0"/>
-              <a:t>33</a:t>
             </a:fld>
             <a:endParaRPr lang="en-US"/>
           </a:p>
@@ -18720,7 +18535,7 @@
       </p:grpSpPr>
       <p:sp>
         <p:nvSpPr>
-          <p:cNvPr id="2" name="Picture Placeholder 1"/>
+          <p:cNvPr id="4" name="圖片版面配置區 3"/>
           <p:cNvSpPr>
             <a:spLocks noGrp="1"/>
           </p:cNvSpPr>
@@ -18730,6 +18545,47 @@
         </p:nvSpPr>
         <p:spPr/>
       </p:sp>
+      <p:pic>
+        <p:nvPicPr>
+          <p:cNvPr id="1027" name="Picture 3" descr="C:\Users\Kitten\Documents\GitHub\comp3006\phrase 5 submission\Archive\index_page.png"/>
+          <p:cNvPicPr>
+            <a:picLocks noChangeAspect="1" noChangeArrowheads="1"/>
+          </p:cNvPicPr>
+          <p:nvPr/>
+        </p:nvPicPr>
+        <p:blipFill>
+          <a:blip r:embed="rId3">
+            <a:extLst>
+              <a:ext uri="{28A0092B-C50C-407E-A947-70E740481C1C}">
+                <a14:useLocalDpi xmlns:a14="http://schemas.microsoft.com/office/drawing/2010/main" val="0"/>
+              </a:ext>
+            </a:extLst>
+          </a:blip>
+          <a:srcRect/>
+          <a:stretch>
+            <a:fillRect/>
+          </a:stretch>
+        </p:blipFill>
+        <p:spPr bwMode="auto">
+          <a:xfrm>
+            <a:off x="533400" y="538458"/>
+            <a:ext cx="8077200" cy="5557542"/>
+          </a:xfrm>
+          <a:prstGeom prst="rect">
+            <a:avLst/>
+          </a:prstGeom>
+          <a:noFill/>
+          <a:extLst>
+            <a:ext uri="{909E8E84-426E-40DD-AFC4-6F175D3DCCD1}">
+              <a14:hiddenFill xmlns:a14="http://schemas.microsoft.com/office/drawing/2010/main">
+                <a:solidFill>
+                  <a:srgbClr val="FFFFFF"/>
+                </a:solidFill>
+              </a14:hiddenFill>
+            </a:ext>
+          </a:extLst>
+        </p:spPr>
+      </p:pic>
     </p:spTree>
     <p:extLst>
       <p:ext uri="{BB962C8B-B14F-4D97-AF65-F5344CB8AC3E}">
@@ -18779,6 +18635,47 @@
         </p:nvSpPr>
         <p:spPr/>
       </p:sp>
+      <p:pic>
+        <p:nvPicPr>
+          <p:cNvPr id="2050" name="Picture 2" descr="C:\Users\Kitten\Documents\GitHub\comp3006\phrase 5 submission\Archive\register_page.png"/>
+          <p:cNvPicPr>
+            <a:picLocks noChangeAspect="1" noChangeArrowheads="1"/>
+          </p:cNvPicPr>
+          <p:nvPr/>
+        </p:nvPicPr>
+        <p:blipFill>
+          <a:blip r:embed="rId3">
+            <a:extLst>
+              <a:ext uri="{28A0092B-C50C-407E-A947-70E740481C1C}">
+                <a14:useLocalDpi xmlns:a14="http://schemas.microsoft.com/office/drawing/2010/main" val="0"/>
+              </a:ext>
+            </a:extLst>
+          </a:blip>
+          <a:srcRect/>
+          <a:stretch>
+            <a:fillRect/>
+          </a:stretch>
+        </p:blipFill>
+        <p:spPr bwMode="auto">
+          <a:xfrm>
+            <a:off x="571500" y="533400"/>
+            <a:ext cx="8039100" cy="5564844"/>
+          </a:xfrm>
+          <a:prstGeom prst="rect">
+            <a:avLst/>
+          </a:prstGeom>
+          <a:noFill/>
+          <a:extLst>
+            <a:ext uri="{909E8E84-426E-40DD-AFC4-6F175D3DCCD1}">
+              <a14:hiddenFill xmlns:a14="http://schemas.microsoft.com/office/drawing/2010/main">
+                <a:solidFill>
+                  <a:srgbClr val="FFFFFF"/>
+                </a:solidFill>
+              </a14:hiddenFill>
+            </a:ext>
+          </a:extLst>
+        </p:spPr>
+      </p:pic>
     </p:spTree>
     <p:extLst>
       <p:ext uri="{BB962C8B-B14F-4D97-AF65-F5344CB8AC3E}">
@@ -19120,10 +19017,51 @@
         </p:nvSpPr>
         <p:spPr/>
       </p:sp>
+      <p:pic>
+        <p:nvPicPr>
+          <p:cNvPr id="8194" name="Picture 2" descr="C:\Users\Kitten\Documents\GitHub\comp3006\phrase 5 submission\Archive\forget_password_page.png"/>
+          <p:cNvPicPr>
+            <a:picLocks noChangeAspect="1" noChangeArrowheads="1"/>
+          </p:cNvPicPr>
+          <p:nvPr/>
+        </p:nvPicPr>
+        <p:blipFill>
+          <a:blip r:embed="rId3">
+            <a:extLst>
+              <a:ext uri="{28A0092B-C50C-407E-A947-70E740481C1C}">
+                <a14:useLocalDpi xmlns:a14="http://schemas.microsoft.com/office/drawing/2010/main" val="0"/>
+              </a:ext>
+            </a:extLst>
+          </a:blip>
+          <a:srcRect/>
+          <a:stretch>
+            <a:fillRect/>
+          </a:stretch>
+        </p:blipFill>
+        <p:spPr bwMode="auto">
+          <a:xfrm>
+            <a:off x="587059" y="533400"/>
+            <a:ext cx="7947341" cy="5486400"/>
+          </a:xfrm>
+          <a:prstGeom prst="rect">
+            <a:avLst/>
+          </a:prstGeom>
+          <a:noFill/>
+          <a:extLst>
+            <a:ext uri="{909E8E84-426E-40DD-AFC4-6F175D3DCCD1}">
+              <a14:hiddenFill xmlns:a14="http://schemas.microsoft.com/office/drawing/2010/main">
+                <a:solidFill>
+                  <a:srgbClr val="FFFFFF"/>
+                </a:solidFill>
+              </a14:hiddenFill>
+            </a:ext>
+          </a:extLst>
+        </p:spPr>
+      </p:pic>
     </p:spTree>
     <p:extLst>
       <p:ext uri="{BB962C8B-B14F-4D97-AF65-F5344CB8AC3E}">
-        <p14:creationId xmlns:p14="http://schemas.microsoft.com/office/powerpoint/2010/main" val="4291436500"/>
+        <p14:creationId xmlns:p14="http://schemas.microsoft.com/office/powerpoint/2010/main" val="1486021711"/>
       </p:ext>
     </p:extLst>
   </p:cSld>
@@ -19169,6 +19107,47 @@
         </p:nvSpPr>
         <p:spPr/>
       </p:sp>
+      <p:pic>
+        <p:nvPicPr>
+          <p:cNvPr id="3074" name="Picture 2" descr="C:\Users\Kitten\Documents\GitHub\comp3006\phrase 5 submission\Archive\setting_page.png"/>
+          <p:cNvPicPr>
+            <a:picLocks noChangeAspect="1" noChangeArrowheads="1"/>
+          </p:cNvPicPr>
+          <p:nvPr/>
+        </p:nvPicPr>
+        <p:blipFill>
+          <a:blip r:embed="rId3">
+            <a:extLst>
+              <a:ext uri="{28A0092B-C50C-407E-A947-70E740481C1C}">
+                <a14:useLocalDpi xmlns:a14="http://schemas.microsoft.com/office/drawing/2010/main" val="0"/>
+              </a:ext>
+            </a:extLst>
+          </a:blip>
+          <a:srcRect/>
+          <a:stretch>
+            <a:fillRect/>
+          </a:stretch>
+        </p:blipFill>
+        <p:spPr bwMode="auto">
+          <a:xfrm>
+            <a:off x="590549" y="533400"/>
+            <a:ext cx="7946431" cy="5486400"/>
+          </a:xfrm>
+          <a:prstGeom prst="rect">
+            <a:avLst/>
+          </a:prstGeom>
+          <a:noFill/>
+          <a:extLst>
+            <a:ext uri="{909E8E84-426E-40DD-AFC4-6F175D3DCCD1}">
+              <a14:hiddenFill xmlns:a14="http://schemas.microsoft.com/office/drawing/2010/main">
+                <a:solidFill>
+                  <a:srgbClr val="FFFFFF"/>
+                </a:solidFill>
+              </a14:hiddenFill>
+            </a:ext>
+          </a:extLst>
+        </p:spPr>
+      </p:pic>
     </p:spTree>
     <p:extLst>
       <p:ext uri="{BB962C8B-B14F-4D97-AF65-F5344CB8AC3E}">
@@ -19218,6 +19197,47 @@
         </p:nvSpPr>
         <p:spPr/>
       </p:sp>
+      <p:pic>
+        <p:nvPicPr>
+          <p:cNvPr id="4098" name="Picture 2" descr="C:\Users\Kitten\Documents\GitHub\comp3006\phrase 5 submission\Archive\news_page.png"/>
+          <p:cNvPicPr>
+            <a:picLocks noChangeAspect="1" noChangeArrowheads="1"/>
+          </p:cNvPicPr>
+          <p:nvPr/>
+        </p:nvPicPr>
+        <p:blipFill>
+          <a:blip r:embed="rId3">
+            <a:extLst>
+              <a:ext uri="{28A0092B-C50C-407E-A947-70E740481C1C}">
+                <a14:useLocalDpi xmlns:a14="http://schemas.microsoft.com/office/drawing/2010/main" val="0"/>
+              </a:ext>
+            </a:extLst>
+          </a:blip>
+          <a:srcRect/>
+          <a:stretch>
+            <a:fillRect/>
+          </a:stretch>
+        </p:blipFill>
+        <p:spPr bwMode="auto">
+          <a:xfrm>
+            <a:off x="571500" y="533400"/>
+            <a:ext cx="7989903" cy="5486400"/>
+          </a:xfrm>
+          <a:prstGeom prst="rect">
+            <a:avLst/>
+          </a:prstGeom>
+          <a:noFill/>
+          <a:extLst>
+            <a:ext uri="{909E8E84-426E-40DD-AFC4-6F175D3DCCD1}">
+              <a14:hiddenFill xmlns:a14="http://schemas.microsoft.com/office/drawing/2010/main">
+                <a:solidFill>
+                  <a:srgbClr val="FFFFFF"/>
+                </a:solidFill>
+              </a14:hiddenFill>
+            </a:ext>
+          </a:extLst>
+        </p:spPr>
+      </p:pic>
     </p:spTree>
     <p:extLst>
       <p:ext uri="{BB962C8B-B14F-4D97-AF65-F5344CB8AC3E}">
@@ -19267,6 +19287,47 @@
         </p:nvSpPr>
         <p:spPr/>
       </p:sp>
+      <p:pic>
+        <p:nvPicPr>
+          <p:cNvPr id="5122" name="Picture 2" descr="C:\Users\Kitten\Documents\GitHub\comp3006\phrase 5 submission\Archive\stock_page.png"/>
+          <p:cNvPicPr>
+            <a:picLocks noChangeAspect="1" noChangeArrowheads="1"/>
+          </p:cNvPicPr>
+          <p:nvPr/>
+        </p:nvPicPr>
+        <p:blipFill>
+          <a:blip r:embed="rId3">
+            <a:extLst>
+              <a:ext uri="{28A0092B-C50C-407E-A947-70E740481C1C}">
+                <a14:useLocalDpi xmlns:a14="http://schemas.microsoft.com/office/drawing/2010/main" val="0"/>
+              </a:ext>
+            </a:extLst>
+          </a:blip>
+          <a:srcRect/>
+          <a:stretch>
+            <a:fillRect/>
+          </a:stretch>
+        </p:blipFill>
+        <p:spPr bwMode="auto">
+          <a:xfrm>
+            <a:off x="590550" y="533400"/>
+            <a:ext cx="7946431" cy="5486400"/>
+          </a:xfrm>
+          <a:prstGeom prst="rect">
+            <a:avLst/>
+          </a:prstGeom>
+          <a:noFill/>
+          <a:extLst>
+            <a:ext uri="{909E8E84-426E-40DD-AFC4-6F175D3DCCD1}">
+              <a14:hiddenFill xmlns:a14="http://schemas.microsoft.com/office/drawing/2010/main">
+                <a:solidFill>
+                  <a:srgbClr val="FFFFFF"/>
+                </a:solidFill>
+              </a14:hiddenFill>
+            </a:ext>
+          </a:extLst>
+        </p:spPr>
+      </p:pic>
     </p:spTree>
     <p:extLst>
       <p:ext uri="{BB962C8B-B14F-4D97-AF65-F5344CB8AC3E}">
@@ -19316,6 +19377,47 @@
         </p:nvSpPr>
         <p:spPr/>
       </p:sp>
+      <p:pic>
+        <p:nvPicPr>
+          <p:cNvPr id="6146" name="Picture 2" descr="C:\Users\Kitten\Documents\GitHub\comp3006\phrase 5 submission\Archive\mon_stock_page.png"/>
+          <p:cNvPicPr>
+            <a:picLocks noChangeAspect="1" noChangeArrowheads="1"/>
+          </p:cNvPicPr>
+          <p:nvPr/>
+        </p:nvPicPr>
+        <p:blipFill>
+          <a:blip r:embed="rId3">
+            <a:extLst>
+              <a:ext uri="{28A0092B-C50C-407E-A947-70E740481C1C}">
+                <a14:useLocalDpi xmlns:a14="http://schemas.microsoft.com/office/drawing/2010/main" val="0"/>
+              </a:ext>
+            </a:extLst>
+          </a:blip>
+          <a:srcRect/>
+          <a:stretch>
+            <a:fillRect/>
+          </a:stretch>
+        </p:blipFill>
+        <p:spPr bwMode="auto">
+          <a:xfrm>
+            <a:off x="576613" y="533400"/>
+            <a:ext cx="8003585" cy="5486400"/>
+          </a:xfrm>
+          <a:prstGeom prst="rect">
+            <a:avLst/>
+          </a:prstGeom>
+          <a:noFill/>
+          <a:extLst>
+            <a:ext uri="{909E8E84-426E-40DD-AFC4-6F175D3DCCD1}">
+              <a14:hiddenFill xmlns:a14="http://schemas.microsoft.com/office/drawing/2010/main">
+                <a:solidFill>
+                  <a:srgbClr val="FFFFFF"/>
+                </a:solidFill>
+              </a14:hiddenFill>
+            </a:ext>
+          </a:extLst>
+        </p:spPr>
+      </p:pic>
     </p:spTree>
     <p:extLst>
       <p:ext uri="{BB962C8B-B14F-4D97-AF65-F5344CB8AC3E}">
@@ -19365,10 +19467,51 @@
         </p:nvSpPr>
         <p:spPr/>
       </p:sp>
+      <p:pic>
+        <p:nvPicPr>
+          <p:cNvPr id="7170" name="Picture 2" descr="C:\Users\Kitten\Documents\GitHub\comp3006\phrase 5 submission\Archive\admin_page.png"/>
+          <p:cNvPicPr>
+            <a:picLocks noChangeAspect="1" noChangeArrowheads="1"/>
+          </p:cNvPicPr>
+          <p:nvPr/>
+        </p:nvPicPr>
+        <p:blipFill>
+          <a:blip r:embed="rId3">
+            <a:extLst>
+              <a:ext uri="{28A0092B-C50C-407E-A947-70E740481C1C}">
+                <a14:useLocalDpi xmlns:a14="http://schemas.microsoft.com/office/drawing/2010/main" val="0"/>
+              </a:ext>
+            </a:extLst>
+          </a:blip>
+          <a:srcRect/>
+          <a:stretch>
+            <a:fillRect/>
+          </a:stretch>
+        </p:blipFill>
+        <p:spPr bwMode="auto">
+          <a:xfrm>
+            <a:off x="609600" y="575911"/>
+            <a:ext cx="7976135" cy="5443889"/>
+          </a:xfrm>
+          <a:prstGeom prst="rect">
+            <a:avLst/>
+          </a:prstGeom>
+          <a:noFill/>
+          <a:extLst>
+            <a:ext uri="{909E8E84-426E-40DD-AFC4-6F175D3DCCD1}">
+              <a14:hiddenFill xmlns:a14="http://schemas.microsoft.com/office/drawing/2010/main">
+                <a:solidFill>
+                  <a:srgbClr val="FFFFFF"/>
+                </a:solidFill>
+              </a14:hiddenFill>
+            </a:ext>
+          </a:extLst>
+        </p:spPr>
+      </p:pic>
     </p:spTree>
     <p:extLst>
       <p:ext uri="{BB962C8B-B14F-4D97-AF65-F5344CB8AC3E}">
-        <p14:creationId xmlns:p14="http://schemas.microsoft.com/office/powerpoint/2010/main" val="1582206214"/>
+        <p14:creationId xmlns:p14="http://schemas.microsoft.com/office/powerpoint/2010/main" val="4233378754"/>
       </p:ext>
     </p:extLst>
   </p:cSld>
@@ -19417,7 +19560,7 @@
     </p:spTree>
     <p:extLst>
       <p:ext uri="{BB962C8B-B14F-4D97-AF65-F5344CB8AC3E}">
-        <p14:creationId xmlns:p14="http://schemas.microsoft.com/office/powerpoint/2010/main" val="326641061"/>
+        <p14:creationId xmlns:p14="http://schemas.microsoft.com/office/powerpoint/2010/main" val="3429097678"/>
       </p:ext>
     </p:extLst>
   </p:cSld>
@@ -19435,104 +19578,6 @@
 </file>
 
 <file path=ppt/slides/slide27.xml><?xml version="1.0" encoding="utf-8"?>
-<p:sld xmlns:a="http://schemas.openxmlformats.org/drawingml/2006/main" xmlns:r="http://schemas.openxmlformats.org/officeDocument/2006/relationships" xmlns:p="http://schemas.openxmlformats.org/presentationml/2006/main">
-  <p:cSld>
-    <p:spTree>
-      <p:nvGrpSpPr>
-        <p:cNvPr id="1" name=""/>
-        <p:cNvGrpSpPr/>
-        <p:nvPr/>
-      </p:nvGrpSpPr>
-      <p:grpSpPr>
-        <a:xfrm>
-          <a:off x="0" y="0"/>
-          <a:ext cx="0" cy="0"/>
-          <a:chOff x="0" y="0"/>
-          <a:chExt cx="0" cy="0"/>
-        </a:xfrm>
-      </p:grpSpPr>
-      <p:sp>
-        <p:nvSpPr>
-          <p:cNvPr id="2" name="Picture Placeholder 1"/>
-          <p:cNvSpPr>
-            <a:spLocks noGrp="1"/>
-          </p:cNvSpPr>
-          <p:nvPr>
-            <p:ph type="pic" sz="quarter" idx="13"/>
-          </p:nvPr>
-        </p:nvSpPr>
-        <p:spPr/>
-      </p:sp>
-    </p:spTree>
-    <p:extLst>
-      <p:ext uri="{BB962C8B-B14F-4D97-AF65-F5344CB8AC3E}">
-        <p14:creationId xmlns:p14="http://schemas.microsoft.com/office/powerpoint/2010/main" val="1365972875"/>
-      </p:ext>
-    </p:extLst>
-  </p:cSld>
-  <p:clrMapOvr>
-    <a:masterClrMapping/>
-  </p:clrMapOvr>
-  <p:timing>
-    <p:tnLst>
-      <p:par>
-        <p:cTn id="1" dur="indefinite" restart="never" nodeType="tmRoot"/>
-      </p:par>
-    </p:tnLst>
-  </p:timing>
-</p:sld>
-</file>
-
-<file path=ppt/slides/slide28.xml><?xml version="1.0" encoding="utf-8"?>
-<p:sld xmlns:a="http://schemas.openxmlformats.org/drawingml/2006/main" xmlns:r="http://schemas.openxmlformats.org/officeDocument/2006/relationships" xmlns:p="http://schemas.openxmlformats.org/presentationml/2006/main">
-  <p:cSld>
-    <p:spTree>
-      <p:nvGrpSpPr>
-        <p:cNvPr id="1" name=""/>
-        <p:cNvGrpSpPr/>
-        <p:nvPr/>
-      </p:nvGrpSpPr>
-      <p:grpSpPr>
-        <a:xfrm>
-          <a:off x="0" y="0"/>
-          <a:ext cx="0" cy="0"/>
-          <a:chOff x="0" y="0"/>
-          <a:chExt cx="0" cy="0"/>
-        </a:xfrm>
-      </p:grpSpPr>
-      <p:sp>
-        <p:nvSpPr>
-          <p:cNvPr id="2" name="Picture Placeholder 1"/>
-          <p:cNvSpPr>
-            <a:spLocks noGrp="1"/>
-          </p:cNvSpPr>
-          <p:nvPr>
-            <p:ph type="pic" sz="quarter" idx="13"/>
-          </p:nvPr>
-        </p:nvSpPr>
-        <p:spPr/>
-      </p:sp>
-    </p:spTree>
-    <p:extLst>
-      <p:ext uri="{BB962C8B-B14F-4D97-AF65-F5344CB8AC3E}">
-        <p14:creationId xmlns:p14="http://schemas.microsoft.com/office/powerpoint/2010/main" val="4233378754"/>
-      </p:ext>
-    </p:extLst>
-  </p:cSld>
-  <p:clrMapOvr>
-    <a:masterClrMapping/>
-  </p:clrMapOvr>
-  <p:timing>
-    <p:tnLst>
-      <p:par>
-        <p:cTn id="1" dur="indefinite" restart="never" nodeType="tmRoot"/>
-      </p:par>
-    </p:tnLst>
-  </p:timing>
-</p:sld>
-</file>
-
-<file path=ppt/slides/slide29.xml><?xml version="1.0" encoding="utf-8"?>
 <p:sld xmlns:a="http://schemas.openxmlformats.org/drawingml/2006/main" xmlns:r="http://schemas.openxmlformats.org/officeDocument/2006/relationships" xmlns:p="http://schemas.openxmlformats.org/presentationml/2006/main">
   <p:cSld>
     <p:spTree>
@@ -19829,236 +19874,7 @@
 </p:sld>
 </file>
 
-<file path=ppt/slides/slide3.xml><?xml version="1.0" encoding="utf-8"?>
-<p:sld xmlns:a="http://schemas.openxmlformats.org/drawingml/2006/main" xmlns:r="http://schemas.openxmlformats.org/officeDocument/2006/relationships" xmlns:p="http://schemas.openxmlformats.org/presentationml/2006/main">
-  <p:cSld>
-    <p:spTree>
-      <p:nvGrpSpPr>
-        <p:cNvPr id="1" name=""/>
-        <p:cNvGrpSpPr/>
-        <p:nvPr/>
-      </p:nvGrpSpPr>
-      <p:grpSpPr>
-        <a:xfrm>
-          <a:off x="0" y="0"/>
-          <a:ext cx="0" cy="0"/>
-          <a:chOff x="0" y="0"/>
-          <a:chExt cx="0" cy="0"/>
-        </a:xfrm>
-      </p:grpSpPr>
-      <p:sp>
-        <p:nvSpPr>
-          <p:cNvPr id="15" name="Rectangle 14"/>
-          <p:cNvSpPr/>
-          <p:nvPr/>
-        </p:nvSpPr>
-        <p:spPr>
-          <a:xfrm>
-            <a:off x="240475" y="240475"/>
-            <a:ext cx="8686800" cy="6400800"/>
-          </a:xfrm>
-          <a:prstGeom prst="rect">
-            <a:avLst/>
-          </a:prstGeom>
-          <a:solidFill>
-            <a:schemeClr val="bg1"/>
-          </a:solidFill>
-          <a:ln>
-            <a:noFill/>
-          </a:ln>
-        </p:spPr>
-        <p:style>
-          <a:lnRef idx="2">
-            <a:schemeClr val="accent1">
-              <a:shade val="50000"/>
-            </a:schemeClr>
-          </a:lnRef>
-          <a:fillRef idx="1">
-            <a:schemeClr val="accent1"/>
-          </a:fillRef>
-          <a:effectRef idx="0">
-            <a:schemeClr val="accent1"/>
-          </a:effectRef>
-          <a:fontRef idx="minor">
-            <a:schemeClr val="lt1"/>
-          </a:fontRef>
-        </p:style>
-        <p:txBody>
-          <a:bodyPr rtlCol="0" anchor="ctr"/>
-          <a:lstStyle/>
-          <a:p>
-            <a:pPr algn="ctr"/>
-            <a:endParaRPr lang="en-US"/>
-          </a:p>
-        </p:txBody>
-      </p:sp>
-      <p:sp>
-        <p:nvSpPr>
-          <p:cNvPr id="16" name="Rectangle 15"/>
-          <p:cNvSpPr/>
-          <p:nvPr/>
-        </p:nvSpPr>
-        <p:spPr>
-          <a:xfrm>
-            <a:off x="188259" y="188259"/>
-            <a:ext cx="8776448" cy="6490448"/>
-          </a:xfrm>
-          <a:prstGeom prst="rect">
-            <a:avLst/>
-          </a:prstGeom>
-          <a:noFill/>
-          <a:ln w="31750">
-            <a:solidFill>
-              <a:schemeClr val="bg1"/>
-            </a:solidFill>
-          </a:ln>
-        </p:spPr>
-        <p:style>
-          <a:lnRef idx="2">
-            <a:schemeClr val="accent1">
-              <a:shade val="50000"/>
-            </a:schemeClr>
-          </a:lnRef>
-          <a:fillRef idx="1">
-            <a:schemeClr val="accent1"/>
-          </a:fillRef>
-          <a:effectRef idx="0">
-            <a:schemeClr val="accent1"/>
-          </a:effectRef>
-          <a:fontRef idx="minor">
-            <a:schemeClr val="lt1"/>
-          </a:fontRef>
-        </p:style>
-        <p:txBody>
-          <a:bodyPr rtlCol="0" anchor="ctr"/>
-          <a:lstStyle/>
-          <a:p>
-            <a:pPr algn="ctr"/>
-            <a:endParaRPr lang="en-US"/>
-          </a:p>
-        </p:txBody>
-      </p:sp>
-      <p:sp>
-        <p:nvSpPr>
-          <p:cNvPr id="9" name="TextBox 8"/>
-          <p:cNvSpPr txBox="1"/>
-          <p:nvPr/>
-        </p:nvSpPr>
-        <p:spPr>
-          <a:xfrm>
-            <a:off x="1143000" y="1828799"/>
-            <a:ext cx="6781800" cy="4648201"/>
-          </a:xfrm>
-          <a:prstGeom prst="rect">
-            <a:avLst/>
-          </a:prstGeom>
-          <a:noFill/>
-        </p:spPr>
-        <p:txBody>
-          <a:bodyPr wrap="square" rtlCol="0">
-            <a:normAutofit/>
-          </a:bodyPr>
-          <a:lstStyle/>
-          <a:p>
-            <a:pPr marL="342900" indent="-342900">
-              <a:buFont typeface="Arial" pitchFamily="34" charset="0"/>
-              <a:buChar char="•"/>
-            </a:pPr>
-            <a:r>
-              <a:rPr lang="en-US" sz="2400" b="1" dirty="0">
-                <a:solidFill>
-                  <a:srgbClr val="FC7500"/>
-                </a:solidFill>
-              </a:rPr>
-              <a:t>Background Removal </a:t>
-            </a:r>
-            <a:r>
-              <a:rPr lang="en-US" sz="2400" dirty="0"/>
-              <a:t>allows you to quickly and easily remove backgrounds to isolate </a:t>
-            </a:r>
-            <a:r>
-              <a:rPr lang="en-US" sz="2400" dirty="0" smtClean="0"/>
-              <a:t>items </a:t>
-            </a:r>
-            <a:r>
-              <a:rPr lang="en-US" sz="2400" dirty="0"/>
-              <a:t>in your image.</a:t>
-            </a:r>
-          </a:p>
-        </p:txBody>
-      </p:sp>
-      <p:sp>
-        <p:nvSpPr>
-          <p:cNvPr id="10" name="TextBox 9"/>
-          <p:cNvSpPr txBox="1"/>
-          <p:nvPr/>
-        </p:nvSpPr>
-        <p:spPr>
-          <a:xfrm>
-            <a:off x="240767" y="762000"/>
-            <a:ext cx="6432176" cy="461665"/>
-          </a:xfrm>
-          <a:prstGeom prst="rect">
-            <a:avLst/>
-          </a:prstGeom>
-          <a:solidFill>
-            <a:schemeClr val="tx1">
-              <a:lumMod val="95000"/>
-              <a:lumOff val="5000"/>
-              <a:alpha val="55000"/>
-            </a:schemeClr>
-          </a:solidFill>
-        </p:spPr>
-        <p:txBody>
-          <a:bodyPr wrap="square" rtlCol="0">
-            <a:normAutofit/>
-          </a:bodyPr>
-          <a:lstStyle/>
-          <a:p>
-            <a:r>
-              <a:rPr lang="en-US" sz="2400" b="1" dirty="0" smtClean="0">
-                <a:solidFill>
-                  <a:schemeClr val="bg1"/>
-                </a:solidFill>
-              </a:rPr>
-              <a:t>	What is Stock Monitoring System</a:t>
-            </a:r>
-            <a:endParaRPr lang="en-US" sz="2400" b="1" dirty="0">
-              <a:solidFill>
-                <a:schemeClr val="bg1"/>
-              </a:solidFill>
-            </a:endParaRPr>
-          </a:p>
-        </p:txBody>
-      </p:sp>
-    </p:spTree>
-  </p:cSld>
-  <p:clrMapOvr>
-    <a:masterClrMapping/>
-  </p:clrMapOvr>
-  <mc:AlternateContent xmlns:mc="http://schemas.openxmlformats.org/markup-compatibility/2006" xmlns:p14="http://schemas.microsoft.com/office/powerpoint/2010/main">
-    <mc:Choice Requires="p14">
-      <p:transition spd="slow" p14:dur="2000">
-        <p:blinds dir="vert"/>
-      </p:transition>
-    </mc:Choice>
-    <mc:Fallback xmlns="">
-      <p:transition spd="slow">
-        <p:blinds dir="vert"/>
-      </p:transition>
-    </mc:Fallback>
-  </mc:AlternateContent>
-  <p:timing>
-    <p:tnLst>
-      <p:par>
-        <p:cTn id="1" dur="indefinite" restart="never" nodeType="tmRoot"/>
-      </p:par>
-    </p:tnLst>
-  </p:timing>
-</p:sld>
-</file>
-
-<file path=ppt/slides/slide30.xml><?xml version="1.0" encoding="utf-8"?>
+<file path=ppt/slides/slide28.xml><?xml version="1.0" encoding="utf-8"?>
 <p:sld xmlns:a="http://schemas.openxmlformats.org/drawingml/2006/main" xmlns:r="http://schemas.openxmlformats.org/officeDocument/2006/relationships" xmlns:p="http://schemas.openxmlformats.org/presentationml/2006/main">
   <p:cSld>
     <p:spTree>
@@ -20355,7 +20171,7 @@
 </p:sld>
 </file>
 
-<file path=ppt/slides/slide31.xml><?xml version="1.0" encoding="utf-8"?>
+<file path=ppt/slides/slide29.xml><?xml version="1.0" encoding="utf-8"?>
 <p:sld xmlns:a="http://schemas.openxmlformats.org/drawingml/2006/main" xmlns:r="http://schemas.openxmlformats.org/officeDocument/2006/relationships" xmlns:p="http://schemas.openxmlformats.org/presentationml/2006/main">
   <p:cSld>
     <p:spTree>
@@ -20510,15 +20326,7 @@
                   <a:srgbClr val="FC7500"/>
                 </a:solidFill>
               </a:rPr>
-              <a:t>Multi-processing/threading </a:t>
-            </a:r>
-            <a:r>
-              <a:rPr lang="en-US" sz="2400" b="1" dirty="0" smtClean="0">
-                <a:solidFill>
-                  <a:srgbClr val="FC7500"/>
-                </a:solidFill>
-              </a:rPr>
-              <a:t>enhancement</a:t>
+              <a:t>Multi-processing/threading enhancement</a:t>
             </a:r>
           </a:p>
           <a:p>
@@ -20534,11 +20342,6 @@
               </a:rPr>
               <a:t>Complete Functions Development</a:t>
             </a:r>
-            <a:endParaRPr lang="en-US" sz="2400" b="1" dirty="0" smtClean="0">
-              <a:solidFill>
-                <a:srgbClr val="FC7500"/>
-              </a:solidFill>
-            </a:endParaRPr>
           </a:p>
           <a:p>
             <a:pPr marL="342900" indent="-342900">
@@ -20551,15 +20354,7 @@
                   <a:srgbClr val="FC7500"/>
                 </a:solidFill>
               </a:rPr>
-              <a:t>Multi-language </a:t>
-            </a:r>
-            <a:r>
-              <a:rPr lang="en-US" sz="2400" b="1" dirty="0" smtClean="0">
-                <a:solidFill>
-                  <a:srgbClr val="FC7500"/>
-                </a:solidFill>
-              </a:rPr>
-              <a:t>platforms</a:t>
+              <a:t>Multi-language platforms</a:t>
             </a:r>
           </a:p>
           <a:p>
@@ -20589,11 +20384,6 @@
               </a:rPr>
               <a:t>Multi-Platform Compatible</a:t>
             </a:r>
-            <a:endParaRPr lang="en-US" sz="2400" b="1" dirty="0" smtClean="0">
-              <a:solidFill>
-                <a:srgbClr val="FC7500"/>
-              </a:solidFill>
-            </a:endParaRPr>
           </a:p>
           <a:p>
             <a:pPr marL="342900" indent="-342900">
@@ -20734,7 +20524,224 @@
 </p:sld>
 </file>
 
-<file path=ppt/slides/slide32.xml><?xml version="1.0" encoding="utf-8"?>
+<file path=ppt/slides/slide3.xml><?xml version="1.0" encoding="utf-8"?>
+<p:sld xmlns:a="http://schemas.openxmlformats.org/drawingml/2006/main" xmlns:r="http://schemas.openxmlformats.org/officeDocument/2006/relationships" xmlns:p="http://schemas.openxmlformats.org/presentationml/2006/main">
+  <p:cSld>
+    <p:spTree>
+      <p:nvGrpSpPr>
+        <p:cNvPr id="1" name=""/>
+        <p:cNvGrpSpPr/>
+        <p:nvPr/>
+      </p:nvGrpSpPr>
+      <p:grpSpPr>
+        <a:xfrm>
+          <a:off x="0" y="0"/>
+          <a:ext cx="0" cy="0"/>
+          <a:chOff x="0" y="0"/>
+          <a:chExt cx="0" cy="0"/>
+        </a:xfrm>
+      </p:grpSpPr>
+      <p:sp>
+        <p:nvSpPr>
+          <p:cNvPr id="15" name="Rectangle 14"/>
+          <p:cNvSpPr/>
+          <p:nvPr/>
+        </p:nvSpPr>
+        <p:spPr>
+          <a:xfrm>
+            <a:off x="240475" y="240475"/>
+            <a:ext cx="8686800" cy="6400800"/>
+          </a:xfrm>
+          <a:prstGeom prst="rect">
+            <a:avLst/>
+          </a:prstGeom>
+          <a:solidFill>
+            <a:schemeClr val="bg1"/>
+          </a:solidFill>
+          <a:ln>
+            <a:noFill/>
+          </a:ln>
+        </p:spPr>
+        <p:style>
+          <a:lnRef idx="2">
+            <a:schemeClr val="accent1">
+              <a:shade val="50000"/>
+            </a:schemeClr>
+          </a:lnRef>
+          <a:fillRef idx="1">
+            <a:schemeClr val="accent1"/>
+          </a:fillRef>
+          <a:effectRef idx="0">
+            <a:schemeClr val="accent1"/>
+          </a:effectRef>
+          <a:fontRef idx="minor">
+            <a:schemeClr val="lt1"/>
+          </a:fontRef>
+        </p:style>
+        <p:txBody>
+          <a:bodyPr rtlCol="0" anchor="ctr"/>
+          <a:lstStyle/>
+          <a:p>
+            <a:pPr algn="ctr"/>
+            <a:endParaRPr lang="en-US"/>
+          </a:p>
+        </p:txBody>
+      </p:sp>
+      <p:sp>
+        <p:nvSpPr>
+          <p:cNvPr id="16" name="Rectangle 15"/>
+          <p:cNvSpPr/>
+          <p:nvPr/>
+        </p:nvSpPr>
+        <p:spPr>
+          <a:xfrm>
+            <a:off x="188259" y="188259"/>
+            <a:ext cx="8776448" cy="6490448"/>
+          </a:xfrm>
+          <a:prstGeom prst="rect">
+            <a:avLst/>
+          </a:prstGeom>
+          <a:noFill/>
+          <a:ln w="31750">
+            <a:solidFill>
+              <a:schemeClr val="bg1"/>
+            </a:solidFill>
+          </a:ln>
+        </p:spPr>
+        <p:style>
+          <a:lnRef idx="2">
+            <a:schemeClr val="accent1">
+              <a:shade val="50000"/>
+            </a:schemeClr>
+          </a:lnRef>
+          <a:fillRef idx="1">
+            <a:schemeClr val="accent1"/>
+          </a:fillRef>
+          <a:effectRef idx="0">
+            <a:schemeClr val="accent1"/>
+          </a:effectRef>
+          <a:fontRef idx="minor">
+            <a:schemeClr val="lt1"/>
+          </a:fontRef>
+        </p:style>
+        <p:txBody>
+          <a:bodyPr rtlCol="0" anchor="ctr"/>
+          <a:lstStyle/>
+          <a:p>
+            <a:pPr algn="ctr"/>
+            <a:endParaRPr lang="en-US"/>
+          </a:p>
+        </p:txBody>
+      </p:sp>
+      <p:sp>
+        <p:nvSpPr>
+          <p:cNvPr id="9" name="TextBox 8"/>
+          <p:cNvSpPr txBox="1"/>
+          <p:nvPr/>
+        </p:nvSpPr>
+        <p:spPr>
+          <a:xfrm>
+            <a:off x="1143000" y="1828799"/>
+            <a:ext cx="6781800" cy="4648201"/>
+          </a:xfrm>
+          <a:prstGeom prst="rect">
+            <a:avLst/>
+          </a:prstGeom>
+          <a:noFill/>
+        </p:spPr>
+        <p:txBody>
+          <a:bodyPr wrap="square" rtlCol="0">
+            <a:normAutofit fontScale="92500" lnSpcReduction="10000"/>
+          </a:bodyPr>
+          <a:lstStyle/>
+          <a:p>
+            <a:r>
+              <a:rPr lang="en-US" altLang="zh-HK" sz="2400" dirty="0"/>
+              <a:t>Stock Monitoring System aims to serve individual investors by providing real-time stock information with their watch lists. It is also a platform for users with different investment habits to track their target stocks and be notified when their tracking stocks reach their custom target price ranges.</a:t>
+            </a:r>
+            <a:endParaRPr lang="zh-TW" altLang="zh-HK" sz="2400" dirty="0"/>
+          </a:p>
+          <a:p>
+            <a:r>
+              <a:rPr lang="en-US" altLang="zh-HK" sz="2400" dirty="0"/>
+              <a:t>Stock price notification function would display the real-time stock market situation and changes by alerting the users with the notification function via the program itself automatically. These notification messages could provide useful and instant helps to users so they would be aware of the changes of their target stocks during the daily life. Moreover, personal watch lists and profit calculator are also delivered to users which allow them to manage their target stocks in the organized and clear interface.</a:t>
+            </a:r>
+            <a:endParaRPr lang="zh-TW" altLang="zh-HK" sz="2400" dirty="0"/>
+          </a:p>
+        </p:txBody>
+      </p:sp>
+      <p:sp>
+        <p:nvSpPr>
+          <p:cNvPr id="10" name="TextBox 9"/>
+          <p:cNvSpPr txBox="1"/>
+          <p:nvPr/>
+        </p:nvSpPr>
+        <p:spPr>
+          <a:xfrm>
+            <a:off x="240767" y="762000"/>
+            <a:ext cx="6432176" cy="461665"/>
+          </a:xfrm>
+          <a:prstGeom prst="rect">
+            <a:avLst/>
+          </a:prstGeom>
+          <a:solidFill>
+            <a:schemeClr val="tx1">
+              <a:lumMod val="95000"/>
+              <a:lumOff val="5000"/>
+              <a:alpha val="55000"/>
+            </a:schemeClr>
+          </a:solidFill>
+        </p:spPr>
+        <p:txBody>
+          <a:bodyPr wrap="square" rtlCol="0">
+            <a:normAutofit/>
+          </a:bodyPr>
+          <a:lstStyle/>
+          <a:p>
+            <a:r>
+              <a:rPr lang="en-US" sz="2400" b="1" dirty="0" smtClean="0">
+                <a:solidFill>
+                  <a:schemeClr val="bg1"/>
+                </a:solidFill>
+              </a:rPr>
+              <a:t>	What is Stock Monitoring System</a:t>
+            </a:r>
+            <a:endParaRPr lang="en-US" sz="2400" b="1" dirty="0">
+              <a:solidFill>
+                <a:schemeClr val="bg1"/>
+              </a:solidFill>
+            </a:endParaRPr>
+          </a:p>
+        </p:txBody>
+      </p:sp>
+    </p:spTree>
+  </p:cSld>
+  <p:clrMapOvr>
+    <a:masterClrMapping/>
+  </p:clrMapOvr>
+  <mc:AlternateContent xmlns:mc="http://schemas.openxmlformats.org/markup-compatibility/2006" xmlns:p14="http://schemas.microsoft.com/office/powerpoint/2010/main">
+    <mc:Choice Requires="p14">
+      <p:transition spd="slow" p14:dur="2000">
+        <p:blinds dir="vert"/>
+      </p:transition>
+    </mc:Choice>
+    <mc:Fallback xmlns="">
+      <p:transition spd="slow">
+        <p:blinds dir="vert"/>
+      </p:transition>
+    </mc:Fallback>
+  </mc:AlternateContent>
+  <p:timing>
+    <p:tnLst>
+      <p:par>
+        <p:cTn id="1" dur="indefinite" restart="never" nodeType="tmRoot"/>
+      </p:par>
+    </p:tnLst>
+  </p:timing>
+</p:sld>
+</file>
+
+<file path=ppt/slides/slide30.xml><?xml version="1.0" encoding="utf-8"?>
 <p:sld xmlns:a="http://schemas.openxmlformats.org/drawingml/2006/main" xmlns:r="http://schemas.openxmlformats.org/officeDocument/2006/relationships" xmlns:p="http://schemas.openxmlformats.org/presentationml/2006/main" showMasterSp="0">
   <p:cSld>
     <p:spTree>
@@ -20851,7 +20858,7 @@
 </p:sld>
 </file>
 
-<file path=ppt/slides/slide33.xml><?xml version="1.0" encoding="utf-8"?>
+<file path=ppt/slides/slide31.xml><?xml version="1.0" encoding="utf-8"?>
 <p:sld xmlns:a="http://schemas.openxmlformats.org/drawingml/2006/main" xmlns:r="http://schemas.openxmlformats.org/officeDocument/2006/relationships" xmlns:p="http://schemas.openxmlformats.org/presentationml/2006/main" showMasterSp="0">
   <p:cSld>
     <p:spTree>
@@ -21090,7 +21097,7 @@
         </p:nvSpPr>
         <p:spPr>
           <a:xfrm>
-            <a:off x="1143000" y="1828799"/>
+            <a:off x="1143000" y="1828798"/>
             <a:ext cx="6781800" cy="4648201"/>
           </a:xfrm>
           <a:prstGeom prst="rect">
@@ -21114,8 +21121,101 @@
                   <a:srgbClr val="FC7500"/>
                 </a:solidFill>
               </a:rPr>
-              <a:t>Monitoring multi stocks concurrently</a:t>
-            </a:r>
+              <a:t>Problems of software in the market:</a:t>
+            </a:r>
+          </a:p>
+          <a:p>
+            <a:pPr marL="800100" lvl="1" indent="-342900">
+              <a:buFont typeface="Arial" pitchFamily="34" charset="0"/>
+              <a:buChar char="•"/>
+            </a:pPr>
+            <a:r>
+              <a:rPr lang="en-US" sz="2400" b="1" dirty="0" smtClean="0">
+                <a:solidFill>
+                  <a:srgbClr val="FC7500"/>
+                </a:solidFill>
+              </a:rPr>
+              <a:t>Information </a:t>
+            </a:r>
+            <a:r>
+              <a:rPr lang="en-US" sz="2400" b="1" dirty="0">
+                <a:solidFill>
+                  <a:srgbClr val="FC7500"/>
+                </a:solidFill>
+              </a:rPr>
+              <a:t>not up to </a:t>
+            </a:r>
+            <a:r>
+              <a:rPr lang="en-US" sz="2400" b="1" dirty="0" smtClean="0">
+                <a:solidFill>
+                  <a:srgbClr val="FC7500"/>
+                </a:solidFill>
+              </a:rPr>
+              <a:t>date</a:t>
+            </a:r>
+          </a:p>
+          <a:p>
+            <a:pPr marL="800100" lvl="1" indent="-342900">
+              <a:buFont typeface="Arial" pitchFamily="34" charset="0"/>
+              <a:buChar char="•"/>
+            </a:pPr>
+            <a:r>
+              <a:rPr lang="en-US" sz="2400" b="1" dirty="0" smtClean="0">
+                <a:solidFill>
+                  <a:srgbClr val="FC7500"/>
+                </a:solidFill>
+              </a:rPr>
+              <a:t>Data not sync</a:t>
+            </a:r>
+          </a:p>
+          <a:p>
+            <a:pPr marL="800100" lvl="1" indent="-342900">
+              <a:buFont typeface="Arial" pitchFamily="34" charset="0"/>
+              <a:buChar char="•"/>
+            </a:pPr>
+            <a:r>
+              <a:rPr lang="en-US" sz="2400" b="1" dirty="0" smtClean="0">
+                <a:solidFill>
+                  <a:srgbClr val="FC7500"/>
+                </a:solidFill>
+              </a:rPr>
+              <a:t>Not user friendly</a:t>
+            </a:r>
+          </a:p>
+          <a:p>
+            <a:pPr marL="800100" lvl="1" indent="-342900">
+              <a:buFont typeface="Arial" pitchFamily="34" charset="0"/>
+              <a:buChar char="•"/>
+            </a:pPr>
+            <a:r>
+              <a:rPr lang="en-US" sz="2400" b="1" dirty="0" smtClean="0">
+                <a:solidFill>
+                  <a:srgbClr val="FC7500"/>
+                </a:solidFill>
+              </a:rPr>
+              <a:t>Poor security</a:t>
+            </a:r>
+          </a:p>
+          <a:p>
+            <a:pPr marL="800100" lvl="1" indent="-342900">
+              <a:buFont typeface="Arial" pitchFamily="34" charset="0"/>
+              <a:buChar char="•"/>
+            </a:pPr>
+            <a:r>
+              <a:rPr lang="en-US" sz="2400" b="1" dirty="0" smtClean="0">
+                <a:solidFill>
+                  <a:srgbClr val="FC7500"/>
+                </a:solidFill>
+              </a:rPr>
+              <a:t>Price issue</a:t>
+            </a:r>
+          </a:p>
+          <a:p>
+            <a:endParaRPr lang="en-US" sz="2400" b="1" dirty="0" smtClean="0">
+              <a:solidFill>
+                <a:srgbClr val="FC7500"/>
+              </a:solidFill>
+            </a:endParaRPr>
           </a:p>
           <a:p>
             <a:pPr marL="342900" indent="-342900">
@@ -21354,8 +21454,69 @@
                   <a:srgbClr val="FC7500"/>
                 </a:solidFill>
               </a:rPr>
-              <a:t>Monitoring multi stocks concurrently</a:t>
-            </a:r>
+              <a:t>API for </a:t>
+            </a:r>
+            <a:r>
+              <a:rPr lang="en-US" sz="2400" b="1" dirty="0" smtClean="0">
+                <a:solidFill>
+                  <a:srgbClr val="FC7500"/>
+                </a:solidFill>
+              </a:rPr>
+              <a:t>stock information</a:t>
+            </a:r>
+          </a:p>
+          <a:p>
+            <a:pPr marL="342900" indent="-342900">
+              <a:buFont typeface="Arial" pitchFamily="34" charset="0"/>
+              <a:buChar char="•"/>
+            </a:pPr>
+            <a:r>
+              <a:rPr lang="en-US" sz="2400" b="1" dirty="0" smtClean="0">
+                <a:solidFill>
+                  <a:srgbClr val="FC7500"/>
+                </a:solidFill>
+              </a:rPr>
+              <a:t>Auto-refresh 20 stocks at the same time without system failure</a:t>
+            </a:r>
+          </a:p>
+          <a:p>
+            <a:pPr marL="342900" indent="-342900">
+              <a:buFont typeface="Arial" pitchFamily="34" charset="0"/>
+              <a:buChar char="•"/>
+            </a:pPr>
+            <a:r>
+              <a:rPr lang="en-US" sz="2400" b="1" dirty="0" smtClean="0">
+                <a:solidFill>
+                  <a:srgbClr val="FC7500"/>
+                </a:solidFill>
+              </a:rPr>
+              <a:t>System is developed by using python</a:t>
+            </a:r>
+          </a:p>
+          <a:p>
+            <a:pPr marL="342900" indent="-342900">
+              <a:buFont typeface="Arial" pitchFamily="34" charset="0"/>
+              <a:buChar char="•"/>
+            </a:pPr>
+            <a:r>
+              <a:rPr lang="en-US" sz="2400" b="1" dirty="0" smtClean="0">
+                <a:solidFill>
+                  <a:srgbClr val="FC7500"/>
+                </a:solidFill>
+              </a:rPr>
+              <a:t>Time issue</a:t>
+            </a:r>
+          </a:p>
+          <a:p>
+            <a:pPr marL="342900" indent="-342900">
+              <a:buFont typeface="Arial" pitchFamily="34" charset="0"/>
+              <a:buChar char="•"/>
+            </a:pPr>
+            <a:endParaRPr lang="en-US" sz="2400" b="1" dirty="0" smtClean="0">
+              <a:solidFill>
+                <a:srgbClr val="FC7500"/>
+              </a:solidFill>
+            </a:endParaRPr>
           </a:p>
           <a:p>
             <a:pPr marL="342900" indent="-342900">
@@ -21594,8 +21755,72 @@
                   <a:srgbClr val="FC7500"/>
                 </a:solidFill>
               </a:rPr>
-              <a:t>Monitoring multi stocks concurrently</a:t>
-            </a:r>
+              <a:t>Using free API</a:t>
+            </a:r>
+          </a:p>
+          <a:p>
+            <a:pPr marL="342900" indent="-342900">
+              <a:buFont typeface="Arial" pitchFamily="34" charset="0"/>
+              <a:buChar char="•"/>
+            </a:pPr>
+            <a:r>
+              <a:rPr lang="en-US" sz="2400" b="1" dirty="0" smtClean="0">
+                <a:solidFill>
+                  <a:srgbClr val="FC7500"/>
+                </a:solidFill>
+              </a:rPr>
+              <a:t>Multi-threading/processing technology</a:t>
+            </a:r>
+          </a:p>
+          <a:p>
+            <a:pPr marL="342900" indent="-342900">
+              <a:buFont typeface="Arial" pitchFamily="34" charset="0"/>
+              <a:buChar char="•"/>
+            </a:pPr>
+            <a:r>
+              <a:rPr lang="en-US" sz="2400" b="1" dirty="0" smtClean="0">
+                <a:solidFill>
+                  <a:srgbClr val="FC7500"/>
+                </a:solidFill>
+              </a:rPr>
+              <a:t>Using free GUI-framework to develop the program</a:t>
+            </a:r>
+          </a:p>
+          <a:p>
+            <a:pPr marL="342900" indent="-342900">
+              <a:buFont typeface="Arial" pitchFamily="34" charset="0"/>
+              <a:buChar char="•"/>
+            </a:pPr>
+            <a:r>
+              <a:rPr lang="en-US" sz="2400" b="1" dirty="0" smtClean="0">
+                <a:solidFill>
+                  <a:srgbClr val="FC7500"/>
+                </a:solidFill>
+              </a:rPr>
+              <a:t>Using existing libraries</a:t>
+            </a:r>
+          </a:p>
+          <a:p>
+            <a:pPr marL="342900" indent="-342900">
+              <a:buFont typeface="Arial" pitchFamily="34" charset="0"/>
+              <a:buChar char="•"/>
+            </a:pPr>
+            <a:endParaRPr lang="en-US" sz="2400" b="1" dirty="0" smtClean="0">
+              <a:solidFill>
+                <a:srgbClr val="FC7500"/>
+              </a:solidFill>
+            </a:endParaRPr>
+          </a:p>
+          <a:p>
+            <a:pPr marL="342900" indent="-342900">
+              <a:buFont typeface="Arial" pitchFamily="34" charset="0"/>
+              <a:buChar char="•"/>
+            </a:pPr>
+            <a:endParaRPr lang="en-US" sz="2400" b="1" dirty="0" smtClean="0">
+              <a:solidFill>
+                <a:srgbClr val="FC7500"/>
+              </a:solidFill>
+            </a:endParaRPr>
           </a:p>
           <a:p>
             <a:pPr marL="342900" indent="-342900">
@@ -21864,11 +22089,6 @@
               </a:rPr>
               <a:t>Login*</a:t>
             </a:r>
-            <a:endParaRPr lang="en-US" sz="2400" b="1" dirty="0" smtClean="0">
-              <a:solidFill>
-                <a:srgbClr val="FC7500"/>
-              </a:solidFill>
-            </a:endParaRPr>
           </a:p>
           <a:p>
             <a:pPr marL="800100" lvl="1" indent="-342900">
@@ -21883,11 +22103,6 @@
               </a:rPr>
               <a:t>Logout*</a:t>
             </a:r>
-            <a:endParaRPr lang="en-US" sz="2400" b="1" dirty="0" smtClean="0">
-              <a:solidFill>
-                <a:srgbClr val="FC7500"/>
-              </a:solidFill>
-            </a:endParaRPr>
           </a:p>
           <a:p>
             <a:pPr marL="800100" lvl="1" indent="-342900">
@@ -21928,21 +22143,8 @@
                   <a:srgbClr val="FC7500"/>
                 </a:solidFill>
               </a:rPr>
-              <a:t>Display news related to HK stock </a:t>
-            </a:r>
-            <a:r>
-              <a:rPr lang="en-US" sz="2400" b="1" dirty="0" smtClean="0">
-                <a:solidFill>
-                  <a:srgbClr val="FC7500"/>
-                </a:solidFill>
-              </a:rPr>
-              <a:t>market*</a:t>
-            </a:r>
-            <a:endParaRPr lang="en-US" sz="2400" b="1" dirty="0" smtClean="0">
-              <a:solidFill>
-                <a:srgbClr val="FC7500"/>
-              </a:solidFill>
-            </a:endParaRPr>
+              <a:t>Display news related to HK stock market*</a:t>
+            </a:r>
           </a:p>
           <a:p>
             <a:pPr marL="342900" indent="-342900">
@@ -21969,21 +22171,8 @@
                   <a:srgbClr val="FC7500"/>
                 </a:solidFill>
               </a:rPr>
-              <a:t>Search stock real-time </a:t>
-            </a:r>
-            <a:r>
-              <a:rPr lang="en-US" sz="2400" b="1" dirty="0" smtClean="0">
-                <a:solidFill>
-                  <a:srgbClr val="FC7500"/>
-                </a:solidFill>
-              </a:rPr>
-              <a:t>information*</a:t>
-            </a:r>
-            <a:endParaRPr lang="en-US" sz="2400" b="1" dirty="0" smtClean="0">
-              <a:solidFill>
-                <a:srgbClr val="FC7500"/>
-              </a:solidFill>
-            </a:endParaRPr>
+              <a:t>Search stock real-time information*</a:t>
+            </a:r>
           </a:p>
           <a:p>
             <a:pPr marL="342900" indent="-342900">
@@ -22236,15 +22425,7 @@
                   <a:srgbClr val="FC7500"/>
                 </a:solidFill>
               </a:rPr>
-              <a:t>Stock price </a:t>
-            </a:r>
-            <a:r>
-              <a:rPr lang="en-US" sz="2400" b="1" dirty="0" smtClean="0">
-                <a:solidFill>
-                  <a:srgbClr val="FC7500"/>
-                </a:solidFill>
-              </a:rPr>
-              <a:t>tracking*</a:t>
+              <a:t>Stock price tracking*</a:t>
             </a:r>
             <a:endParaRPr lang="en-US" sz="2400" b="1" dirty="0">
               <a:solidFill>

--- a/phrase 5 submission/Presentation3.pptx
+++ b/phrase 5 submission/Presentation3.pptx
@@ -5,43 +5,44 @@
     <p:sldMasterId id="2147483648" r:id="rId1"/>
   </p:sldMasterIdLst>
   <p:notesMasterIdLst>
-    <p:notesMasterId r:id="rId33"/>
+    <p:notesMasterId r:id="rId34"/>
   </p:notesMasterIdLst>
   <p:handoutMasterIdLst>
-    <p:handoutMasterId r:id="rId34"/>
+    <p:handoutMasterId r:id="rId35"/>
   </p:handoutMasterIdLst>
   <p:sldIdLst>
     <p:sldId id="306" r:id="rId2"/>
     <p:sldId id="262" r:id="rId3"/>
-    <p:sldId id="308" r:id="rId4"/>
-    <p:sldId id="310" r:id="rId5"/>
-    <p:sldId id="311" r:id="rId6"/>
-    <p:sldId id="312" r:id="rId7"/>
-    <p:sldId id="313" r:id="rId8"/>
-    <p:sldId id="314" r:id="rId9"/>
-    <p:sldId id="315" r:id="rId10"/>
-    <p:sldId id="320" r:id="rId11"/>
-    <p:sldId id="321" r:id="rId12"/>
-    <p:sldId id="322" r:id="rId13"/>
-    <p:sldId id="334" r:id="rId14"/>
-    <p:sldId id="335" r:id="rId15"/>
-    <p:sldId id="336" r:id="rId16"/>
-    <p:sldId id="337" r:id="rId17"/>
-    <p:sldId id="338" r:id="rId18"/>
-    <p:sldId id="323" r:id="rId19"/>
-    <p:sldId id="324" r:id="rId20"/>
-    <p:sldId id="341" r:id="rId21"/>
-    <p:sldId id="326" r:id="rId22"/>
-    <p:sldId id="327" r:id="rId23"/>
-    <p:sldId id="328" r:id="rId24"/>
-    <p:sldId id="329" r:id="rId25"/>
-    <p:sldId id="333" r:id="rId26"/>
-    <p:sldId id="340" r:id="rId27"/>
-    <p:sldId id="318" r:id="rId28"/>
-    <p:sldId id="316" r:id="rId29"/>
-    <p:sldId id="317" r:id="rId30"/>
-    <p:sldId id="270" r:id="rId31"/>
-    <p:sldId id="339" r:id="rId32"/>
+    <p:sldId id="342" r:id="rId4"/>
+    <p:sldId id="343" r:id="rId5"/>
+    <p:sldId id="310" r:id="rId6"/>
+    <p:sldId id="311" r:id="rId7"/>
+    <p:sldId id="312" r:id="rId8"/>
+    <p:sldId id="313" r:id="rId9"/>
+    <p:sldId id="314" r:id="rId10"/>
+    <p:sldId id="315" r:id="rId11"/>
+    <p:sldId id="320" r:id="rId12"/>
+    <p:sldId id="321" r:id="rId13"/>
+    <p:sldId id="322" r:id="rId14"/>
+    <p:sldId id="334" r:id="rId15"/>
+    <p:sldId id="335" r:id="rId16"/>
+    <p:sldId id="336" r:id="rId17"/>
+    <p:sldId id="337" r:id="rId18"/>
+    <p:sldId id="338" r:id="rId19"/>
+    <p:sldId id="323" r:id="rId20"/>
+    <p:sldId id="324" r:id="rId21"/>
+    <p:sldId id="341" r:id="rId22"/>
+    <p:sldId id="326" r:id="rId23"/>
+    <p:sldId id="327" r:id="rId24"/>
+    <p:sldId id="328" r:id="rId25"/>
+    <p:sldId id="329" r:id="rId26"/>
+    <p:sldId id="333" r:id="rId27"/>
+    <p:sldId id="340" r:id="rId28"/>
+    <p:sldId id="318" r:id="rId29"/>
+    <p:sldId id="316" r:id="rId30"/>
+    <p:sldId id="317" r:id="rId31"/>
+    <p:sldId id="270" r:id="rId32"/>
+    <p:sldId id="339" r:id="rId33"/>
   </p:sldIdLst>
   <p:sldSz cx="9144000" cy="6858000" type="screen4x3"/>
   <p:notesSz cx="6858000" cy="9144000"/>
@@ -225,7 +226,7 @@
           <a:p>
             <a:fld id="{744D7EC3-CD50-4DA5-B722-330229C0073D}" type="datetimeFigureOut">
               <a:rPr lang="en-US" smtClean="0"/>
-              <a:t>11/29/2015</a:t>
+              <a:t>11/30/2015</a:t>
             </a:fld>
             <a:endParaRPr lang="en-US"/>
           </a:p>
@@ -390,7 +391,7 @@
           <a:p>
             <a:fld id="{85BE0011-04E0-4F3F-BFCE-633C944A425A}" type="datetimeFigureOut">
               <a:rPr lang="en-US" smtClean="0"/>
-              <a:t>11/29/2015</a:t>
+              <a:t>11/30/2015</a:t>
             </a:fld>
             <a:endParaRPr lang="en-US"/>
           </a:p>
@@ -804,10 +805,6 @@
           <a:bodyPr/>
           <a:lstStyle/>
           <a:p>
-            <a:r>
-              <a:rPr lang="en-US" dirty="0" smtClean="0"/>
-              <a:t>System Design</a:t>
-            </a:r>
             <a:endParaRPr lang="en-US" dirty="0"/>
           </a:p>
         </p:txBody>
@@ -836,11 +833,6 @@
         </p:txBody>
       </p:sp>
     </p:spTree>
-    <p:extLst>
-      <p:ext uri="{BB962C8B-B14F-4D97-AF65-F5344CB8AC3E}">
-        <p14:creationId xmlns:p14="http://schemas.microsoft.com/office/powerpoint/2010/main" val="3406117077"/>
-      </p:ext>
-    </p:extLst>
   </p:cSld>
   <p:clrMapOvr>
     <a:masterClrMapping/>
@@ -894,7 +886,7 @@
           <a:p>
             <a:r>
               <a:rPr lang="en-US" dirty="0" smtClean="0"/>
-              <a:t>Login Process – Component Design</a:t>
+              <a:t>System Design</a:t>
             </a:r>
             <a:endParaRPr lang="en-US" dirty="0"/>
           </a:p>
@@ -926,7 +918,7 @@
     </p:spTree>
     <p:extLst>
       <p:ext uri="{BB962C8B-B14F-4D97-AF65-F5344CB8AC3E}">
-        <p14:creationId xmlns:p14="http://schemas.microsoft.com/office/powerpoint/2010/main" val="794210204"/>
+        <p14:creationId xmlns:p14="http://schemas.microsoft.com/office/powerpoint/2010/main" val="3406117077"/>
       </p:ext>
     </p:extLst>
   </p:cSld>
@@ -982,11 +974,7 @@
           <a:p>
             <a:r>
               <a:rPr lang="en-US" dirty="0" smtClean="0"/>
-              <a:t>Stock Search Engine</a:t>
-            </a:r>
-            <a:r>
-              <a:rPr lang="en-US" altLang="zh-HK" dirty="0" smtClean="0"/>
-              <a:t>– Component Design</a:t>
+              <a:t>Login Process – Component Design</a:t>
             </a:r>
             <a:endParaRPr lang="en-US" dirty="0"/>
           </a:p>
@@ -1018,7 +1006,7 @@
     </p:spTree>
     <p:extLst>
       <p:ext uri="{BB962C8B-B14F-4D97-AF65-F5344CB8AC3E}">
-        <p14:creationId xmlns:p14="http://schemas.microsoft.com/office/powerpoint/2010/main" val="4006488752"/>
+        <p14:creationId xmlns:p14="http://schemas.microsoft.com/office/powerpoint/2010/main" val="794210204"/>
       </p:ext>
     </p:extLst>
   </p:cSld>
@@ -1074,7 +1062,7 @@
           <a:p>
             <a:r>
               <a:rPr lang="en-US" dirty="0" smtClean="0"/>
-              <a:t>Financial News</a:t>
+              <a:t>Stock Search Engine</a:t>
             </a:r>
             <a:r>
               <a:rPr lang="en-US" altLang="zh-HK" dirty="0" smtClean="0"/>
@@ -1166,7 +1154,7 @@
           <a:p>
             <a:r>
               <a:rPr lang="en-US" dirty="0" smtClean="0"/>
-              <a:t>About Us &amp; Indexes</a:t>
+              <a:t>Financial News</a:t>
             </a:r>
             <a:r>
               <a:rPr lang="en-US" altLang="zh-HK" dirty="0" smtClean="0"/>
@@ -1258,7 +1246,7 @@
           <a:p>
             <a:r>
               <a:rPr lang="en-US" dirty="0" smtClean="0"/>
-              <a:t>Setting</a:t>
+              <a:t>About Us &amp; Indexes</a:t>
             </a:r>
             <a:r>
               <a:rPr lang="en-US" altLang="zh-HK" dirty="0" smtClean="0"/>
@@ -1349,12 +1337,8 @@
           <a:lstStyle/>
           <a:p>
             <a:r>
-              <a:rPr lang="en-US" altLang="zh-HK" dirty="0" smtClean="0"/>
-              <a:t>Monitoring</a:t>
-            </a:r>
-            <a:r>
-              <a:rPr lang="en-US" altLang="zh-HK" baseline="0" dirty="0" smtClean="0"/>
-              <a:t> System + Notification</a:t>
+              <a:rPr lang="en-US" dirty="0" smtClean="0"/>
+              <a:t>Setting</a:t>
             </a:r>
             <a:r>
               <a:rPr lang="en-US" altLang="zh-HK" dirty="0" smtClean="0"/>
@@ -1445,8 +1429,12 @@
           <a:lstStyle/>
           <a:p>
             <a:r>
-              <a:rPr lang="en-US" altLang="zh-HK" dirty="0" err="1" smtClean="0"/>
-              <a:t>Adminstration</a:t>
+              <a:rPr lang="en-US" altLang="zh-HK" dirty="0" smtClean="0"/>
+              <a:t>Monitoring</a:t>
+            </a:r>
+            <a:r>
+              <a:rPr lang="en-US" altLang="zh-HK" baseline="0" dirty="0" smtClean="0"/>
+              <a:t> System + Notification</a:t>
             </a:r>
             <a:r>
               <a:rPr lang="en-US" altLang="zh-HK" dirty="0" smtClean="0"/>
@@ -1537,16 +1525,12 @@
           <a:lstStyle/>
           <a:p>
             <a:r>
-              <a:rPr lang="en-US" dirty="0" smtClean="0"/>
-              <a:t>UI</a:t>
-            </a:r>
-            <a:r>
-              <a:rPr lang="en-US" baseline="0" dirty="0" smtClean="0"/>
-              <a:t> – </a:t>
-            </a:r>
-            <a:r>
-              <a:rPr lang="en-US" baseline="0" dirty="0" err="1" smtClean="0"/>
-              <a:t>MemberMangagementSystem_HomePage</a:t>
+              <a:rPr lang="en-US" altLang="zh-HK" dirty="0" err="1" smtClean="0"/>
+              <a:t>Adminstration</a:t>
+            </a:r>
+            <a:r>
+              <a:rPr lang="en-US" altLang="zh-HK" dirty="0" smtClean="0"/>
+              <a:t>– Component Design</a:t>
             </a:r>
             <a:endParaRPr lang="en-US" dirty="0"/>
           </a:p>
@@ -1578,7 +1562,7 @@
     </p:spTree>
     <p:extLst>
       <p:ext uri="{BB962C8B-B14F-4D97-AF65-F5344CB8AC3E}">
-        <p14:creationId xmlns:p14="http://schemas.microsoft.com/office/powerpoint/2010/main" val="2820704640"/>
+        <p14:creationId xmlns:p14="http://schemas.microsoft.com/office/powerpoint/2010/main" val="4006488752"/>
       </p:ext>
     </p:extLst>
   </p:cSld>
@@ -1638,11 +1622,11 @@
             </a:r>
             <a:r>
               <a:rPr lang="en-US" baseline="0" dirty="0" smtClean="0"/>
-              <a:t> - </a:t>
+              <a:t> – </a:t>
             </a:r>
             <a:r>
               <a:rPr lang="en-US" baseline="0" dirty="0" err="1" smtClean="0"/>
-              <a:t>MemberMangagementSystem_Register</a:t>
+              <a:t>MemberMangagementSystem_HomePage</a:t>
             </a:r>
             <a:endParaRPr lang="en-US" dirty="0"/>
           </a:p>
@@ -1807,35 +1791,19 @@
           <a:bodyPr/>
           <a:lstStyle/>
           <a:p>
-            <a:pPr marL="457200" lvl="1" indent="0">
-              <a:buFont typeface="Arial" pitchFamily="34" charset="0"/>
-              <a:buNone/>
-            </a:pPr>
-            <a:r>
-              <a:rPr lang="en-US" smtClean="0"/>
+            <a:r>
+              <a:rPr lang="en-US" dirty="0" smtClean="0"/>
               <a:t>UI</a:t>
             </a:r>
             <a:r>
-              <a:rPr lang="en-US" baseline="0" smtClean="0"/>
-              <a:t> </a:t>
-            </a:r>
-            <a:r>
-              <a:rPr lang="en-US" baseline="0" smtClean="0"/>
-              <a:t>– </a:t>
-            </a:r>
-            <a:r>
-              <a:rPr lang="en-US" sz="2400" b="1" smtClean="0">
-                <a:solidFill>
-                  <a:srgbClr val="FC7500"/>
-                </a:solidFill>
-              </a:rPr>
-              <a:t>Forget PW</a:t>
-            </a:r>
-            <a:endParaRPr lang="en-US" sz="2400" b="1" dirty="0">
-              <a:solidFill>
-                <a:srgbClr val="FC7500"/>
-              </a:solidFill>
-            </a:endParaRPr>
+              <a:rPr lang="en-US" baseline="0" dirty="0" smtClean="0"/>
+              <a:t> - </a:t>
+            </a:r>
+            <a:r>
+              <a:rPr lang="en-US" baseline="0" dirty="0" err="1" smtClean="0"/>
+              <a:t>MemberMangagementSystem_Register</a:t>
+            </a:r>
+            <a:endParaRPr lang="en-US" dirty="0"/>
           </a:p>
         </p:txBody>
       </p:sp>
@@ -1919,19 +1887,31 @@
           <a:bodyPr/>
           <a:lstStyle/>
           <a:p>
-            <a:r>
-              <a:rPr lang="en-US" dirty="0" smtClean="0"/>
+            <a:pPr marL="457200" lvl="1" indent="0">
+              <a:buFont typeface="Arial" pitchFamily="34" charset="0"/>
+              <a:buNone/>
+            </a:pPr>
+            <a:r>
+              <a:rPr lang="en-US" smtClean="0"/>
               <a:t>UI</a:t>
             </a:r>
             <a:r>
-              <a:rPr lang="en-US" baseline="0" dirty="0" smtClean="0"/>
-              <a:t> - </a:t>
-            </a:r>
-            <a:r>
-              <a:rPr lang="en-US" baseline="0" dirty="0" err="1" smtClean="0"/>
-              <a:t>MemberMangagementSystem_Setting</a:t>
-            </a:r>
-            <a:endParaRPr lang="en-US" dirty="0"/>
+              <a:rPr lang="en-US" baseline="0" smtClean="0"/>
+              <a:t> – </a:t>
+            </a:r>
+            <a:r>
+              <a:rPr lang="en-US" sz="2400" b="1" smtClean="0">
+                <a:solidFill>
+                  <a:srgbClr val="FC7500"/>
+                </a:solidFill>
+              </a:rPr>
+              <a:t>Forget PW</a:t>
+            </a:r>
+            <a:endParaRPr lang="en-US" sz="2400" b="1" dirty="0">
+              <a:solidFill>
+                <a:srgbClr val="FC7500"/>
+              </a:solidFill>
+            </a:endParaRPr>
           </a:p>
         </p:txBody>
       </p:sp>
@@ -2025,7 +2005,7 @@
             </a:r>
             <a:r>
               <a:rPr lang="en-US" baseline="0" dirty="0" err="1" smtClean="0"/>
-              <a:t>NewsDisplay</a:t>
+              <a:t>MemberMangagementSystem_Setting</a:t>
             </a:r>
             <a:endParaRPr lang="en-US" dirty="0"/>
           </a:p>
@@ -2121,7 +2101,7 @@
             </a:r>
             <a:r>
               <a:rPr lang="en-US" baseline="0" dirty="0" err="1" smtClean="0"/>
-              <a:t>StockSearchEngine</a:t>
+              <a:t>NewsDisplay</a:t>
             </a:r>
             <a:endParaRPr lang="en-US" dirty="0"/>
           </a:p>
@@ -2217,7 +2197,7 @@
             </a:r>
             <a:r>
               <a:rPr lang="en-US" baseline="0" dirty="0" err="1" smtClean="0"/>
-              <a:t>StockMonitoring</a:t>
+              <a:t>StockSearchEngine</a:t>
             </a:r>
             <a:endParaRPr lang="en-US" dirty="0"/>
           </a:p>
@@ -2303,10 +2283,6 @@
           <a:bodyPr/>
           <a:lstStyle/>
           <a:p>
-            <a:pPr marL="457200" lvl="1" indent="0">
-              <a:buFont typeface="Arial" pitchFamily="34" charset="0"/>
-              <a:buNone/>
-            </a:pPr>
             <a:r>
               <a:rPr lang="en-US" dirty="0" smtClean="0"/>
               <a:t>UI</a:t>
@@ -2316,18 +2292,10 @@
               <a:t> - </a:t>
             </a:r>
             <a:r>
-              <a:rPr lang="en-US" sz="2400" b="1" dirty="0" smtClean="0">
-                <a:solidFill>
-                  <a:srgbClr val="FC7500"/>
-                </a:solidFill>
-              </a:rPr>
-              <a:t>Admin</a:t>
-            </a:r>
-            <a:endParaRPr lang="en-US" sz="2400" b="1" dirty="0">
-              <a:solidFill>
-                <a:srgbClr val="FC7500"/>
-              </a:solidFill>
-            </a:endParaRPr>
+              <a:rPr lang="en-US" baseline="0" dirty="0" err="1" smtClean="0"/>
+              <a:t>StockMonitoring</a:t>
+            </a:r>
+            <a:endParaRPr lang="en-US" dirty="0"/>
           </a:p>
         </p:txBody>
       </p:sp>
@@ -2421,11 +2389,7 @@
             </a:r>
             <a:r>
               <a:rPr lang="en-US" baseline="0" dirty="0" smtClean="0"/>
-              <a:t> </a:t>
-            </a:r>
-            <a:r>
-              <a:rPr lang="en-US" baseline="0" dirty="0" smtClean="0"/>
-              <a:t>– </a:t>
+              <a:t> - </a:t>
             </a:r>
             <a:r>
               <a:rPr lang="en-US" sz="2400" b="1" dirty="0" smtClean="0">
@@ -2433,7 +2397,7 @@
                   <a:srgbClr val="FC7500"/>
                 </a:solidFill>
               </a:rPr>
-              <a:t>About Us</a:t>
+              <a:t>Admin</a:t>
             </a:r>
             <a:endParaRPr lang="en-US" sz="2400" b="1" dirty="0">
               <a:solidFill>
@@ -2523,7 +2487,31 @@
           <a:bodyPr/>
           <a:lstStyle/>
           <a:p>
-            <a:endParaRPr lang="en-US" dirty="0"/>
+            <a:pPr marL="457200" lvl="1" indent="0">
+              <a:buFont typeface="Arial" pitchFamily="34" charset="0"/>
+              <a:buNone/>
+            </a:pPr>
+            <a:r>
+              <a:rPr lang="en-US" dirty="0" smtClean="0"/>
+              <a:t>UI</a:t>
+            </a:r>
+            <a:r>
+              <a:rPr lang="en-US" baseline="0" dirty="0" smtClean="0"/>
+              <a:t> – </a:t>
+            </a:r>
+            <a:r>
+              <a:rPr lang="en-US" sz="2400" b="1" dirty="0" smtClean="0">
+                <a:solidFill>
+                  <a:srgbClr val="FC7500"/>
+                </a:solidFill>
+              </a:rPr>
+              <a:t>About Us</a:t>
+            </a:r>
+            <a:endParaRPr lang="en-US" sz="2400" b="1" dirty="0">
+              <a:solidFill>
+                <a:srgbClr val="FC7500"/>
+              </a:solidFill>
+            </a:endParaRPr>
           </a:p>
         </p:txBody>
       </p:sp>
@@ -2551,6 +2539,11 @@
         </p:txBody>
       </p:sp>
     </p:spTree>
+    <p:extLst>
+      <p:ext uri="{BB962C8B-B14F-4D97-AF65-F5344CB8AC3E}">
+        <p14:creationId xmlns:p14="http://schemas.microsoft.com/office/powerpoint/2010/main" val="2820704640"/>
+      </p:ext>
+    </p:extLst>
   </p:cSld>
   <p:clrMapOvr>
     <a:masterClrMapping/>
@@ -2940,6 +2933,85 @@
             <a:fld id="{DD7D2AD7-BD31-48B9-8C8A-7D4EAE7F6485}" type="slidenum">
               <a:rPr lang="en-US" smtClean="0"/>
               <a:t>31</a:t>
+            </a:fld>
+            <a:endParaRPr lang="en-US"/>
+          </a:p>
+        </p:txBody>
+      </p:sp>
+    </p:spTree>
+  </p:cSld>
+  <p:clrMapOvr>
+    <a:masterClrMapping/>
+  </p:clrMapOvr>
+</p:notes>
+</file>
+
+<file path=ppt/notesSlides/notesSlide32.xml><?xml version="1.0" encoding="utf-8"?>
+<p:notes xmlns:a="http://schemas.openxmlformats.org/drawingml/2006/main" xmlns:r="http://schemas.openxmlformats.org/officeDocument/2006/relationships" xmlns:p="http://schemas.openxmlformats.org/presentationml/2006/main">
+  <p:cSld>
+    <p:spTree>
+      <p:nvGrpSpPr>
+        <p:cNvPr id="1" name=""/>
+        <p:cNvGrpSpPr/>
+        <p:nvPr/>
+      </p:nvGrpSpPr>
+      <p:grpSpPr>
+        <a:xfrm>
+          <a:off x="0" y="0"/>
+          <a:ext cx="0" cy="0"/>
+          <a:chOff x="0" y="0"/>
+          <a:chExt cx="0" cy="0"/>
+        </a:xfrm>
+      </p:grpSpPr>
+      <p:sp>
+        <p:nvSpPr>
+          <p:cNvPr id="2" name="Slide Image Placeholder 1"/>
+          <p:cNvSpPr>
+            <a:spLocks noGrp="1" noRot="1" noChangeAspect="1"/>
+          </p:cNvSpPr>
+          <p:nvPr>
+            <p:ph type="sldImg"/>
+          </p:nvPr>
+        </p:nvSpPr>
+        <p:spPr/>
+      </p:sp>
+      <p:sp>
+        <p:nvSpPr>
+          <p:cNvPr id="3" name="Notes Placeholder 2"/>
+          <p:cNvSpPr>
+            <a:spLocks noGrp="1"/>
+          </p:cNvSpPr>
+          <p:nvPr>
+            <p:ph type="body" idx="1"/>
+          </p:nvPr>
+        </p:nvSpPr>
+        <p:spPr/>
+        <p:txBody>
+          <a:bodyPr/>
+          <a:lstStyle/>
+          <a:p>
+            <a:endParaRPr lang="en-US" dirty="0"/>
+          </a:p>
+        </p:txBody>
+      </p:sp>
+      <p:sp>
+        <p:nvSpPr>
+          <p:cNvPr id="4" name="Slide Number Placeholder 3"/>
+          <p:cNvSpPr>
+            <a:spLocks noGrp="1"/>
+          </p:cNvSpPr>
+          <p:nvPr>
+            <p:ph type="sldNum" sz="quarter" idx="10"/>
+          </p:nvPr>
+        </p:nvSpPr>
+        <p:spPr/>
+        <p:txBody>
+          <a:bodyPr/>
+          <a:lstStyle/>
+          <a:p>
+            <a:fld id="{DD7D2AD7-BD31-48B9-8C8A-7D4EAE7F6485}" type="slidenum">
+              <a:rPr lang="en-US" smtClean="0"/>
+              <a:t>32</a:t>
             </a:fld>
             <a:endParaRPr lang="en-US"/>
           </a:p>
@@ -4085,7 +4157,7 @@
             <a:fld id="{EFEED2B4-868F-4681-9E70-FF7ECCDC67D4}" type="datetimeFigureOut">
               <a:rPr lang="en-US" smtClean="0"/>
               <a:pPr/>
-              <a:t>11/29/2015</a:t>
+              <a:t>11/30/2015</a:t>
             </a:fld>
             <a:endParaRPr lang="en-US" dirty="0"/>
           </a:p>
@@ -4351,7 +4423,7 @@
           <a:p>
             <a:fld id="{EFEED2B4-868F-4681-9E70-FF7ECCDC67D4}" type="datetimeFigureOut">
               <a:rPr lang="en-US" smtClean="0"/>
-              <a:t>11/29/2015</a:t>
+              <a:t>11/30/2015</a:t>
             </a:fld>
             <a:endParaRPr lang="en-US"/>
           </a:p>
@@ -5061,7 +5133,7 @@
           <a:p>
             <a:fld id="{EFEED2B4-868F-4681-9E70-FF7ECCDC67D4}" type="datetimeFigureOut">
               <a:rPr lang="en-US" smtClean="0"/>
-              <a:t>11/29/2015</a:t>
+              <a:t>11/30/2015</a:t>
             </a:fld>
             <a:endParaRPr lang="en-US"/>
           </a:p>
@@ -5671,7 +5743,7 @@
             <a:fld id="{EFEED2B4-868F-4681-9E70-FF7ECCDC67D4}" type="datetimeFigureOut">
               <a:rPr lang="en-US" smtClean="0"/>
               <a:pPr/>
-              <a:t>11/29/2015</a:t>
+              <a:t>11/30/2015</a:t>
             </a:fld>
             <a:endParaRPr lang="en-US" dirty="0"/>
           </a:p>
@@ -5825,7 +5897,7 @@
           <a:p>
             <a:fld id="{EFEED2B4-868F-4681-9E70-FF7ECCDC67D4}" type="datetimeFigureOut">
               <a:rPr lang="en-US" smtClean="0"/>
-              <a:t>11/29/2015</a:t>
+              <a:t>11/30/2015</a:t>
             </a:fld>
             <a:endParaRPr lang="en-US"/>
           </a:p>
@@ -6344,7 +6416,7 @@
           <a:p>
             <a:fld id="{EFEED2B4-868F-4681-9E70-FF7ECCDC67D4}" type="datetimeFigureOut">
               <a:rPr lang="en-US" smtClean="0"/>
-              <a:t>11/29/2015</a:t>
+              <a:t>11/30/2015</a:t>
             </a:fld>
             <a:endParaRPr lang="en-US"/>
           </a:p>
@@ -6886,7 +6958,7 @@
           <a:p>
             <a:fld id="{EFEED2B4-868F-4681-9E70-FF7ECCDC67D4}" type="datetimeFigureOut">
               <a:rPr lang="en-US" smtClean="0"/>
-              <a:t>11/29/2015</a:t>
+              <a:t>11/30/2015</a:t>
             </a:fld>
             <a:endParaRPr lang="en-US"/>
           </a:p>
@@ -7454,7 +7526,7 @@
           <a:p>
             <a:fld id="{EFEED2B4-868F-4681-9E70-FF7ECCDC67D4}" type="datetimeFigureOut">
               <a:rPr lang="en-US" smtClean="0"/>
-              <a:t>11/29/2015</a:t>
+              <a:t>11/30/2015</a:t>
             </a:fld>
             <a:endParaRPr lang="en-US"/>
           </a:p>
@@ -8512,7 +8584,7 @@
             <a:fld id="{EFEED2B4-868F-4681-9E70-FF7ECCDC67D4}" type="datetimeFigureOut">
               <a:rPr lang="en-US" smtClean="0"/>
               <a:pPr/>
-              <a:t>11/29/2015</a:t>
+              <a:t>11/30/2015</a:t>
             </a:fld>
             <a:endParaRPr lang="en-US" dirty="0"/>
           </a:p>
@@ -8959,7 +9031,7 @@
           <a:p>
             <a:fld id="{EFEED2B4-868F-4681-9E70-FF7ECCDC67D4}" type="datetimeFigureOut">
               <a:rPr lang="en-US" smtClean="0"/>
-              <a:t>11/29/2015</a:t>
+              <a:t>11/30/2015</a:t>
             </a:fld>
             <a:endParaRPr lang="en-US"/>
           </a:p>
@@ -9344,7 +9416,7 @@
           <a:p>
             <a:fld id="{EFEED2B4-868F-4681-9E70-FF7ECCDC67D4}" type="datetimeFigureOut">
               <a:rPr lang="en-US" smtClean="0"/>
-              <a:t>11/29/2015</a:t>
+              <a:t>11/30/2015</a:t>
             </a:fld>
             <a:endParaRPr lang="en-US"/>
           </a:p>
@@ -9905,7 +9977,7 @@
           <a:p>
             <a:fld id="{EFEED2B4-868F-4681-9E70-FF7ECCDC67D4}" type="datetimeFigureOut">
               <a:rPr lang="en-US" smtClean="0"/>
-              <a:t>11/29/2015</a:t>
+              <a:t>11/30/2015</a:t>
             </a:fld>
             <a:endParaRPr lang="en-US"/>
           </a:p>
@@ -10022,7 +10094,7 @@
           <a:p>
             <a:fld id="{EFEED2B4-868F-4681-9E70-FF7ECCDC67D4}" type="datetimeFigureOut">
               <a:rPr lang="en-US" smtClean="0"/>
-              <a:t>11/29/2015</a:t>
+              <a:t>11/30/2015</a:t>
             </a:fld>
             <a:endParaRPr lang="en-US"/>
           </a:p>
@@ -11538,7 +11610,7 @@
           <a:p>
             <a:fld id="{EFEED2B4-868F-4681-9E70-FF7ECCDC67D4}" type="datetimeFigureOut">
               <a:rPr lang="en-US" smtClean="0"/>
-              <a:t>11/29/2015</a:t>
+              <a:t>11/30/2015</a:t>
             </a:fld>
             <a:endParaRPr lang="en-US"/>
           </a:p>
@@ -12700,7 +12772,7 @@
           <a:p>
             <a:fld id="{EFEED2B4-868F-4681-9E70-FF7ECCDC67D4}" type="datetimeFigureOut">
               <a:rPr lang="en-US" smtClean="0"/>
-              <a:t>11/29/2015</a:t>
+              <a:t>11/30/2015</a:t>
             </a:fld>
             <a:endParaRPr lang="en-US"/>
           </a:p>
@@ -13079,7 +13151,7 @@
             <a:fld id="{EFEED2B4-868F-4681-9E70-FF7ECCDC67D4}" type="datetimeFigureOut">
               <a:rPr lang="en-US" smtClean="0"/>
               <a:pPr/>
-              <a:t>11/29/2015</a:t>
+              <a:t>11/30/2015</a:t>
             </a:fld>
             <a:endParaRPr lang="en-US" dirty="0"/>
           </a:p>
@@ -13376,7 +13448,7 @@
             <a:fld id="{EFEED2B4-868F-4681-9E70-FF7ECCDC67D4}" type="datetimeFigureOut">
               <a:rPr lang="en-US" smtClean="0"/>
               <a:pPr/>
-              <a:t>11/29/2015</a:t>
+              <a:t>11/30/2015</a:t>
             </a:fld>
             <a:endParaRPr lang="en-US" dirty="0"/>
           </a:p>
@@ -13852,7 +13924,7 @@
             <a:fld id="{EFEED2B4-868F-4681-9E70-FF7ECCDC67D4}" type="datetimeFigureOut">
               <a:rPr lang="en-US" smtClean="0"/>
               <a:pPr/>
-              <a:t>11/29/2015</a:t>
+              <a:t>11/30/2015</a:t>
             </a:fld>
             <a:endParaRPr lang="en-US" dirty="0"/>
           </a:p>
@@ -14135,7 +14207,7 @@
           <a:p>
             <a:fld id="{EFEED2B4-868F-4681-9E70-FF7ECCDC67D4}" type="datetimeFigureOut">
               <a:rPr lang="en-US" smtClean="0"/>
-              <a:t>11/29/2015</a:t>
+              <a:t>11/30/2015</a:t>
             </a:fld>
             <a:endParaRPr lang="en-US"/>
           </a:p>
@@ -14349,7 +14421,7 @@
           <a:p>
             <a:fld id="{EFEED2B4-868F-4681-9E70-FF7ECCDC67D4}" type="datetimeFigureOut">
               <a:rPr lang="en-US" smtClean="0"/>
-              <a:t>11/29/2015</a:t>
+              <a:t>11/30/2015</a:t>
             </a:fld>
             <a:endParaRPr lang="en-US"/>
           </a:p>
@@ -14760,7 +14832,7 @@
           <a:p>
             <a:fld id="{EFEED2B4-868F-4681-9E70-FF7ECCDC67D4}" type="datetimeFigureOut">
               <a:rPr lang="en-US" smtClean="0"/>
-              <a:t>11/29/2015</a:t>
+              <a:t>11/30/2015</a:t>
             </a:fld>
             <a:endParaRPr lang="en-US"/>
           </a:p>
@@ -15036,7 +15108,7 @@
           <a:p>
             <a:fld id="{EFEED2B4-868F-4681-9E70-FF7ECCDC67D4}" type="datetimeFigureOut">
               <a:rPr lang="en-US" smtClean="0"/>
-              <a:t>11/29/2015</a:t>
+              <a:t>11/30/2015</a:t>
             </a:fld>
             <a:endParaRPr lang="en-US"/>
           </a:p>
@@ -15473,7 +15545,7 @@
           <a:p>
             <a:fld id="{EFEED2B4-868F-4681-9E70-FF7ECCDC67D4}" type="datetimeFigureOut">
               <a:rPr lang="en-US" smtClean="0"/>
-              <a:t>11/29/2015</a:t>
+              <a:t>11/30/2015</a:t>
             </a:fld>
             <a:endParaRPr lang="en-US"/>
           </a:p>
@@ -15694,7 +15766,7 @@
           <a:p>
             <a:fld id="{EFEED2B4-868F-4681-9E70-FF7ECCDC67D4}" type="datetimeFigureOut">
               <a:rPr lang="en-US" smtClean="0"/>
-              <a:t>11/29/2015</a:t>
+              <a:t>11/30/2015</a:t>
             </a:fld>
             <a:endParaRPr lang="en-US"/>
           </a:p>
@@ -16184,7 +16256,7 @@
           <a:p>
             <a:fld id="{EFEED2B4-868F-4681-9E70-FF7ECCDC67D4}" type="datetimeFigureOut">
               <a:rPr lang="en-US" smtClean="0"/>
-              <a:t>11/29/2015</a:t>
+              <a:t>11/30/2015</a:t>
             </a:fld>
             <a:endParaRPr lang="en-US"/>
           </a:p>
@@ -16338,7 +16410,7 @@
             <a:fld id="{EFEED2B4-868F-4681-9E70-FF7ECCDC67D4}" type="datetimeFigureOut">
               <a:rPr lang="en-US" smtClean="0"/>
               <a:pPr/>
-              <a:t>11/29/2015</a:t>
+              <a:t>11/30/2015</a:t>
             </a:fld>
             <a:endParaRPr lang="en-US" dirty="0"/>
           </a:p>
@@ -16831,7 +16903,7 @@
           <a:p>
             <a:fld id="{EFEED2B4-868F-4681-9E70-FF7ECCDC67D4}" type="datetimeFigureOut">
               <a:rPr lang="en-US" smtClean="0"/>
-              <a:t>11/29/2015</a:t>
+              <a:t>11/30/2015</a:t>
             </a:fld>
             <a:endParaRPr lang="en-US"/>
           </a:p>
@@ -17061,7 +17133,7 @@
           <a:p>
             <a:fld id="{EFEED2B4-868F-4681-9E70-FF7ECCDC67D4}" type="datetimeFigureOut">
               <a:rPr lang="en-US" smtClean="0"/>
-              <a:t>11/29/2015</a:t>
+              <a:t>11/30/2015</a:t>
             </a:fld>
             <a:endParaRPr lang="en-US"/>
           </a:p>
@@ -17782,71 +17854,280 @@
       </p:grpSpPr>
       <p:sp>
         <p:nvSpPr>
-          <p:cNvPr id="5" name="圖片版面配置區 4"/>
-          <p:cNvSpPr>
-            <a:spLocks noGrp="1"/>
-          </p:cNvSpPr>
-          <p:nvPr>
-            <p:ph type="pic" sz="quarter" idx="13"/>
+          <p:cNvPr id="2" name="Title 1"/>
+          <p:cNvSpPr>
+            <a:spLocks noGrp="1"/>
+          </p:cNvSpPr>
+          <p:nvPr>
+            <p:ph type="title"/>
           </p:nvPr>
         </p:nvSpPr>
         <p:spPr/>
-      </p:sp>
-      <p:pic>
-        <p:nvPicPr>
-          <p:cNvPr id="7" name="Picture 2" descr="C:\Users\Kitten\Documents\GitHub\comp3006\System Design\System Design - arch.png"/>
-          <p:cNvPicPr>
-            <a:picLocks noChangeAspect="1" noChangeArrowheads="1"/>
-          </p:cNvPicPr>
-          <p:nvPr/>
-        </p:nvPicPr>
-        <p:blipFill rotWithShape="1">
-          <a:blip r:embed="rId3">
-            <a:extLst>
-              <a:ext uri="{28A0092B-C50C-407E-A947-70E740481C1C}">
-                <a14:useLocalDpi xmlns:a14="http://schemas.microsoft.com/office/drawing/2010/main" val="0"/>
-              </a:ext>
-            </a:extLst>
-          </a:blip>
-          <a:srcRect l="2518" r="2556"/>
-          <a:stretch/>
-        </p:blipFill>
-        <p:spPr bwMode="auto">
-          <a:xfrm>
-            <a:off x="570721" y="1143000"/>
-            <a:ext cx="7977985" cy="4267200"/>
-          </a:xfrm>
-          <a:prstGeom prst="rect">
-            <a:avLst/>
-          </a:prstGeom>
-          <a:noFill/>
-          <a:extLst>
-            <a:ext uri="{909E8E84-426E-40DD-AFC4-6F175D3DCCD1}">
-              <a14:hiddenFill xmlns:a14="http://schemas.microsoft.com/office/drawing/2010/main">
-                <a:solidFill>
-                  <a:srgbClr val="FFFFFF"/>
-                </a:solidFill>
-              </a14:hiddenFill>
-            </a:ext>
-          </a:extLst>
-        </p:spPr>
-      </p:pic>
+        <p:txBody>
+          <a:bodyPr>
+            <a:normAutofit/>
+          </a:bodyPr>
+          <a:lstStyle/>
+          <a:p>
+            <a:pPr algn="l"/>
+            <a:r>
+              <a:rPr lang="en-US" dirty="0" smtClean="0"/>
+              <a:t>Stock monitoring system</a:t>
+            </a:r>
+            <a:endParaRPr lang="en-US" b="1" dirty="0">
+              <a:solidFill>
+                <a:schemeClr val="tx1">
+                  <a:lumMod val="85000"/>
+                  <a:lumOff val="15000"/>
+                </a:schemeClr>
+              </a:solidFill>
+            </a:endParaRPr>
+          </a:p>
+        </p:txBody>
+      </p:sp>
+      <p:sp>
+        <p:nvSpPr>
+          <p:cNvPr id="3" name="Text Placeholder 2"/>
+          <p:cNvSpPr>
+            <a:spLocks noGrp="1"/>
+          </p:cNvSpPr>
+          <p:nvPr>
+            <p:ph type="body" idx="1"/>
+          </p:nvPr>
+        </p:nvSpPr>
+        <p:spPr/>
+        <p:txBody>
+          <a:bodyPr>
+            <a:normAutofit/>
+          </a:bodyPr>
+          <a:lstStyle/>
+          <a:p>
+            <a:pPr>
+              <a:buNone/>
+            </a:pPr>
+            <a:r>
+              <a:rPr lang="en-US" sz="2800" b="1" dirty="0" smtClean="0">
+                <a:solidFill>
+                  <a:schemeClr val="tx1">
+                    <a:lumMod val="50000"/>
+                    <a:lumOff val="50000"/>
+                  </a:schemeClr>
+                </a:solidFill>
+              </a:rPr>
+              <a:t>System Overview</a:t>
+            </a:r>
+            <a:endParaRPr lang="en-US" sz="2800" b="1" dirty="0">
+              <a:solidFill>
+                <a:schemeClr val="tx1">
+                  <a:lumMod val="50000"/>
+                  <a:lumOff val="50000"/>
+                </a:schemeClr>
+              </a:solidFill>
+            </a:endParaRPr>
+          </a:p>
+        </p:txBody>
+      </p:sp>
     </p:spTree>
     <p:extLst>
       <p:ext uri="{BB962C8B-B14F-4D97-AF65-F5344CB8AC3E}">
-        <p14:creationId xmlns:p14="http://schemas.microsoft.com/office/powerpoint/2010/main" val="714673604"/>
+        <p14:creationId xmlns:p14="http://schemas.microsoft.com/office/powerpoint/2010/main" val="3869848136"/>
       </p:ext>
     </p:extLst>
   </p:cSld>
   <p:clrMapOvr>
     <a:masterClrMapping/>
   </p:clrMapOvr>
+  <mc:AlternateContent xmlns:mc="http://schemas.openxmlformats.org/markup-compatibility/2006" xmlns:p14="http://schemas.microsoft.com/office/powerpoint/2010/main">
+    <mc:Choice Requires="p14">
+      <p:transition spd="slow" p14:dur="2000">
+        <p:wipe/>
+      </p:transition>
+    </mc:Choice>
+    <mc:Fallback xmlns="">
+      <p:transition spd="slow">
+        <p:wipe/>
+      </p:transition>
+    </mc:Fallback>
+  </mc:AlternateContent>
   <p:timing>
     <p:tnLst>
       <p:par>
-        <p:cTn id="1" dur="indefinite" restart="never" nodeType="tmRoot"/>
+        <p:cTn id="1" dur="indefinite" restart="never" nodeType="tmRoot">
+          <p:childTnLst>
+            <p:seq concurrent="1" nextAc="seek">
+              <p:cTn id="2" dur="indefinite" nodeType="mainSeq">
+                <p:childTnLst>
+                  <p:par>
+                    <p:cTn id="3" fill="hold">
+                      <p:stCondLst>
+                        <p:cond delay="indefinite"/>
+                        <p:cond evt="onBegin" delay="0">
+                          <p:tn val="2"/>
+                        </p:cond>
+                      </p:stCondLst>
+                      <p:childTnLst>
+                        <p:par>
+                          <p:cTn id="4" fill="hold">
+                            <p:stCondLst>
+                              <p:cond delay="0"/>
+                            </p:stCondLst>
+                            <p:childTnLst>
+                              <p:par>
+                                <p:cTn id="5" presetID="2" presetClass="entr" presetSubtype="4" fill="hold" grpId="0" nodeType="withEffect">
+                                  <p:stCondLst>
+                                    <p:cond delay="100"/>
+                                  </p:stCondLst>
+                                  <p:childTnLst>
+                                    <p:set>
+                                      <p:cBhvr>
+                                        <p:cTn id="6" dur="1" fill="hold">
+                                          <p:stCondLst>
+                                            <p:cond delay="0"/>
+                                          </p:stCondLst>
+                                        </p:cTn>
+                                        <p:tgtEl>
+                                          <p:spTgt spid="2"/>
+                                        </p:tgtEl>
+                                        <p:attrNameLst>
+                                          <p:attrName>style.visibility</p:attrName>
+                                        </p:attrNameLst>
+                                      </p:cBhvr>
+                                      <p:to>
+                                        <p:strVal val="visible"/>
+                                      </p:to>
+                                    </p:set>
+                                    <p:anim calcmode="lin" valueType="num">
+                                      <p:cBhvr additive="base">
+                                        <p:cTn id="7" dur="500" fill="hold"/>
+                                        <p:tgtEl>
+                                          <p:spTgt spid="2"/>
+                                        </p:tgtEl>
+                                        <p:attrNameLst>
+                                          <p:attrName>ppt_x</p:attrName>
+                                        </p:attrNameLst>
+                                      </p:cBhvr>
+                                      <p:tavLst>
+                                        <p:tav tm="0">
+                                          <p:val>
+                                            <p:strVal val="#ppt_x"/>
+                                          </p:val>
+                                        </p:tav>
+                                        <p:tav tm="100000">
+                                          <p:val>
+                                            <p:strVal val="#ppt_x"/>
+                                          </p:val>
+                                        </p:tav>
+                                      </p:tavLst>
+                                    </p:anim>
+                                    <p:anim calcmode="lin" valueType="num">
+                                      <p:cBhvr additive="base">
+                                        <p:cTn id="8" dur="500" fill="hold"/>
+                                        <p:tgtEl>
+                                          <p:spTgt spid="2"/>
+                                        </p:tgtEl>
+                                        <p:attrNameLst>
+                                          <p:attrName>ppt_y</p:attrName>
+                                        </p:attrNameLst>
+                                      </p:cBhvr>
+                                      <p:tavLst>
+                                        <p:tav tm="0">
+                                          <p:val>
+                                            <p:strVal val="1+#ppt_h/2"/>
+                                          </p:val>
+                                        </p:tav>
+                                        <p:tav tm="100000">
+                                          <p:val>
+                                            <p:strVal val="#ppt_y"/>
+                                          </p:val>
+                                        </p:tav>
+                                      </p:tavLst>
+                                    </p:anim>
+                                  </p:childTnLst>
+                                </p:cTn>
+                              </p:par>
+                            </p:childTnLst>
+                          </p:cTn>
+                        </p:par>
+                        <p:par>
+                          <p:cTn id="9" fill="hold">
+                            <p:stCondLst>
+                              <p:cond delay="600"/>
+                            </p:stCondLst>
+                            <p:childTnLst>
+                              <p:par>
+                                <p:cTn id="10" presetID="10" presetClass="entr" presetSubtype="0" fill="hold" grpId="0" nodeType="afterEffect">
+                                  <p:stCondLst>
+                                    <p:cond delay="0"/>
+                                  </p:stCondLst>
+                                  <p:childTnLst>
+                                    <p:set>
+                                      <p:cBhvr>
+                                        <p:cTn id="11" dur="1" fill="hold">
+                                          <p:stCondLst>
+                                            <p:cond delay="0"/>
+                                          </p:stCondLst>
+                                        </p:cTn>
+                                        <p:tgtEl>
+                                          <p:spTgt spid="3">
+                                            <p:txEl>
+                                              <p:pRg st="0" end="0"/>
+                                            </p:txEl>
+                                          </p:spTgt>
+                                        </p:tgtEl>
+                                        <p:attrNameLst>
+                                          <p:attrName>style.visibility</p:attrName>
+                                        </p:attrNameLst>
+                                      </p:cBhvr>
+                                      <p:to>
+                                        <p:strVal val="visible"/>
+                                      </p:to>
+                                    </p:set>
+                                    <p:animEffect transition="in" filter="fade">
+                                      <p:cBhvr>
+                                        <p:cTn id="12" dur="1000"/>
+                                        <p:tgtEl>
+                                          <p:spTgt spid="3">
+                                            <p:txEl>
+                                              <p:pRg st="0" end="0"/>
+                                            </p:txEl>
+                                          </p:spTgt>
+                                        </p:tgtEl>
+                                      </p:cBhvr>
+                                    </p:animEffect>
+                                  </p:childTnLst>
+                                </p:cTn>
+                              </p:par>
+                            </p:childTnLst>
+                          </p:cTn>
+                        </p:par>
+                      </p:childTnLst>
+                    </p:cTn>
+                  </p:par>
+                </p:childTnLst>
+              </p:cTn>
+              <p:prevCondLst>
+                <p:cond evt="onPrev" delay="0">
+                  <p:tgtEl>
+                    <p:sldTgt/>
+                  </p:tgtEl>
+                </p:cond>
+              </p:prevCondLst>
+              <p:nextCondLst>
+                <p:cond evt="onNext" delay="0">
+                  <p:tgtEl>
+                    <p:sldTgt/>
+                  </p:tgtEl>
+                </p:cond>
+              </p:nextCondLst>
+            </p:seq>
+          </p:childTnLst>
+        </p:cTn>
       </p:par>
     </p:tnLst>
+    <p:bldLst>
+      <p:bldP spid="2" grpId="0"/>
+      <p:bldP spid="3" grpId="0" build="p"/>
+    </p:bldLst>
   </p:timing>
 </p:sld>
 </file>
@@ -17870,7 +18151,7 @@
       </p:grpSpPr>
       <p:sp>
         <p:nvSpPr>
-          <p:cNvPr id="2" name="Picture Placeholder 1"/>
+          <p:cNvPr id="5" name="圖片版面配置區 4"/>
           <p:cNvSpPr>
             <a:spLocks noGrp="1"/>
           </p:cNvSpPr>
@@ -17882,7 +18163,7 @@
       </p:sp>
       <p:pic>
         <p:nvPicPr>
-          <p:cNvPr id="2050" name="Picture 2" descr="C:\Users\Kitten\Documents\GitHub\comp3006\System Design\com design - 1.png"/>
+          <p:cNvPr id="7" name="Picture 2" descr="C:\Users\Kitten\Documents\GitHub\comp3006\System Design\System Design - arch.png"/>
           <p:cNvPicPr>
             <a:picLocks noChangeAspect="1" noChangeArrowheads="1"/>
           </p:cNvPicPr>
@@ -17896,13 +18177,13 @@
               </a:ext>
             </a:extLst>
           </a:blip>
-          <a:srcRect r="2464"/>
+          <a:srcRect l="2518" r="2556"/>
           <a:stretch/>
         </p:blipFill>
         <p:spPr bwMode="auto">
           <a:xfrm>
-            <a:off x="609600" y="1905000"/>
-            <a:ext cx="7976752" cy="2819400"/>
+            <a:off x="570721" y="1143000"/>
+            <a:ext cx="7977985" cy="4267200"/>
           </a:xfrm>
           <a:prstGeom prst="rect">
             <a:avLst/>
@@ -17922,7 +18203,7 @@
     </p:spTree>
     <p:extLst>
       <p:ext uri="{BB962C8B-B14F-4D97-AF65-F5344CB8AC3E}">
-        <p14:creationId xmlns:p14="http://schemas.microsoft.com/office/powerpoint/2010/main" val="1584867095"/>
+        <p14:creationId xmlns:p14="http://schemas.microsoft.com/office/powerpoint/2010/main" val="714673604"/>
       </p:ext>
     </p:extLst>
   </p:cSld>
@@ -17970,13 +18251,13 @@
       </p:sp>
       <p:pic>
         <p:nvPicPr>
-          <p:cNvPr id="3074" name="Picture 2" descr="C:\Users\Kitten\Documents\GitHub\comp3006\System Design\com design - 2.png"/>
+          <p:cNvPr id="2050" name="Picture 2" descr="C:\Users\Kitten\Documents\GitHub\comp3006\System Design\com design - 1.png"/>
           <p:cNvPicPr>
             <a:picLocks noChangeAspect="1" noChangeArrowheads="1"/>
           </p:cNvPicPr>
           <p:nvPr/>
         </p:nvPicPr>
-        <p:blipFill>
+        <p:blipFill rotWithShape="1">
           <a:blip r:embed="rId3">
             <a:extLst>
               <a:ext uri="{28A0092B-C50C-407E-A947-70E740481C1C}">
@@ -17984,15 +18265,13 @@
               </a:ext>
             </a:extLst>
           </a:blip>
-          <a:srcRect/>
-          <a:stretch>
-            <a:fillRect/>
-          </a:stretch>
+          <a:srcRect r="2464"/>
+          <a:stretch/>
         </p:blipFill>
         <p:spPr bwMode="auto">
           <a:xfrm>
-            <a:off x="609600" y="2026356"/>
-            <a:ext cx="7924800" cy="3155244"/>
+            <a:off x="609600" y="1905000"/>
+            <a:ext cx="7976752" cy="2819400"/>
           </a:xfrm>
           <a:prstGeom prst="rect">
             <a:avLst/>
@@ -18060,7 +18339,7 @@
       </p:sp>
       <p:pic>
         <p:nvPicPr>
-          <p:cNvPr id="4098" name="Picture 2" descr="C:\Users\Kitten\Documents\GitHub\comp3006\System Design\com design - 3.png"/>
+          <p:cNvPr id="3074" name="Picture 2" descr="C:\Users\Kitten\Documents\GitHub\comp3006\System Design\com design - 2.png"/>
           <p:cNvPicPr>
             <a:picLocks noChangeAspect="1" noChangeArrowheads="1"/>
           </p:cNvPicPr>
@@ -18081,8 +18360,8 @@
         </p:blipFill>
         <p:spPr bwMode="auto">
           <a:xfrm>
-            <a:off x="693519" y="1371600"/>
-            <a:ext cx="7840881" cy="4114800"/>
+            <a:off x="609600" y="2026356"/>
+            <a:ext cx="7924800" cy="3155244"/>
           </a:xfrm>
           <a:prstGeom prst="rect">
             <a:avLst/>
@@ -18102,7 +18381,7 @@
     </p:spTree>
     <p:extLst>
       <p:ext uri="{BB962C8B-B14F-4D97-AF65-F5344CB8AC3E}">
-        <p14:creationId xmlns:p14="http://schemas.microsoft.com/office/powerpoint/2010/main" val="2860670244"/>
+        <p14:creationId xmlns:p14="http://schemas.microsoft.com/office/powerpoint/2010/main" val="1584867095"/>
       </p:ext>
     </p:extLst>
   </p:cSld>
@@ -18150,7 +18429,7 @@
       </p:sp>
       <p:pic>
         <p:nvPicPr>
-          <p:cNvPr id="5122" name="Picture 2" descr="C:\Users\Kitten\Documents\GitHub\comp3006\System Design\com design - 4.png"/>
+          <p:cNvPr id="4098" name="Picture 2" descr="C:\Users\Kitten\Documents\GitHub\comp3006\System Design\com design - 3.png"/>
           <p:cNvPicPr>
             <a:picLocks noChangeAspect="1" noChangeArrowheads="1"/>
           </p:cNvPicPr>
@@ -18171,8 +18450,8 @@
         </p:blipFill>
         <p:spPr bwMode="auto">
           <a:xfrm>
-            <a:off x="533400" y="304800"/>
-            <a:ext cx="3924300" cy="3314700"/>
+            <a:off x="693519" y="1371600"/>
+            <a:ext cx="7840881" cy="4114800"/>
           </a:xfrm>
           <a:prstGeom prst="rect">
             <a:avLst/>
@@ -18189,51 +18468,10 @@
           </a:extLst>
         </p:spPr>
       </p:pic>
-      <p:pic>
-        <p:nvPicPr>
-          <p:cNvPr id="5123" name="Picture 3" descr="C:\Users\Kitten\Documents\GitHub\comp3006\System Design\com design - 5.png"/>
-          <p:cNvPicPr>
-            <a:picLocks noChangeAspect="1" noChangeArrowheads="1"/>
-          </p:cNvPicPr>
-          <p:nvPr/>
-        </p:nvPicPr>
-        <p:blipFill>
-          <a:blip r:embed="rId4">
-            <a:extLst>
-              <a:ext uri="{28A0092B-C50C-407E-A947-70E740481C1C}">
-                <a14:useLocalDpi xmlns:a14="http://schemas.microsoft.com/office/drawing/2010/main" val="0"/>
-              </a:ext>
-            </a:extLst>
-          </a:blip>
-          <a:srcRect/>
-          <a:stretch>
-            <a:fillRect/>
-          </a:stretch>
-        </p:blipFill>
-        <p:spPr bwMode="auto">
-          <a:xfrm>
-            <a:off x="4445259" y="2971800"/>
-            <a:ext cx="3990975" cy="3314700"/>
-          </a:xfrm>
-          <a:prstGeom prst="rect">
-            <a:avLst/>
-          </a:prstGeom>
-          <a:noFill/>
-          <a:extLst>
-            <a:ext uri="{909E8E84-426E-40DD-AFC4-6F175D3DCCD1}">
-              <a14:hiddenFill xmlns:a14="http://schemas.microsoft.com/office/drawing/2010/main">
-                <a:solidFill>
-                  <a:srgbClr val="FFFFFF"/>
-                </a:solidFill>
-              </a14:hiddenFill>
-            </a:ext>
-          </a:extLst>
-        </p:spPr>
-      </p:pic>
     </p:spTree>
     <p:extLst>
       <p:ext uri="{BB962C8B-B14F-4D97-AF65-F5344CB8AC3E}">
-        <p14:creationId xmlns:p14="http://schemas.microsoft.com/office/powerpoint/2010/main" val="214721373"/>
+        <p14:creationId xmlns:p14="http://schemas.microsoft.com/office/powerpoint/2010/main" val="2860670244"/>
       </p:ext>
     </p:extLst>
   </p:cSld>
@@ -18281,7 +18519,7 @@
       </p:sp>
       <p:pic>
         <p:nvPicPr>
-          <p:cNvPr id="6146" name="Picture 2" descr="C:\Users\Kitten\Documents\GitHub\comp3006\System Design\com design - 6.png"/>
+          <p:cNvPr id="5122" name="Picture 2" descr="C:\Users\Kitten\Documents\GitHub\comp3006\System Design\com design - 4.png"/>
           <p:cNvPicPr>
             <a:picLocks noChangeAspect="1" noChangeArrowheads="1"/>
           </p:cNvPicPr>
@@ -18302,8 +18540,8 @@
         </p:blipFill>
         <p:spPr bwMode="auto">
           <a:xfrm>
-            <a:off x="609600" y="1143000"/>
-            <a:ext cx="7991475" cy="4439709"/>
+            <a:off x="533400" y="304800"/>
+            <a:ext cx="3924300" cy="3314700"/>
           </a:xfrm>
           <a:prstGeom prst="rect">
             <a:avLst/>
@@ -18320,10 +18558,51 @@
           </a:extLst>
         </p:spPr>
       </p:pic>
+      <p:pic>
+        <p:nvPicPr>
+          <p:cNvPr id="5123" name="Picture 3" descr="C:\Users\Kitten\Documents\GitHub\comp3006\System Design\com design - 5.png"/>
+          <p:cNvPicPr>
+            <a:picLocks noChangeAspect="1" noChangeArrowheads="1"/>
+          </p:cNvPicPr>
+          <p:nvPr/>
+        </p:nvPicPr>
+        <p:blipFill>
+          <a:blip r:embed="rId4">
+            <a:extLst>
+              <a:ext uri="{28A0092B-C50C-407E-A947-70E740481C1C}">
+                <a14:useLocalDpi xmlns:a14="http://schemas.microsoft.com/office/drawing/2010/main" val="0"/>
+              </a:ext>
+            </a:extLst>
+          </a:blip>
+          <a:srcRect/>
+          <a:stretch>
+            <a:fillRect/>
+          </a:stretch>
+        </p:blipFill>
+        <p:spPr bwMode="auto">
+          <a:xfrm>
+            <a:off x="4445259" y="2971800"/>
+            <a:ext cx="3990975" cy="3314700"/>
+          </a:xfrm>
+          <a:prstGeom prst="rect">
+            <a:avLst/>
+          </a:prstGeom>
+          <a:noFill/>
+          <a:extLst>
+            <a:ext uri="{909E8E84-426E-40DD-AFC4-6F175D3DCCD1}">
+              <a14:hiddenFill xmlns:a14="http://schemas.microsoft.com/office/drawing/2010/main">
+                <a:solidFill>
+                  <a:srgbClr val="FFFFFF"/>
+                </a:solidFill>
+              </a14:hiddenFill>
+            </a:ext>
+          </a:extLst>
+        </p:spPr>
+      </p:pic>
     </p:spTree>
     <p:extLst>
       <p:ext uri="{BB962C8B-B14F-4D97-AF65-F5344CB8AC3E}">
-        <p14:creationId xmlns:p14="http://schemas.microsoft.com/office/powerpoint/2010/main" val="340129151"/>
+        <p14:creationId xmlns:p14="http://schemas.microsoft.com/office/powerpoint/2010/main" val="214721373"/>
       </p:ext>
     </p:extLst>
   </p:cSld>
@@ -18371,13 +18650,13 @@
       </p:sp>
       <p:pic>
         <p:nvPicPr>
-          <p:cNvPr id="7170" name="Picture 2" descr="C:\Users\Kitten\Documents\GitHub\comp3006\System Design\com design - 7.png"/>
+          <p:cNvPr id="6146" name="Picture 2" descr="C:\Users\Kitten\Documents\GitHub\comp3006\System Design\com design - 6.png"/>
           <p:cNvPicPr>
             <a:picLocks noChangeAspect="1" noChangeArrowheads="1"/>
           </p:cNvPicPr>
           <p:nvPr/>
         </p:nvPicPr>
-        <p:blipFill rotWithShape="1">
+        <p:blipFill>
           <a:blip r:embed="rId3">
             <a:extLst>
               <a:ext uri="{28A0092B-C50C-407E-A947-70E740481C1C}">
@@ -18385,13 +18664,15 @@
               </a:ext>
             </a:extLst>
           </a:blip>
-          <a:srcRect r="3363"/>
-          <a:stretch/>
+          <a:srcRect/>
+          <a:stretch>
+            <a:fillRect/>
+          </a:stretch>
         </p:blipFill>
         <p:spPr bwMode="auto">
           <a:xfrm>
-            <a:off x="533400" y="1075180"/>
-            <a:ext cx="8001000" cy="4716020"/>
+            <a:off x="609600" y="1143000"/>
+            <a:ext cx="7991475" cy="4439709"/>
           </a:xfrm>
           <a:prstGeom prst="rect">
             <a:avLst/>
@@ -18411,7 +18692,7 @@
     </p:spTree>
     <p:extLst>
       <p:ext uri="{BB962C8B-B14F-4D97-AF65-F5344CB8AC3E}">
-        <p14:creationId xmlns:p14="http://schemas.microsoft.com/office/powerpoint/2010/main" val="3343891532"/>
+        <p14:creationId xmlns:p14="http://schemas.microsoft.com/office/powerpoint/2010/main" val="340129151"/>
       </p:ext>
     </p:extLst>
   </p:cSld>
@@ -18459,7 +18740,7 @@
       </p:sp>
       <p:pic>
         <p:nvPicPr>
-          <p:cNvPr id="8194" name="Picture 2" descr="C:\Users\Kitten\Documents\GitHub\comp3006\System Design\com design - 8.png"/>
+          <p:cNvPr id="7170" name="Picture 2" descr="C:\Users\Kitten\Documents\GitHub\comp3006\System Design\com design - 7.png"/>
           <p:cNvPicPr>
             <a:picLocks noChangeAspect="1" noChangeArrowheads="1"/>
           </p:cNvPicPr>
@@ -18473,13 +18754,13 @@
               </a:ext>
             </a:extLst>
           </a:blip>
-          <a:srcRect r="2654"/>
+          <a:srcRect r="3363"/>
           <a:stretch/>
         </p:blipFill>
         <p:spPr bwMode="auto">
           <a:xfrm>
-            <a:off x="609600" y="838199"/>
-            <a:ext cx="7924800" cy="5265353"/>
+            <a:off x="533400" y="1075180"/>
+            <a:ext cx="8001000" cy="4716020"/>
           </a:xfrm>
           <a:prstGeom prst="rect">
             <a:avLst/>
@@ -18499,7 +18780,7 @@
     </p:spTree>
     <p:extLst>
       <p:ext uri="{BB962C8B-B14F-4D97-AF65-F5344CB8AC3E}">
-        <p14:creationId xmlns:p14="http://schemas.microsoft.com/office/powerpoint/2010/main" val="1456117753"/>
+        <p14:creationId xmlns:p14="http://schemas.microsoft.com/office/powerpoint/2010/main" val="3343891532"/>
       </p:ext>
     </p:extLst>
   </p:cSld>
@@ -18535,7 +18816,7 @@
       </p:grpSpPr>
       <p:sp>
         <p:nvSpPr>
-          <p:cNvPr id="4" name="圖片版面配置區 3"/>
+          <p:cNvPr id="2" name="Picture Placeholder 1"/>
           <p:cNvSpPr>
             <a:spLocks noGrp="1"/>
           </p:cNvSpPr>
@@ -18547,13 +18828,13 @@
       </p:sp>
       <p:pic>
         <p:nvPicPr>
-          <p:cNvPr id="1027" name="Picture 3" descr="C:\Users\Kitten\Documents\GitHub\comp3006\phrase 5 submission\Archive\index_page.png"/>
+          <p:cNvPr id="8194" name="Picture 2" descr="C:\Users\Kitten\Documents\GitHub\comp3006\System Design\com design - 8.png"/>
           <p:cNvPicPr>
             <a:picLocks noChangeAspect="1" noChangeArrowheads="1"/>
           </p:cNvPicPr>
           <p:nvPr/>
         </p:nvPicPr>
-        <p:blipFill>
+        <p:blipFill rotWithShape="1">
           <a:blip r:embed="rId3">
             <a:extLst>
               <a:ext uri="{28A0092B-C50C-407E-A947-70E740481C1C}">
@@ -18561,15 +18842,13 @@
               </a:ext>
             </a:extLst>
           </a:blip>
-          <a:srcRect/>
-          <a:stretch>
-            <a:fillRect/>
-          </a:stretch>
+          <a:srcRect r="2654"/>
+          <a:stretch/>
         </p:blipFill>
         <p:spPr bwMode="auto">
           <a:xfrm>
-            <a:off x="533400" y="538458"/>
-            <a:ext cx="8077200" cy="5557542"/>
+            <a:off x="609600" y="838199"/>
+            <a:ext cx="7924800" cy="5265353"/>
           </a:xfrm>
           <a:prstGeom prst="rect">
             <a:avLst/>
@@ -18589,7 +18868,7 @@
     </p:spTree>
     <p:extLst>
       <p:ext uri="{BB962C8B-B14F-4D97-AF65-F5344CB8AC3E}">
-        <p14:creationId xmlns:p14="http://schemas.microsoft.com/office/powerpoint/2010/main" val="1584867095"/>
+        <p14:creationId xmlns:p14="http://schemas.microsoft.com/office/powerpoint/2010/main" val="1456117753"/>
       </p:ext>
     </p:extLst>
   </p:cSld>
@@ -18625,7 +18904,7 @@
       </p:grpSpPr>
       <p:sp>
         <p:nvSpPr>
-          <p:cNvPr id="2" name="Picture Placeholder 1"/>
+          <p:cNvPr id="4" name="圖片版面配置區 3"/>
           <p:cNvSpPr>
             <a:spLocks noGrp="1"/>
           </p:cNvSpPr>
@@ -18637,7 +18916,7 @@
       </p:sp>
       <p:pic>
         <p:nvPicPr>
-          <p:cNvPr id="2050" name="Picture 2" descr="C:\Users\Kitten\Documents\GitHub\comp3006\phrase 5 submission\Archive\register_page.png"/>
+          <p:cNvPr id="1027" name="Picture 3" descr="C:\Users\Kitten\Documents\GitHub\comp3006\phrase 5 submission\Archive\index_page.png"/>
           <p:cNvPicPr>
             <a:picLocks noChangeAspect="1" noChangeArrowheads="1"/>
           </p:cNvPicPr>
@@ -18658,8 +18937,8 @@
         </p:blipFill>
         <p:spPr bwMode="auto">
           <a:xfrm>
-            <a:off x="571500" y="533400"/>
-            <a:ext cx="8039100" cy="5564844"/>
+            <a:off x="533400" y="538458"/>
+            <a:ext cx="8077200" cy="5557542"/>
           </a:xfrm>
           <a:prstGeom prst="rect">
             <a:avLst/>
@@ -18679,7 +18958,7 @@
     </p:spTree>
     <p:extLst>
       <p:ext uri="{BB962C8B-B14F-4D97-AF65-F5344CB8AC3E}">
-        <p14:creationId xmlns:p14="http://schemas.microsoft.com/office/powerpoint/2010/main" val="4291436500"/>
+        <p14:creationId xmlns:p14="http://schemas.microsoft.com/office/powerpoint/2010/main" val="1584867095"/>
       </p:ext>
     </p:extLst>
   </p:cSld>
@@ -19019,7 +19298,7 @@
       </p:sp>
       <p:pic>
         <p:nvPicPr>
-          <p:cNvPr id="8194" name="Picture 2" descr="C:\Users\Kitten\Documents\GitHub\comp3006\phrase 5 submission\Archive\forget_password_page.png"/>
+          <p:cNvPr id="2050" name="Picture 2" descr="C:\Users\Kitten\Documents\GitHub\comp3006\phrase 5 submission\Archive\register_page.png"/>
           <p:cNvPicPr>
             <a:picLocks noChangeAspect="1" noChangeArrowheads="1"/>
           </p:cNvPicPr>
@@ -19040,8 +19319,8 @@
         </p:blipFill>
         <p:spPr bwMode="auto">
           <a:xfrm>
-            <a:off x="587059" y="533400"/>
-            <a:ext cx="7947341" cy="5486400"/>
+            <a:off x="571500" y="533400"/>
+            <a:ext cx="8039100" cy="5564844"/>
           </a:xfrm>
           <a:prstGeom prst="rect">
             <a:avLst/>
@@ -19061,7 +19340,7 @@
     </p:spTree>
     <p:extLst>
       <p:ext uri="{BB962C8B-B14F-4D97-AF65-F5344CB8AC3E}">
-        <p14:creationId xmlns:p14="http://schemas.microsoft.com/office/powerpoint/2010/main" val="1486021711"/>
+        <p14:creationId xmlns:p14="http://schemas.microsoft.com/office/powerpoint/2010/main" val="4291436500"/>
       </p:ext>
     </p:extLst>
   </p:cSld>
@@ -19109,7 +19388,7 @@
       </p:sp>
       <p:pic>
         <p:nvPicPr>
-          <p:cNvPr id="3074" name="Picture 2" descr="C:\Users\Kitten\Documents\GitHub\comp3006\phrase 5 submission\Archive\setting_page.png"/>
+          <p:cNvPr id="8194" name="Picture 2" descr="C:\Users\Kitten\Documents\GitHub\comp3006\phrase 5 submission\Archive\forget_password_page.png"/>
           <p:cNvPicPr>
             <a:picLocks noChangeAspect="1" noChangeArrowheads="1"/>
           </p:cNvPicPr>
@@ -19130,8 +19409,8 @@
         </p:blipFill>
         <p:spPr bwMode="auto">
           <a:xfrm>
-            <a:off x="590549" y="533400"/>
-            <a:ext cx="7946431" cy="5486400"/>
+            <a:off x="587059" y="533400"/>
+            <a:ext cx="7947341" cy="5486400"/>
           </a:xfrm>
           <a:prstGeom prst="rect">
             <a:avLst/>
@@ -19151,7 +19430,7 @@
     </p:spTree>
     <p:extLst>
       <p:ext uri="{BB962C8B-B14F-4D97-AF65-F5344CB8AC3E}">
-        <p14:creationId xmlns:p14="http://schemas.microsoft.com/office/powerpoint/2010/main" val="4291436500"/>
+        <p14:creationId xmlns:p14="http://schemas.microsoft.com/office/powerpoint/2010/main" val="1486021711"/>
       </p:ext>
     </p:extLst>
   </p:cSld>
@@ -19199,7 +19478,7 @@
       </p:sp>
       <p:pic>
         <p:nvPicPr>
-          <p:cNvPr id="4098" name="Picture 2" descr="C:\Users\Kitten\Documents\GitHub\comp3006\phrase 5 submission\Archive\news_page.png"/>
+          <p:cNvPr id="3074" name="Picture 2" descr="C:\Users\Kitten\Documents\GitHub\comp3006\phrase 5 submission\Archive\setting_page.png"/>
           <p:cNvPicPr>
             <a:picLocks noChangeAspect="1" noChangeArrowheads="1"/>
           </p:cNvPicPr>
@@ -19220,8 +19499,8 @@
         </p:blipFill>
         <p:spPr bwMode="auto">
           <a:xfrm>
-            <a:off x="571500" y="533400"/>
-            <a:ext cx="7989903" cy="5486400"/>
+            <a:off x="590549" y="533400"/>
+            <a:ext cx="7946431" cy="5486400"/>
           </a:xfrm>
           <a:prstGeom prst="rect">
             <a:avLst/>
@@ -19289,7 +19568,7 @@
       </p:sp>
       <p:pic>
         <p:nvPicPr>
-          <p:cNvPr id="5122" name="Picture 2" descr="C:\Users\Kitten\Documents\GitHub\comp3006\phrase 5 submission\Archive\stock_page.png"/>
+          <p:cNvPr id="4098" name="Picture 2" descr="C:\Users\Kitten\Documents\GitHub\comp3006\phrase 5 submission\Archive\news_page.png"/>
           <p:cNvPicPr>
             <a:picLocks noChangeAspect="1" noChangeArrowheads="1"/>
           </p:cNvPicPr>
@@ -19310,8 +19589,8 @@
         </p:blipFill>
         <p:spPr bwMode="auto">
           <a:xfrm>
-            <a:off x="590550" y="533400"/>
-            <a:ext cx="7946431" cy="5486400"/>
+            <a:off x="571500" y="533400"/>
+            <a:ext cx="7989903" cy="5486400"/>
           </a:xfrm>
           <a:prstGeom prst="rect">
             <a:avLst/>
@@ -19379,7 +19658,7 @@
       </p:sp>
       <p:pic>
         <p:nvPicPr>
-          <p:cNvPr id="6146" name="Picture 2" descr="C:\Users\Kitten\Documents\GitHub\comp3006\phrase 5 submission\Archive\mon_stock_page.png"/>
+          <p:cNvPr id="5122" name="Picture 2" descr="C:\Users\Kitten\Documents\GitHub\comp3006\phrase 5 submission\Archive\stock_page.png"/>
           <p:cNvPicPr>
             <a:picLocks noChangeAspect="1" noChangeArrowheads="1"/>
           </p:cNvPicPr>
@@ -19400,8 +19679,8 @@
         </p:blipFill>
         <p:spPr bwMode="auto">
           <a:xfrm>
-            <a:off x="576613" y="533400"/>
-            <a:ext cx="8003585" cy="5486400"/>
+            <a:off x="590550" y="533400"/>
+            <a:ext cx="7946431" cy="5486400"/>
           </a:xfrm>
           <a:prstGeom prst="rect">
             <a:avLst/>
@@ -19421,7 +19700,7 @@
     </p:spTree>
     <p:extLst>
       <p:ext uri="{BB962C8B-B14F-4D97-AF65-F5344CB8AC3E}">
-        <p14:creationId xmlns:p14="http://schemas.microsoft.com/office/powerpoint/2010/main" val="1730450768"/>
+        <p14:creationId xmlns:p14="http://schemas.microsoft.com/office/powerpoint/2010/main" val="4291436500"/>
       </p:ext>
     </p:extLst>
   </p:cSld>
@@ -19469,7 +19748,7 @@
       </p:sp>
       <p:pic>
         <p:nvPicPr>
-          <p:cNvPr id="7170" name="Picture 2" descr="C:\Users\Kitten\Documents\GitHub\comp3006\phrase 5 submission\Archive\admin_page.png"/>
+          <p:cNvPr id="6146" name="Picture 2" descr="C:\Users\Kitten\Documents\GitHub\comp3006\phrase 5 submission\Archive\mon_stock_page.png"/>
           <p:cNvPicPr>
             <a:picLocks noChangeAspect="1" noChangeArrowheads="1"/>
           </p:cNvPicPr>
@@ -19490,8 +19769,8 @@
         </p:blipFill>
         <p:spPr bwMode="auto">
           <a:xfrm>
-            <a:off x="609600" y="575911"/>
-            <a:ext cx="7976135" cy="5443889"/>
+            <a:off x="576613" y="533400"/>
+            <a:ext cx="8003585" cy="5486400"/>
           </a:xfrm>
           <a:prstGeom prst="rect">
             <a:avLst/>
@@ -19511,7 +19790,7 @@
     </p:spTree>
     <p:extLst>
       <p:ext uri="{BB962C8B-B14F-4D97-AF65-F5344CB8AC3E}">
-        <p14:creationId xmlns:p14="http://schemas.microsoft.com/office/powerpoint/2010/main" val="4233378754"/>
+        <p14:creationId xmlns:p14="http://schemas.microsoft.com/office/powerpoint/2010/main" val="1730450768"/>
       </p:ext>
     </p:extLst>
   </p:cSld>
@@ -19557,10 +19836,51 @@
         </p:nvSpPr>
         <p:spPr/>
       </p:sp>
+      <p:pic>
+        <p:nvPicPr>
+          <p:cNvPr id="7170" name="Picture 2" descr="C:\Users\Kitten\Documents\GitHub\comp3006\phrase 5 submission\Archive\admin_page.png"/>
+          <p:cNvPicPr>
+            <a:picLocks noChangeAspect="1" noChangeArrowheads="1"/>
+          </p:cNvPicPr>
+          <p:nvPr/>
+        </p:nvPicPr>
+        <p:blipFill>
+          <a:blip r:embed="rId3">
+            <a:extLst>
+              <a:ext uri="{28A0092B-C50C-407E-A947-70E740481C1C}">
+                <a14:useLocalDpi xmlns:a14="http://schemas.microsoft.com/office/drawing/2010/main" val="0"/>
+              </a:ext>
+            </a:extLst>
+          </a:blip>
+          <a:srcRect/>
+          <a:stretch>
+            <a:fillRect/>
+          </a:stretch>
+        </p:blipFill>
+        <p:spPr bwMode="auto">
+          <a:xfrm>
+            <a:off x="609600" y="575911"/>
+            <a:ext cx="7976135" cy="5443889"/>
+          </a:xfrm>
+          <a:prstGeom prst="rect">
+            <a:avLst/>
+          </a:prstGeom>
+          <a:noFill/>
+          <a:extLst>
+            <a:ext uri="{909E8E84-426E-40DD-AFC4-6F175D3DCCD1}">
+              <a14:hiddenFill xmlns:a14="http://schemas.microsoft.com/office/drawing/2010/main">
+                <a:solidFill>
+                  <a:srgbClr val="FFFFFF"/>
+                </a:solidFill>
+              </a14:hiddenFill>
+            </a:ext>
+          </a:extLst>
+        </p:spPr>
+      </p:pic>
     </p:spTree>
     <p:extLst>
       <p:ext uri="{BB962C8B-B14F-4D97-AF65-F5344CB8AC3E}">
-        <p14:creationId xmlns:p14="http://schemas.microsoft.com/office/powerpoint/2010/main" val="3429097678"/>
+        <p14:creationId xmlns:p14="http://schemas.microsoft.com/office/powerpoint/2010/main" val="4233378754"/>
       </p:ext>
     </p:extLst>
   </p:cSld>
@@ -19596,280 +19916,32 @@
       </p:grpSpPr>
       <p:sp>
         <p:nvSpPr>
-          <p:cNvPr id="2" name="Title 1"/>
-          <p:cNvSpPr>
-            <a:spLocks noGrp="1"/>
-          </p:cNvSpPr>
-          <p:nvPr>
-            <p:ph type="title"/>
+          <p:cNvPr id="2" name="Picture Placeholder 1"/>
+          <p:cNvSpPr>
+            <a:spLocks noGrp="1"/>
+          </p:cNvSpPr>
+          <p:nvPr>
+            <p:ph type="pic" sz="quarter" idx="13"/>
           </p:nvPr>
         </p:nvSpPr>
         <p:spPr/>
-        <p:txBody>
-          <a:bodyPr>
-            <a:normAutofit/>
-          </a:bodyPr>
-          <a:lstStyle/>
-          <a:p>
-            <a:pPr algn="l"/>
-            <a:r>
-              <a:rPr lang="en-US" dirty="0" smtClean="0"/>
-              <a:t>Stock monitoring system</a:t>
-            </a:r>
-            <a:endParaRPr lang="en-US" b="1" dirty="0">
-              <a:solidFill>
-                <a:schemeClr val="tx1">
-                  <a:lumMod val="85000"/>
-                  <a:lumOff val="15000"/>
-                </a:schemeClr>
-              </a:solidFill>
-            </a:endParaRPr>
-          </a:p>
-        </p:txBody>
-      </p:sp>
-      <p:sp>
-        <p:nvSpPr>
-          <p:cNvPr id="3" name="Text Placeholder 2"/>
-          <p:cNvSpPr>
-            <a:spLocks noGrp="1"/>
-          </p:cNvSpPr>
-          <p:nvPr>
-            <p:ph type="body" idx="1"/>
-          </p:nvPr>
-        </p:nvSpPr>
-        <p:spPr/>
-        <p:txBody>
-          <a:bodyPr>
-            <a:normAutofit/>
-          </a:bodyPr>
-          <a:lstStyle/>
-          <a:p>
-            <a:pPr>
-              <a:buNone/>
-            </a:pPr>
-            <a:r>
-              <a:rPr lang="en-US" sz="2800" b="1" dirty="0" smtClean="0">
-                <a:solidFill>
-                  <a:schemeClr val="tx1">
-                    <a:lumMod val="50000"/>
-                    <a:lumOff val="50000"/>
-                  </a:schemeClr>
-                </a:solidFill>
-              </a:rPr>
-              <a:t>Demonstration</a:t>
-            </a:r>
-            <a:endParaRPr lang="en-US" sz="2800" b="1" dirty="0">
-              <a:solidFill>
-                <a:schemeClr val="tx1">
-                  <a:lumMod val="50000"/>
-                  <a:lumOff val="50000"/>
-                </a:schemeClr>
-              </a:solidFill>
-            </a:endParaRPr>
-          </a:p>
-        </p:txBody>
       </p:sp>
     </p:spTree>
     <p:extLst>
       <p:ext uri="{BB962C8B-B14F-4D97-AF65-F5344CB8AC3E}">
-        <p14:creationId xmlns:p14="http://schemas.microsoft.com/office/powerpoint/2010/main" val="2986672834"/>
+        <p14:creationId xmlns:p14="http://schemas.microsoft.com/office/powerpoint/2010/main" val="3429097678"/>
       </p:ext>
     </p:extLst>
   </p:cSld>
   <p:clrMapOvr>
     <a:masterClrMapping/>
   </p:clrMapOvr>
-  <mc:AlternateContent xmlns:mc="http://schemas.openxmlformats.org/markup-compatibility/2006" xmlns:p14="http://schemas.microsoft.com/office/powerpoint/2010/main">
-    <mc:Choice Requires="p14">
-      <p:transition spd="slow" p14:dur="2000">
-        <p:wipe/>
-      </p:transition>
-    </mc:Choice>
-    <mc:Fallback xmlns="">
-      <p:transition spd="slow">
-        <p:wipe/>
-      </p:transition>
-    </mc:Fallback>
-  </mc:AlternateContent>
   <p:timing>
     <p:tnLst>
       <p:par>
-        <p:cTn id="1" dur="indefinite" restart="never" nodeType="tmRoot">
-          <p:childTnLst>
-            <p:seq concurrent="1" nextAc="seek">
-              <p:cTn id="2" dur="indefinite" nodeType="mainSeq">
-                <p:childTnLst>
-                  <p:par>
-                    <p:cTn id="3" fill="hold">
-                      <p:stCondLst>
-                        <p:cond delay="indefinite"/>
-                        <p:cond evt="onBegin" delay="0">
-                          <p:tn val="2"/>
-                        </p:cond>
-                      </p:stCondLst>
-                      <p:childTnLst>
-                        <p:par>
-                          <p:cTn id="4" fill="hold">
-                            <p:stCondLst>
-                              <p:cond delay="0"/>
-                            </p:stCondLst>
-                            <p:childTnLst>
-                              <p:par>
-                                <p:cTn id="5" presetID="2" presetClass="entr" presetSubtype="4" fill="hold" grpId="0" nodeType="withEffect">
-                                  <p:stCondLst>
-                                    <p:cond delay="100"/>
-                                  </p:stCondLst>
-                                  <p:childTnLst>
-                                    <p:set>
-                                      <p:cBhvr>
-                                        <p:cTn id="6" dur="1" fill="hold">
-                                          <p:stCondLst>
-                                            <p:cond delay="0"/>
-                                          </p:stCondLst>
-                                        </p:cTn>
-                                        <p:tgtEl>
-                                          <p:spTgt spid="2"/>
-                                        </p:tgtEl>
-                                        <p:attrNameLst>
-                                          <p:attrName>style.visibility</p:attrName>
-                                        </p:attrNameLst>
-                                      </p:cBhvr>
-                                      <p:to>
-                                        <p:strVal val="visible"/>
-                                      </p:to>
-                                    </p:set>
-                                    <p:anim calcmode="lin" valueType="num">
-                                      <p:cBhvr additive="base">
-                                        <p:cTn id="7" dur="500" fill="hold"/>
-                                        <p:tgtEl>
-                                          <p:spTgt spid="2"/>
-                                        </p:tgtEl>
-                                        <p:attrNameLst>
-                                          <p:attrName>ppt_x</p:attrName>
-                                        </p:attrNameLst>
-                                      </p:cBhvr>
-                                      <p:tavLst>
-                                        <p:tav tm="0">
-                                          <p:val>
-                                            <p:strVal val="#ppt_x"/>
-                                          </p:val>
-                                        </p:tav>
-                                        <p:tav tm="100000">
-                                          <p:val>
-                                            <p:strVal val="#ppt_x"/>
-                                          </p:val>
-                                        </p:tav>
-                                      </p:tavLst>
-                                    </p:anim>
-                                    <p:anim calcmode="lin" valueType="num">
-                                      <p:cBhvr additive="base">
-                                        <p:cTn id="8" dur="500" fill="hold"/>
-                                        <p:tgtEl>
-                                          <p:spTgt spid="2"/>
-                                        </p:tgtEl>
-                                        <p:attrNameLst>
-                                          <p:attrName>ppt_y</p:attrName>
-                                        </p:attrNameLst>
-                                      </p:cBhvr>
-                                      <p:tavLst>
-                                        <p:tav tm="0">
-                                          <p:val>
-                                            <p:strVal val="1+#ppt_h/2"/>
-                                          </p:val>
-                                        </p:tav>
-                                        <p:tav tm="100000">
-                                          <p:val>
-                                            <p:strVal val="#ppt_y"/>
-                                          </p:val>
-                                        </p:tav>
-                                      </p:tavLst>
-                                    </p:anim>
-                                  </p:childTnLst>
-                                </p:cTn>
-                              </p:par>
-                            </p:childTnLst>
-                          </p:cTn>
-                        </p:par>
-                        <p:par>
-                          <p:cTn id="9" fill="hold">
-                            <p:stCondLst>
-                              <p:cond delay="600"/>
-                            </p:stCondLst>
-                            <p:childTnLst>
-                              <p:par>
-                                <p:cTn id="10" presetID="10" presetClass="entr" presetSubtype="0" fill="hold" grpId="0" nodeType="afterEffect">
-                                  <p:stCondLst>
-                                    <p:cond delay="0"/>
-                                  </p:stCondLst>
-                                  <p:childTnLst>
-                                    <p:set>
-                                      <p:cBhvr>
-                                        <p:cTn id="11" dur="1" fill="hold">
-                                          <p:stCondLst>
-                                            <p:cond delay="0"/>
-                                          </p:stCondLst>
-                                        </p:cTn>
-                                        <p:tgtEl>
-                                          <p:spTgt spid="3">
-                                            <p:txEl>
-                                              <p:pRg st="0" end="0"/>
-                                            </p:txEl>
-                                          </p:spTgt>
-                                        </p:tgtEl>
-                                        <p:attrNameLst>
-                                          <p:attrName>style.visibility</p:attrName>
-                                        </p:attrNameLst>
-                                      </p:cBhvr>
-                                      <p:to>
-                                        <p:strVal val="visible"/>
-                                      </p:to>
-                                    </p:set>
-                                    <p:animEffect transition="in" filter="fade">
-                                      <p:cBhvr>
-                                        <p:cTn id="12" dur="1000"/>
-                                        <p:tgtEl>
-                                          <p:spTgt spid="3">
-                                            <p:txEl>
-                                              <p:pRg st="0" end="0"/>
-                                            </p:txEl>
-                                          </p:spTgt>
-                                        </p:tgtEl>
-                                      </p:cBhvr>
-                                    </p:animEffect>
-                                  </p:childTnLst>
-                                </p:cTn>
-                              </p:par>
-                            </p:childTnLst>
-                          </p:cTn>
-                        </p:par>
-                      </p:childTnLst>
-                    </p:cTn>
-                  </p:par>
-                </p:childTnLst>
-              </p:cTn>
-              <p:prevCondLst>
-                <p:cond evt="onPrev" delay="0">
-                  <p:tgtEl>
-                    <p:sldTgt/>
-                  </p:tgtEl>
-                </p:cond>
-              </p:prevCondLst>
-              <p:nextCondLst>
-                <p:cond evt="onNext" delay="0">
-                  <p:tgtEl>
-                    <p:sldTgt/>
-                  </p:tgtEl>
-                </p:cond>
-              </p:nextCondLst>
-            </p:seq>
-          </p:childTnLst>
-        </p:cTn>
+        <p:cTn id="1" dur="indefinite" restart="never" nodeType="tmRoot"/>
       </p:par>
     </p:tnLst>
-    <p:bldLst>
-      <p:bldP spid="2" grpId="0"/>
-      <p:bldP spid="3" grpId="0" build="p"/>
-    </p:bldLst>
   </p:timing>
 </p:sld>
 </file>
@@ -19953,7 +20025,7 @@
                   </a:schemeClr>
                 </a:solidFill>
               </a:rPr>
-              <a:t>Future Development</a:t>
+              <a:t>Demonstration</a:t>
             </a:r>
             <a:endParaRPr lang="en-US" sz="2800" b="1" dirty="0">
               <a:solidFill>
@@ -19969,7 +20041,7 @@
     </p:spTree>
     <p:extLst>
       <p:ext uri="{BB962C8B-B14F-4D97-AF65-F5344CB8AC3E}">
-        <p14:creationId xmlns:p14="http://schemas.microsoft.com/office/powerpoint/2010/main" val="201756676"/>
+        <p14:creationId xmlns:p14="http://schemas.microsoft.com/office/powerpoint/2010/main" val="2986672834"/>
       </p:ext>
     </p:extLst>
   </p:cSld>
@@ -20190,2489 +20262,6 @@
       </p:grpSpPr>
       <p:sp>
         <p:nvSpPr>
-          <p:cNvPr id="15" name="Rectangle 14"/>
-          <p:cNvSpPr/>
-          <p:nvPr/>
-        </p:nvSpPr>
-        <p:spPr>
-          <a:xfrm>
-            <a:off x="240475" y="240475"/>
-            <a:ext cx="8686800" cy="6400800"/>
-          </a:xfrm>
-          <a:prstGeom prst="rect">
-            <a:avLst/>
-          </a:prstGeom>
-          <a:solidFill>
-            <a:schemeClr val="bg1"/>
-          </a:solidFill>
-          <a:ln>
-            <a:noFill/>
-          </a:ln>
-        </p:spPr>
-        <p:style>
-          <a:lnRef idx="2">
-            <a:schemeClr val="accent1">
-              <a:shade val="50000"/>
-            </a:schemeClr>
-          </a:lnRef>
-          <a:fillRef idx="1">
-            <a:schemeClr val="accent1"/>
-          </a:fillRef>
-          <a:effectRef idx="0">
-            <a:schemeClr val="accent1"/>
-          </a:effectRef>
-          <a:fontRef idx="minor">
-            <a:schemeClr val="lt1"/>
-          </a:fontRef>
-        </p:style>
-        <p:txBody>
-          <a:bodyPr rtlCol="0" anchor="ctr"/>
-          <a:lstStyle/>
-          <a:p>
-            <a:pPr algn="ctr"/>
-            <a:endParaRPr lang="en-US"/>
-          </a:p>
-        </p:txBody>
-      </p:sp>
-      <p:sp>
-        <p:nvSpPr>
-          <p:cNvPr id="16" name="Rectangle 15"/>
-          <p:cNvSpPr/>
-          <p:nvPr/>
-        </p:nvSpPr>
-        <p:spPr>
-          <a:xfrm>
-            <a:off x="188259" y="188259"/>
-            <a:ext cx="8776448" cy="6490448"/>
-          </a:xfrm>
-          <a:prstGeom prst="rect">
-            <a:avLst/>
-          </a:prstGeom>
-          <a:noFill/>
-          <a:ln w="31750">
-            <a:solidFill>
-              <a:schemeClr val="bg1"/>
-            </a:solidFill>
-          </a:ln>
-        </p:spPr>
-        <p:style>
-          <a:lnRef idx="2">
-            <a:schemeClr val="accent1">
-              <a:shade val="50000"/>
-            </a:schemeClr>
-          </a:lnRef>
-          <a:fillRef idx="1">
-            <a:schemeClr val="accent1"/>
-          </a:fillRef>
-          <a:effectRef idx="0">
-            <a:schemeClr val="accent1"/>
-          </a:effectRef>
-          <a:fontRef idx="minor">
-            <a:schemeClr val="lt1"/>
-          </a:fontRef>
-        </p:style>
-        <p:txBody>
-          <a:bodyPr rtlCol="0" anchor="ctr"/>
-          <a:lstStyle/>
-          <a:p>
-            <a:pPr algn="ctr"/>
-            <a:endParaRPr lang="en-US"/>
-          </a:p>
-        </p:txBody>
-      </p:sp>
-      <p:sp>
-        <p:nvSpPr>
-          <p:cNvPr id="9" name="TextBox 8"/>
-          <p:cNvSpPr txBox="1"/>
-          <p:nvPr/>
-        </p:nvSpPr>
-        <p:spPr>
-          <a:xfrm>
-            <a:off x="1143000" y="1793031"/>
-            <a:ext cx="6781800" cy="4648201"/>
-          </a:xfrm>
-          <a:prstGeom prst="rect">
-            <a:avLst/>
-          </a:prstGeom>
-          <a:noFill/>
-        </p:spPr>
-        <p:txBody>
-          <a:bodyPr wrap="square" rtlCol="0">
-            <a:normAutofit/>
-          </a:bodyPr>
-          <a:lstStyle/>
-          <a:p>
-            <a:pPr marL="342900" indent="-342900">
-              <a:buFont typeface="Arial" pitchFamily="34" charset="0"/>
-              <a:buChar char="•"/>
-            </a:pPr>
-            <a:r>
-              <a:rPr lang="en-US" sz="2400" b="1" dirty="0" smtClean="0">
-                <a:solidFill>
-                  <a:srgbClr val="FC7500"/>
-                </a:solidFill>
-              </a:rPr>
-              <a:t>GUI enhancement</a:t>
-            </a:r>
-          </a:p>
-          <a:p>
-            <a:pPr marL="342900" indent="-342900">
-              <a:buFont typeface="Arial" pitchFamily="34" charset="0"/>
-              <a:buChar char="•"/>
-            </a:pPr>
-            <a:r>
-              <a:rPr lang="en-US" sz="2400" b="1" dirty="0" smtClean="0">
-                <a:solidFill>
-                  <a:srgbClr val="FC7500"/>
-                </a:solidFill>
-              </a:rPr>
-              <a:t>Multi-processing/threading enhancement</a:t>
-            </a:r>
-          </a:p>
-          <a:p>
-            <a:pPr marL="342900" indent="-342900">
-              <a:buFont typeface="Arial" pitchFamily="34" charset="0"/>
-              <a:buChar char="•"/>
-            </a:pPr>
-            <a:r>
-              <a:rPr lang="en-US" sz="2400" b="1" dirty="0" smtClean="0">
-                <a:solidFill>
-                  <a:srgbClr val="FC7500"/>
-                </a:solidFill>
-              </a:rPr>
-              <a:t>Complete Functions Development</a:t>
-            </a:r>
-          </a:p>
-          <a:p>
-            <a:pPr marL="342900" indent="-342900">
-              <a:buFont typeface="Arial" pitchFamily="34" charset="0"/>
-              <a:buChar char="•"/>
-            </a:pPr>
-            <a:r>
-              <a:rPr lang="en-US" sz="2400" b="1" dirty="0" smtClean="0">
-                <a:solidFill>
-                  <a:srgbClr val="FC7500"/>
-                </a:solidFill>
-              </a:rPr>
-              <a:t>Multi-language platforms</a:t>
-            </a:r>
-          </a:p>
-          <a:p>
-            <a:pPr marL="342900" indent="-342900">
-              <a:buFont typeface="Arial" pitchFamily="34" charset="0"/>
-              <a:buChar char="•"/>
-            </a:pPr>
-            <a:r>
-              <a:rPr lang="en-US" sz="2400" b="1" dirty="0" smtClean="0">
-                <a:solidFill>
-                  <a:srgbClr val="FC7500"/>
-                </a:solidFill>
-              </a:rPr>
-              <a:t>System Security</a:t>
-            </a:r>
-          </a:p>
-          <a:p>
-            <a:pPr marL="342900" indent="-342900">
-              <a:buFont typeface="Arial" pitchFamily="34" charset="0"/>
-              <a:buChar char="•"/>
-            </a:pPr>
-            <a:r>
-              <a:rPr lang="en-US" sz="2400" b="1" dirty="0" smtClean="0">
-                <a:solidFill>
-                  <a:srgbClr val="FC7500"/>
-                </a:solidFill>
-              </a:rPr>
-              <a:t>Multi-Platform Compatible</a:t>
-            </a:r>
-          </a:p>
-          <a:p>
-            <a:pPr marL="342900" indent="-342900">
-              <a:buFont typeface="Arial" pitchFamily="34" charset="0"/>
-              <a:buChar char="•"/>
-            </a:pPr>
-            <a:r>
-              <a:rPr lang="en-US" sz="2400" b="1" dirty="0">
-                <a:solidFill>
-                  <a:srgbClr val="FC7500"/>
-                </a:solidFill>
-              </a:rPr>
-              <a:t>Object Oriented Programming Enhancement</a:t>
-            </a:r>
-          </a:p>
-          <a:p>
-            <a:pPr marL="342900" indent="-342900">
-              <a:buFont typeface="Arial" pitchFamily="34" charset="0"/>
-              <a:buChar char="•"/>
-            </a:pPr>
-            <a:endParaRPr lang="en-US" sz="2400" b="1" dirty="0" smtClean="0">
-              <a:solidFill>
-                <a:srgbClr val="FC7500"/>
-              </a:solidFill>
-            </a:endParaRPr>
-          </a:p>
-          <a:p>
-            <a:pPr marL="342900" indent="-342900">
-              <a:buFont typeface="Arial" pitchFamily="34" charset="0"/>
-              <a:buChar char="•"/>
-            </a:pPr>
-            <a:endParaRPr lang="en-US" sz="2400" b="1" dirty="0">
-              <a:solidFill>
-                <a:srgbClr val="FC7500"/>
-              </a:solidFill>
-            </a:endParaRPr>
-          </a:p>
-          <a:p>
-            <a:endParaRPr lang="en-US" sz="2400" b="1" dirty="0">
-              <a:solidFill>
-                <a:srgbClr val="FC7500"/>
-              </a:solidFill>
-            </a:endParaRPr>
-          </a:p>
-          <a:p>
-            <a:pPr marL="342900" indent="-342900">
-              <a:buFont typeface="Arial" pitchFamily="34" charset="0"/>
-              <a:buChar char="•"/>
-            </a:pPr>
-            <a:endParaRPr lang="en-US" sz="2400" b="1" dirty="0">
-              <a:solidFill>
-                <a:srgbClr val="FC7500"/>
-              </a:solidFill>
-            </a:endParaRPr>
-          </a:p>
-          <a:p>
-            <a:pPr marL="342900" indent="-342900">
-              <a:buFont typeface="Arial" pitchFamily="34" charset="0"/>
-              <a:buChar char="•"/>
-            </a:pPr>
-            <a:endParaRPr lang="en-US" sz="2400" dirty="0"/>
-          </a:p>
-        </p:txBody>
-      </p:sp>
-      <p:sp>
-        <p:nvSpPr>
-          <p:cNvPr id="10" name="TextBox 9"/>
-          <p:cNvSpPr txBox="1"/>
-          <p:nvPr/>
-        </p:nvSpPr>
-        <p:spPr>
-          <a:xfrm>
-            <a:off x="240767" y="762000"/>
-            <a:ext cx="6432176" cy="461665"/>
-          </a:xfrm>
-          <a:prstGeom prst="rect">
-            <a:avLst/>
-          </a:prstGeom>
-          <a:solidFill>
-            <a:schemeClr val="tx1">
-              <a:lumMod val="95000"/>
-              <a:lumOff val="5000"/>
-              <a:alpha val="55000"/>
-            </a:schemeClr>
-          </a:solidFill>
-        </p:spPr>
-        <p:txBody>
-          <a:bodyPr wrap="square" rtlCol="0">
-            <a:normAutofit/>
-          </a:bodyPr>
-          <a:lstStyle/>
-          <a:p>
-            <a:r>
-              <a:rPr lang="en-US" sz="2400" b="1" dirty="0" smtClean="0">
-                <a:solidFill>
-                  <a:schemeClr val="bg1"/>
-                </a:solidFill>
-              </a:rPr>
-              <a:t>	Future development</a:t>
-            </a:r>
-            <a:endParaRPr lang="en-US" sz="2400" b="1" dirty="0">
-              <a:solidFill>
-                <a:schemeClr val="bg1"/>
-              </a:solidFill>
-            </a:endParaRPr>
-          </a:p>
-        </p:txBody>
-      </p:sp>
-    </p:spTree>
-    <p:extLst>
-      <p:ext uri="{BB962C8B-B14F-4D97-AF65-F5344CB8AC3E}">
-        <p14:creationId xmlns:p14="http://schemas.microsoft.com/office/powerpoint/2010/main" val="2836527046"/>
-      </p:ext>
-    </p:extLst>
-  </p:cSld>
-  <p:clrMapOvr>
-    <a:masterClrMapping/>
-  </p:clrMapOvr>
-  <mc:AlternateContent xmlns:mc="http://schemas.openxmlformats.org/markup-compatibility/2006" xmlns:p14="http://schemas.microsoft.com/office/powerpoint/2010/main">
-    <mc:Choice Requires="p14">
-      <p:transition spd="slow" p14:dur="2000">
-        <p:blinds dir="vert"/>
-      </p:transition>
-    </mc:Choice>
-    <mc:Fallback xmlns="">
-      <p:transition spd="slow">
-        <p:blinds dir="vert"/>
-      </p:transition>
-    </mc:Fallback>
-  </mc:AlternateContent>
-  <p:timing>
-    <p:tnLst>
-      <p:par>
-        <p:cTn id="1" dur="indefinite" restart="never" nodeType="tmRoot"/>
-      </p:par>
-    </p:tnLst>
-  </p:timing>
-</p:sld>
-</file>
-
-<file path=ppt/slides/slide3.xml><?xml version="1.0" encoding="utf-8"?>
-<p:sld xmlns:a="http://schemas.openxmlformats.org/drawingml/2006/main" xmlns:r="http://schemas.openxmlformats.org/officeDocument/2006/relationships" xmlns:p="http://schemas.openxmlformats.org/presentationml/2006/main">
-  <p:cSld>
-    <p:spTree>
-      <p:nvGrpSpPr>
-        <p:cNvPr id="1" name=""/>
-        <p:cNvGrpSpPr/>
-        <p:nvPr/>
-      </p:nvGrpSpPr>
-      <p:grpSpPr>
-        <a:xfrm>
-          <a:off x="0" y="0"/>
-          <a:ext cx="0" cy="0"/>
-          <a:chOff x="0" y="0"/>
-          <a:chExt cx="0" cy="0"/>
-        </a:xfrm>
-      </p:grpSpPr>
-      <p:sp>
-        <p:nvSpPr>
-          <p:cNvPr id="15" name="Rectangle 14"/>
-          <p:cNvSpPr/>
-          <p:nvPr/>
-        </p:nvSpPr>
-        <p:spPr>
-          <a:xfrm>
-            <a:off x="240475" y="240475"/>
-            <a:ext cx="8686800" cy="6400800"/>
-          </a:xfrm>
-          <a:prstGeom prst="rect">
-            <a:avLst/>
-          </a:prstGeom>
-          <a:solidFill>
-            <a:schemeClr val="bg1"/>
-          </a:solidFill>
-          <a:ln>
-            <a:noFill/>
-          </a:ln>
-        </p:spPr>
-        <p:style>
-          <a:lnRef idx="2">
-            <a:schemeClr val="accent1">
-              <a:shade val="50000"/>
-            </a:schemeClr>
-          </a:lnRef>
-          <a:fillRef idx="1">
-            <a:schemeClr val="accent1"/>
-          </a:fillRef>
-          <a:effectRef idx="0">
-            <a:schemeClr val="accent1"/>
-          </a:effectRef>
-          <a:fontRef idx="minor">
-            <a:schemeClr val="lt1"/>
-          </a:fontRef>
-        </p:style>
-        <p:txBody>
-          <a:bodyPr rtlCol="0" anchor="ctr"/>
-          <a:lstStyle/>
-          <a:p>
-            <a:pPr algn="ctr"/>
-            <a:endParaRPr lang="en-US"/>
-          </a:p>
-        </p:txBody>
-      </p:sp>
-      <p:sp>
-        <p:nvSpPr>
-          <p:cNvPr id="16" name="Rectangle 15"/>
-          <p:cNvSpPr/>
-          <p:nvPr/>
-        </p:nvSpPr>
-        <p:spPr>
-          <a:xfrm>
-            <a:off x="188259" y="188259"/>
-            <a:ext cx="8776448" cy="6490448"/>
-          </a:xfrm>
-          <a:prstGeom prst="rect">
-            <a:avLst/>
-          </a:prstGeom>
-          <a:noFill/>
-          <a:ln w="31750">
-            <a:solidFill>
-              <a:schemeClr val="bg1"/>
-            </a:solidFill>
-          </a:ln>
-        </p:spPr>
-        <p:style>
-          <a:lnRef idx="2">
-            <a:schemeClr val="accent1">
-              <a:shade val="50000"/>
-            </a:schemeClr>
-          </a:lnRef>
-          <a:fillRef idx="1">
-            <a:schemeClr val="accent1"/>
-          </a:fillRef>
-          <a:effectRef idx="0">
-            <a:schemeClr val="accent1"/>
-          </a:effectRef>
-          <a:fontRef idx="minor">
-            <a:schemeClr val="lt1"/>
-          </a:fontRef>
-        </p:style>
-        <p:txBody>
-          <a:bodyPr rtlCol="0" anchor="ctr"/>
-          <a:lstStyle/>
-          <a:p>
-            <a:pPr algn="ctr"/>
-            <a:endParaRPr lang="en-US"/>
-          </a:p>
-        </p:txBody>
-      </p:sp>
-      <p:sp>
-        <p:nvSpPr>
-          <p:cNvPr id="9" name="TextBox 8"/>
-          <p:cNvSpPr txBox="1"/>
-          <p:nvPr/>
-        </p:nvSpPr>
-        <p:spPr>
-          <a:xfrm>
-            <a:off x="1143000" y="1828799"/>
-            <a:ext cx="6781800" cy="4648201"/>
-          </a:xfrm>
-          <a:prstGeom prst="rect">
-            <a:avLst/>
-          </a:prstGeom>
-          <a:noFill/>
-        </p:spPr>
-        <p:txBody>
-          <a:bodyPr wrap="square" rtlCol="0">
-            <a:normAutofit fontScale="92500" lnSpcReduction="10000"/>
-          </a:bodyPr>
-          <a:lstStyle/>
-          <a:p>
-            <a:r>
-              <a:rPr lang="en-US" altLang="zh-HK" sz="2400" dirty="0"/>
-              <a:t>Stock Monitoring System aims to serve individual investors by providing real-time stock information with their watch lists. It is also a platform for users with different investment habits to track their target stocks and be notified when their tracking stocks reach their custom target price ranges.</a:t>
-            </a:r>
-            <a:endParaRPr lang="zh-TW" altLang="zh-HK" sz="2400" dirty="0"/>
-          </a:p>
-          <a:p>
-            <a:r>
-              <a:rPr lang="en-US" altLang="zh-HK" sz="2400" dirty="0"/>
-              <a:t>Stock price notification function would display the real-time stock market situation and changes by alerting the users with the notification function via the program itself automatically. These notification messages could provide useful and instant helps to users so they would be aware of the changes of their target stocks during the daily life. Moreover, personal watch lists and profit calculator are also delivered to users which allow them to manage their target stocks in the organized and clear interface.</a:t>
-            </a:r>
-            <a:endParaRPr lang="zh-TW" altLang="zh-HK" sz="2400" dirty="0"/>
-          </a:p>
-        </p:txBody>
-      </p:sp>
-      <p:sp>
-        <p:nvSpPr>
-          <p:cNvPr id="10" name="TextBox 9"/>
-          <p:cNvSpPr txBox="1"/>
-          <p:nvPr/>
-        </p:nvSpPr>
-        <p:spPr>
-          <a:xfrm>
-            <a:off x="240767" y="762000"/>
-            <a:ext cx="6432176" cy="461665"/>
-          </a:xfrm>
-          <a:prstGeom prst="rect">
-            <a:avLst/>
-          </a:prstGeom>
-          <a:solidFill>
-            <a:schemeClr val="tx1">
-              <a:lumMod val="95000"/>
-              <a:lumOff val="5000"/>
-              <a:alpha val="55000"/>
-            </a:schemeClr>
-          </a:solidFill>
-        </p:spPr>
-        <p:txBody>
-          <a:bodyPr wrap="square" rtlCol="0">
-            <a:normAutofit/>
-          </a:bodyPr>
-          <a:lstStyle/>
-          <a:p>
-            <a:r>
-              <a:rPr lang="en-US" sz="2400" b="1" dirty="0" smtClean="0">
-                <a:solidFill>
-                  <a:schemeClr val="bg1"/>
-                </a:solidFill>
-              </a:rPr>
-              <a:t>	What is Stock Monitoring System</a:t>
-            </a:r>
-            <a:endParaRPr lang="en-US" sz="2400" b="1" dirty="0">
-              <a:solidFill>
-                <a:schemeClr val="bg1"/>
-              </a:solidFill>
-            </a:endParaRPr>
-          </a:p>
-        </p:txBody>
-      </p:sp>
-    </p:spTree>
-  </p:cSld>
-  <p:clrMapOvr>
-    <a:masterClrMapping/>
-  </p:clrMapOvr>
-  <mc:AlternateContent xmlns:mc="http://schemas.openxmlformats.org/markup-compatibility/2006" xmlns:p14="http://schemas.microsoft.com/office/powerpoint/2010/main">
-    <mc:Choice Requires="p14">
-      <p:transition spd="slow" p14:dur="2000">
-        <p:blinds dir="vert"/>
-      </p:transition>
-    </mc:Choice>
-    <mc:Fallback xmlns="">
-      <p:transition spd="slow">
-        <p:blinds dir="vert"/>
-      </p:transition>
-    </mc:Fallback>
-  </mc:AlternateContent>
-  <p:timing>
-    <p:tnLst>
-      <p:par>
-        <p:cTn id="1" dur="indefinite" restart="never" nodeType="tmRoot"/>
-      </p:par>
-    </p:tnLst>
-  </p:timing>
-</p:sld>
-</file>
-
-<file path=ppt/slides/slide30.xml><?xml version="1.0" encoding="utf-8"?>
-<p:sld xmlns:a="http://schemas.openxmlformats.org/drawingml/2006/main" xmlns:r="http://schemas.openxmlformats.org/officeDocument/2006/relationships" xmlns:p="http://schemas.openxmlformats.org/presentationml/2006/main" showMasterSp="0">
-  <p:cSld>
-    <p:spTree>
-      <p:nvGrpSpPr>
-        <p:cNvPr id="1" name=""/>
-        <p:cNvGrpSpPr/>
-        <p:nvPr/>
-      </p:nvGrpSpPr>
-      <p:grpSpPr>
-        <a:xfrm>
-          <a:off x="0" y="0"/>
-          <a:ext cx="0" cy="0"/>
-          <a:chOff x="0" y="0"/>
-          <a:chExt cx="0" cy="0"/>
-        </a:xfrm>
-      </p:grpSpPr>
-      <p:sp>
-        <p:nvSpPr>
-          <p:cNvPr id="3" name="TextBox 2"/>
-          <p:cNvSpPr txBox="1"/>
-          <p:nvPr/>
-        </p:nvSpPr>
-        <p:spPr>
-          <a:xfrm>
-            <a:off x="5303520" y="2560320"/>
-            <a:ext cx="3200400" cy="640080"/>
-          </a:xfrm>
-          <a:prstGeom prst="rect">
-            <a:avLst/>
-          </a:prstGeom>
-          <a:solidFill>
-            <a:schemeClr val="tx1">
-              <a:lumMod val="95000"/>
-              <a:lumOff val="5000"/>
-              <a:alpha val="55000"/>
-            </a:schemeClr>
-          </a:solidFill>
-        </p:spPr>
-        <p:txBody>
-          <a:bodyPr wrap="square" rtlCol="0" anchor="ctr" anchorCtr="1">
-            <a:normAutofit/>
-          </a:bodyPr>
-          <a:lstStyle/>
-          <a:p>
-            <a:r>
-              <a:rPr lang="en-US" sz="2400" b="1" dirty="0" smtClean="0">
-                <a:solidFill>
-                  <a:schemeClr val="bg1"/>
-                </a:solidFill>
-              </a:rPr>
-              <a:t>Q&amp;A TIME</a:t>
-            </a:r>
-            <a:endParaRPr lang="en-US" sz="2400" b="1" dirty="0">
-              <a:solidFill>
-                <a:schemeClr val="bg1"/>
-              </a:solidFill>
-            </a:endParaRPr>
-          </a:p>
-        </p:txBody>
-      </p:sp>
-      <p:pic>
-        <p:nvPicPr>
-          <p:cNvPr id="6" name="Picture 2"/>
-          <p:cNvPicPr>
-            <a:picLocks noChangeAspect="1" noChangeArrowheads="1"/>
-          </p:cNvPicPr>
-          <p:nvPr/>
-        </p:nvPicPr>
-        <p:blipFill rotWithShape="1">
-          <a:blip r:embed="rId3" cstate="email">
-            <a:extLst>
-              <a:ext uri="{28A0092B-C50C-407E-A947-70E740481C1C}">
-                <a14:useLocalDpi xmlns:a14="http://schemas.microsoft.com/office/drawing/2010/main"/>
-              </a:ext>
-            </a:extLst>
-          </a:blip>
-          <a:srcRect/>
-          <a:stretch/>
-        </p:blipFill>
-        <p:spPr bwMode="auto">
-          <a:xfrm>
-            <a:off x="0" y="0"/>
-            <a:ext cx="4583873" cy="6858000"/>
-          </a:xfrm>
-          <a:prstGeom prst="rect">
-            <a:avLst/>
-          </a:prstGeom>
-        </p:spPr>
-      </p:pic>
-    </p:spTree>
-  </p:cSld>
-  <p:clrMapOvr>
-    <a:masterClrMapping/>
-  </p:clrMapOvr>
-  <mc:AlternateContent xmlns:mc="http://schemas.openxmlformats.org/markup-compatibility/2006" xmlns:p14="http://schemas.microsoft.com/office/powerpoint/2010/main">
-    <mc:Choice Requires="p14">
-      <p:transition spd="slow" p14:dur="2000">
-        <p:push/>
-      </p:transition>
-    </mc:Choice>
-    <mc:Fallback xmlns="">
-      <p:transition spd="slow">
-        <p:push/>
-      </p:transition>
-    </mc:Fallback>
-  </mc:AlternateContent>
-  <p:timing>
-    <p:tnLst>
-      <p:par>
-        <p:cTn id="1" dur="indefinite" restart="never" nodeType="tmRoot"/>
-      </p:par>
-    </p:tnLst>
-  </p:timing>
-</p:sld>
-</file>
-
-<file path=ppt/slides/slide31.xml><?xml version="1.0" encoding="utf-8"?>
-<p:sld xmlns:a="http://schemas.openxmlformats.org/drawingml/2006/main" xmlns:r="http://schemas.openxmlformats.org/officeDocument/2006/relationships" xmlns:p="http://schemas.openxmlformats.org/presentationml/2006/main" showMasterSp="0">
-  <p:cSld>
-    <p:spTree>
-      <p:nvGrpSpPr>
-        <p:cNvPr id="1" name=""/>
-        <p:cNvGrpSpPr/>
-        <p:nvPr/>
-      </p:nvGrpSpPr>
-      <p:grpSpPr>
-        <a:xfrm>
-          <a:off x="0" y="0"/>
-          <a:ext cx="0" cy="0"/>
-          <a:chOff x="0" y="0"/>
-          <a:chExt cx="0" cy="0"/>
-        </a:xfrm>
-      </p:grpSpPr>
-      <p:sp>
-        <p:nvSpPr>
-          <p:cNvPr id="3" name="TextBox 2"/>
-          <p:cNvSpPr txBox="1"/>
-          <p:nvPr/>
-        </p:nvSpPr>
-        <p:spPr>
-          <a:xfrm>
-            <a:off x="5303520" y="2560320"/>
-            <a:ext cx="3200400" cy="640080"/>
-          </a:xfrm>
-          <a:prstGeom prst="rect">
-            <a:avLst/>
-          </a:prstGeom>
-          <a:solidFill>
-            <a:schemeClr val="tx1">
-              <a:lumMod val="95000"/>
-              <a:lumOff val="5000"/>
-              <a:alpha val="55000"/>
-            </a:schemeClr>
-          </a:solidFill>
-        </p:spPr>
-        <p:txBody>
-          <a:bodyPr wrap="square" rtlCol="0" anchor="ctr" anchorCtr="1">
-            <a:normAutofit/>
-          </a:bodyPr>
-          <a:lstStyle/>
-          <a:p>
-            <a:r>
-              <a:rPr lang="en-US" sz="2400" b="1" dirty="0" smtClean="0">
-                <a:solidFill>
-                  <a:schemeClr val="bg1"/>
-                </a:solidFill>
-              </a:rPr>
-              <a:t>Thank You !</a:t>
-            </a:r>
-            <a:endParaRPr lang="en-US" sz="2400" b="1" dirty="0">
-              <a:solidFill>
-                <a:schemeClr val="bg1"/>
-              </a:solidFill>
-            </a:endParaRPr>
-          </a:p>
-        </p:txBody>
-      </p:sp>
-      <p:pic>
-        <p:nvPicPr>
-          <p:cNvPr id="6" name="Picture 2"/>
-          <p:cNvPicPr>
-            <a:picLocks noChangeAspect="1" noChangeArrowheads="1"/>
-          </p:cNvPicPr>
-          <p:nvPr/>
-        </p:nvPicPr>
-        <p:blipFill rotWithShape="1">
-          <a:blip r:embed="rId3" cstate="email">
-            <a:extLst>
-              <a:ext uri="{28A0092B-C50C-407E-A947-70E740481C1C}">
-                <a14:useLocalDpi xmlns:a14="http://schemas.microsoft.com/office/drawing/2010/main"/>
-              </a:ext>
-            </a:extLst>
-          </a:blip>
-          <a:srcRect/>
-          <a:stretch/>
-        </p:blipFill>
-        <p:spPr bwMode="auto">
-          <a:xfrm>
-            <a:off x="0" y="0"/>
-            <a:ext cx="4583873" cy="6858000"/>
-          </a:xfrm>
-          <a:prstGeom prst="rect">
-            <a:avLst/>
-          </a:prstGeom>
-        </p:spPr>
-      </p:pic>
-    </p:spTree>
-    <p:extLst>
-      <p:ext uri="{BB962C8B-B14F-4D97-AF65-F5344CB8AC3E}">
-        <p14:creationId xmlns:p14="http://schemas.microsoft.com/office/powerpoint/2010/main" val="2337517943"/>
-      </p:ext>
-    </p:extLst>
-  </p:cSld>
-  <p:clrMapOvr>
-    <a:masterClrMapping/>
-  </p:clrMapOvr>
-  <mc:AlternateContent xmlns:mc="http://schemas.openxmlformats.org/markup-compatibility/2006" xmlns:p14="http://schemas.microsoft.com/office/powerpoint/2010/main">
-    <mc:Choice Requires="p14">
-      <p:transition spd="slow" p14:dur="2000">
-        <p:push/>
-      </p:transition>
-    </mc:Choice>
-    <mc:Fallback xmlns="">
-      <p:transition spd="slow">
-        <p:push/>
-      </p:transition>
-    </mc:Fallback>
-  </mc:AlternateContent>
-  <p:timing>
-    <p:tnLst>
-      <p:par>
-        <p:cTn id="1" dur="indefinite" restart="never" nodeType="tmRoot"/>
-      </p:par>
-    </p:tnLst>
-  </p:timing>
-</p:sld>
-</file>
-
-<file path=ppt/slides/slide4.xml><?xml version="1.0" encoding="utf-8"?>
-<p:sld xmlns:a="http://schemas.openxmlformats.org/drawingml/2006/main" xmlns:r="http://schemas.openxmlformats.org/officeDocument/2006/relationships" xmlns:p="http://schemas.openxmlformats.org/presentationml/2006/main">
-  <p:cSld>
-    <p:spTree>
-      <p:nvGrpSpPr>
-        <p:cNvPr id="1" name=""/>
-        <p:cNvGrpSpPr/>
-        <p:nvPr/>
-      </p:nvGrpSpPr>
-      <p:grpSpPr>
-        <a:xfrm>
-          <a:off x="0" y="0"/>
-          <a:ext cx="0" cy="0"/>
-          <a:chOff x="0" y="0"/>
-          <a:chExt cx="0" cy="0"/>
-        </a:xfrm>
-      </p:grpSpPr>
-      <p:sp>
-        <p:nvSpPr>
-          <p:cNvPr id="15" name="Rectangle 14"/>
-          <p:cNvSpPr/>
-          <p:nvPr/>
-        </p:nvSpPr>
-        <p:spPr>
-          <a:xfrm>
-            <a:off x="240475" y="240475"/>
-            <a:ext cx="8686800" cy="6400800"/>
-          </a:xfrm>
-          <a:prstGeom prst="rect">
-            <a:avLst/>
-          </a:prstGeom>
-          <a:solidFill>
-            <a:schemeClr val="bg1"/>
-          </a:solidFill>
-          <a:ln>
-            <a:noFill/>
-          </a:ln>
-        </p:spPr>
-        <p:style>
-          <a:lnRef idx="2">
-            <a:schemeClr val="accent1">
-              <a:shade val="50000"/>
-            </a:schemeClr>
-          </a:lnRef>
-          <a:fillRef idx="1">
-            <a:schemeClr val="accent1"/>
-          </a:fillRef>
-          <a:effectRef idx="0">
-            <a:schemeClr val="accent1"/>
-          </a:effectRef>
-          <a:fontRef idx="minor">
-            <a:schemeClr val="lt1"/>
-          </a:fontRef>
-        </p:style>
-        <p:txBody>
-          <a:bodyPr rtlCol="0" anchor="ctr"/>
-          <a:lstStyle/>
-          <a:p>
-            <a:pPr algn="ctr"/>
-            <a:endParaRPr lang="en-US"/>
-          </a:p>
-        </p:txBody>
-      </p:sp>
-      <p:sp>
-        <p:nvSpPr>
-          <p:cNvPr id="16" name="Rectangle 15"/>
-          <p:cNvSpPr/>
-          <p:nvPr/>
-        </p:nvSpPr>
-        <p:spPr>
-          <a:xfrm>
-            <a:off x="188259" y="188259"/>
-            <a:ext cx="8776448" cy="6490448"/>
-          </a:xfrm>
-          <a:prstGeom prst="rect">
-            <a:avLst/>
-          </a:prstGeom>
-          <a:noFill/>
-          <a:ln w="31750">
-            <a:solidFill>
-              <a:schemeClr val="bg1"/>
-            </a:solidFill>
-          </a:ln>
-        </p:spPr>
-        <p:style>
-          <a:lnRef idx="2">
-            <a:schemeClr val="accent1">
-              <a:shade val="50000"/>
-            </a:schemeClr>
-          </a:lnRef>
-          <a:fillRef idx="1">
-            <a:schemeClr val="accent1"/>
-          </a:fillRef>
-          <a:effectRef idx="0">
-            <a:schemeClr val="accent1"/>
-          </a:effectRef>
-          <a:fontRef idx="minor">
-            <a:schemeClr val="lt1"/>
-          </a:fontRef>
-        </p:style>
-        <p:txBody>
-          <a:bodyPr rtlCol="0" anchor="ctr"/>
-          <a:lstStyle/>
-          <a:p>
-            <a:pPr algn="ctr"/>
-            <a:endParaRPr lang="en-US"/>
-          </a:p>
-        </p:txBody>
-      </p:sp>
-      <p:sp>
-        <p:nvSpPr>
-          <p:cNvPr id="9" name="TextBox 8"/>
-          <p:cNvSpPr txBox="1"/>
-          <p:nvPr/>
-        </p:nvSpPr>
-        <p:spPr>
-          <a:xfrm>
-            <a:off x="1143000" y="1828798"/>
-            <a:ext cx="6781800" cy="4648201"/>
-          </a:xfrm>
-          <a:prstGeom prst="rect">
-            <a:avLst/>
-          </a:prstGeom>
-          <a:noFill/>
-        </p:spPr>
-        <p:txBody>
-          <a:bodyPr wrap="square" rtlCol="0">
-            <a:normAutofit/>
-          </a:bodyPr>
-          <a:lstStyle/>
-          <a:p>
-            <a:pPr marL="342900" indent="-342900">
-              <a:buFont typeface="Arial" pitchFamily="34" charset="0"/>
-              <a:buChar char="•"/>
-            </a:pPr>
-            <a:r>
-              <a:rPr lang="en-US" sz="2400" b="1" dirty="0" smtClean="0">
-                <a:solidFill>
-                  <a:srgbClr val="FC7500"/>
-                </a:solidFill>
-              </a:rPr>
-              <a:t>Problems of software in the market:</a:t>
-            </a:r>
-          </a:p>
-          <a:p>
-            <a:pPr marL="800100" lvl="1" indent="-342900">
-              <a:buFont typeface="Arial" pitchFamily="34" charset="0"/>
-              <a:buChar char="•"/>
-            </a:pPr>
-            <a:r>
-              <a:rPr lang="en-US" sz="2400" b="1" dirty="0" smtClean="0">
-                <a:solidFill>
-                  <a:srgbClr val="FC7500"/>
-                </a:solidFill>
-              </a:rPr>
-              <a:t>Information </a:t>
-            </a:r>
-            <a:r>
-              <a:rPr lang="en-US" sz="2400" b="1" dirty="0">
-                <a:solidFill>
-                  <a:srgbClr val="FC7500"/>
-                </a:solidFill>
-              </a:rPr>
-              <a:t>not up to </a:t>
-            </a:r>
-            <a:r>
-              <a:rPr lang="en-US" sz="2400" b="1" dirty="0" smtClean="0">
-                <a:solidFill>
-                  <a:srgbClr val="FC7500"/>
-                </a:solidFill>
-              </a:rPr>
-              <a:t>date</a:t>
-            </a:r>
-          </a:p>
-          <a:p>
-            <a:pPr marL="800100" lvl="1" indent="-342900">
-              <a:buFont typeface="Arial" pitchFamily="34" charset="0"/>
-              <a:buChar char="•"/>
-            </a:pPr>
-            <a:r>
-              <a:rPr lang="en-US" sz="2400" b="1" dirty="0" smtClean="0">
-                <a:solidFill>
-                  <a:srgbClr val="FC7500"/>
-                </a:solidFill>
-              </a:rPr>
-              <a:t>Data not sync</a:t>
-            </a:r>
-          </a:p>
-          <a:p>
-            <a:pPr marL="800100" lvl="1" indent="-342900">
-              <a:buFont typeface="Arial" pitchFamily="34" charset="0"/>
-              <a:buChar char="•"/>
-            </a:pPr>
-            <a:r>
-              <a:rPr lang="en-US" sz="2400" b="1" dirty="0" smtClean="0">
-                <a:solidFill>
-                  <a:srgbClr val="FC7500"/>
-                </a:solidFill>
-              </a:rPr>
-              <a:t>Not user friendly</a:t>
-            </a:r>
-          </a:p>
-          <a:p>
-            <a:pPr marL="800100" lvl="1" indent="-342900">
-              <a:buFont typeface="Arial" pitchFamily="34" charset="0"/>
-              <a:buChar char="•"/>
-            </a:pPr>
-            <a:r>
-              <a:rPr lang="en-US" sz="2400" b="1" dirty="0" smtClean="0">
-                <a:solidFill>
-                  <a:srgbClr val="FC7500"/>
-                </a:solidFill>
-              </a:rPr>
-              <a:t>Poor security</a:t>
-            </a:r>
-          </a:p>
-          <a:p>
-            <a:pPr marL="800100" lvl="1" indent="-342900">
-              <a:buFont typeface="Arial" pitchFamily="34" charset="0"/>
-              <a:buChar char="•"/>
-            </a:pPr>
-            <a:r>
-              <a:rPr lang="en-US" sz="2400" b="1" dirty="0" smtClean="0">
-                <a:solidFill>
-                  <a:srgbClr val="FC7500"/>
-                </a:solidFill>
-              </a:rPr>
-              <a:t>Price issue</a:t>
-            </a:r>
-          </a:p>
-          <a:p>
-            <a:endParaRPr lang="en-US" sz="2400" b="1" dirty="0" smtClean="0">
-              <a:solidFill>
-                <a:srgbClr val="FC7500"/>
-              </a:solidFill>
-            </a:endParaRPr>
-          </a:p>
-          <a:p>
-            <a:pPr marL="342900" indent="-342900">
-              <a:buFont typeface="Arial" pitchFamily="34" charset="0"/>
-              <a:buChar char="•"/>
-            </a:pPr>
-            <a:endParaRPr lang="en-US" sz="2400" b="1" dirty="0">
-              <a:solidFill>
-                <a:srgbClr val="FC7500"/>
-              </a:solidFill>
-            </a:endParaRPr>
-          </a:p>
-          <a:p>
-            <a:pPr marL="342900" indent="-342900">
-              <a:buFont typeface="Arial" pitchFamily="34" charset="0"/>
-              <a:buChar char="•"/>
-            </a:pPr>
-            <a:endParaRPr lang="en-US" sz="2400" dirty="0"/>
-          </a:p>
-        </p:txBody>
-      </p:sp>
-      <p:sp>
-        <p:nvSpPr>
-          <p:cNvPr id="10" name="TextBox 9"/>
-          <p:cNvSpPr txBox="1"/>
-          <p:nvPr/>
-        </p:nvSpPr>
-        <p:spPr>
-          <a:xfrm>
-            <a:off x="240767" y="762000"/>
-            <a:ext cx="6432176" cy="461665"/>
-          </a:xfrm>
-          <a:prstGeom prst="rect">
-            <a:avLst/>
-          </a:prstGeom>
-          <a:solidFill>
-            <a:schemeClr val="tx1">
-              <a:lumMod val="95000"/>
-              <a:lumOff val="5000"/>
-              <a:alpha val="55000"/>
-            </a:schemeClr>
-          </a:solidFill>
-        </p:spPr>
-        <p:txBody>
-          <a:bodyPr wrap="square" rtlCol="0">
-            <a:normAutofit/>
-          </a:bodyPr>
-          <a:lstStyle/>
-          <a:p>
-            <a:r>
-              <a:rPr lang="en-US" sz="2400" b="1" dirty="0" smtClean="0">
-                <a:solidFill>
-                  <a:schemeClr val="bg1"/>
-                </a:solidFill>
-              </a:rPr>
-              <a:t>	Why do we need to develop this system</a:t>
-            </a:r>
-            <a:endParaRPr lang="en-US" sz="2400" b="1" dirty="0">
-              <a:solidFill>
-                <a:schemeClr val="bg1"/>
-              </a:solidFill>
-            </a:endParaRPr>
-          </a:p>
-        </p:txBody>
-      </p:sp>
-    </p:spTree>
-    <p:extLst>
-      <p:ext uri="{BB962C8B-B14F-4D97-AF65-F5344CB8AC3E}">
-        <p14:creationId xmlns:p14="http://schemas.microsoft.com/office/powerpoint/2010/main" val="3404545742"/>
-      </p:ext>
-    </p:extLst>
-  </p:cSld>
-  <p:clrMapOvr>
-    <a:masterClrMapping/>
-  </p:clrMapOvr>
-  <mc:AlternateContent xmlns:mc="http://schemas.openxmlformats.org/markup-compatibility/2006" xmlns:p14="http://schemas.microsoft.com/office/powerpoint/2010/main">
-    <mc:Choice Requires="p14">
-      <p:transition spd="slow" p14:dur="2000">
-        <p:blinds dir="vert"/>
-      </p:transition>
-    </mc:Choice>
-    <mc:Fallback xmlns="">
-      <p:transition spd="slow">
-        <p:blinds dir="vert"/>
-      </p:transition>
-    </mc:Fallback>
-  </mc:AlternateContent>
-  <p:timing>
-    <p:tnLst>
-      <p:par>
-        <p:cTn id="1" dur="indefinite" restart="never" nodeType="tmRoot"/>
-      </p:par>
-    </p:tnLst>
-  </p:timing>
-</p:sld>
-</file>
-
-<file path=ppt/slides/slide5.xml><?xml version="1.0" encoding="utf-8"?>
-<p:sld xmlns:a="http://schemas.openxmlformats.org/drawingml/2006/main" xmlns:r="http://schemas.openxmlformats.org/officeDocument/2006/relationships" xmlns:p="http://schemas.openxmlformats.org/presentationml/2006/main">
-  <p:cSld>
-    <p:spTree>
-      <p:nvGrpSpPr>
-        <p:cNvPr id="1" name=""/>
-        <p:cNvGrpSpPr/>
-        <p:nvPr/>
-      </p:nvGrpSpPr>
-      <p:grpSpPr>
-        <a:xfrm>
-          <a:off x="0" y="0"/>
-          <a:ext cx="0" cy="0"/>
-          <a:chOff x="0" y="0"/>
-          <a:chExt cx="0" cy="0"/>
-        </a:xfrm>
-      </p:grpSpPr>
-      <p:sp>
-        <p:nvSpPr>
-          <p:cNvPr id="15" name="Rectangle 14"/>
-          <p:cNvSpPr/>
-          <p:nvPr/>
-        </p:nvSpPr>
-        <p:spPr>
-          <a:xfrm>
-            <a:off x="240475" y="240475"/>
-            <a:ext cx="8686800" cy="6400800"/>
-          </a:xfrm>
-          <a:prstGeom prst="rect">
-            <a:avLst/>
-          </a:prstGeom>
-          <a:solidFill>
-            <a:schemeClr val="bg1"/>
-          </a:solidFill>
-          <a:ln>
-            <a:noFill/>
-          </a:ln>
-        </p:spPr>
-        <p:style>
-          <a:lnRef idx="2">
-            <a:schemeClr val="accent1">
-              <a:shade val="50000"/>
-            </a:schemeClr>
-          </a:lnRef>
-          <a:fillRef idx="1">
-            <a:schemeClr val="accent1"/>
-          </a:fillRef>
-          <a:effectRef idx="0">
-            <a:schemeClr val="accent1"/>
-          </a:effectRef>
-          <a:fontRef idx="minor">
-            <a:schemeClr val="lt1"/>
-          </a:fontRef>
-        </p:style>
-        <p:txBody>
-          <a:bodyPr rtlCol="0" anchor="ctr"/>
-          <a:lstStyle/>
-          <a:p>
-            <a:pPr algn="ctr"/>
-            <a:endParaRPr lang="en-US"/>
-          </a:p>
-        </p:txBody>
-      </p:sp>
-      <p:sp>
-        <p:nvSpPr>
-          <p:cNvPr id="16" name="Rectangle 15"/>
-          <p:cNvSpPr/>
-          <p:nvPr/>
-        </p:nvSpPr>
-        <p:spPr>
-          <a:xfrm>
-            <a:off x="188259" y="188259"/>
-            <a:ext cx="8776448" cy="6490448"/>
-          </a:xfrm>
-          <a:prstGeom prst="rect">
-            <a:avLst/>
-          </a:prstGeom>
-          <a:noFill/>
-          <a:ln w="31750">
-            <a:solidFill>
-              <a:schemeClr val="bg1"/>
-            </a:solidFill>
-          </a:ln>
-        </p:spPr>
-        <p:style>
-          <a:lnRef idx="2">
-            <a:schemeClr val="accent1">
-              <a:shade val="50000"/>
-            </a:schemeClr>
-          </a:lnRef>
-          <a:fillRef idx="1">
-            <a:schemeClr val="accent1"/>
-          </a:fillRef>
-          <a:effectRef idx="0">
-            <a:schemeClr val="accent1"/>
-          </a:effectRef>
-          <a:fontRef idx="minor">
-            <a:schemeClr val="lt1"/>
-          </a:fontRef>
-        </p:style>
-        <p:txBody>
-          <a:bodyPr rtlCol="0" anchor="ctr"/>
-          <a:lstStyle/>
-          <a:p>
-            <a:pPr algn="ctr"/>
-            <a:endParaRPr lang="en-US"/>
-          </a:p>
-        </p:txBody>
-      </p:sp>
-      <p:sp>
-        <p:nvSpPr>
-          <p:cNvPr id="9" name="TextBox 8"/>
-          <p:cNvSpPr txBox="1"/>
-          <p:nvPr/>
-        </p:nvSpPr>
-        <p:spPr>
-          <a:xfrm>
-            <a:off x="1143000" y="1828799"/>
-            <a:ext cx="6781800" cy="4648201"/>
-          </a:xfrm>
-          <a:prstGeom prst="rect">
-            <a:avLst/>
-          </a:prstGeom>
-          <a:noFill/>
-        </p:spPr>
-        <p:txBody>
-          <a:bodyPr wrap="square" rtlCol="0">
-            <a:normAutofit/>
-          </a:bodyPr>
-          <a:lstStyle/>
-          <a:p>
-            <a:pPr marL="342900" indent="-342900">
-              <a:buFont typeface="Arial" pitchFamily="34" charset="0"/>
-              <a:buChar char="•"/>
-            </a:pPr>
-            <a:r>
-              <a:rPr lang="en-US" sz="2400" b="1" dirty="0" smtClean="0">
-                <a:solidFill>
-                  <a:srgbClr val="FC7500"/>
-                </a:solidFill>
-              </a:rPr>
-              <a:t>API for </a:t>
-            </a:r>
-            <a:r>
-              <a:rPr lang="en-US" sz="2400" b="1" dirty="0" smtClean="0">
-                <a:solidFill>
-                  <a:srgbClr val="FC7500"/>
-                </a:solidFill>
-              </a:rPr>
-              <a:t>stock information</a:t>
-            </a:r>
-          </a:p>
-          <a:p>
-            <a:pPr marL="342900" indent="-342900">
-              <a:buFont typeface="Arial" pitchFamily="34" charset="0"/>
-              <a:buChar char="•"/>
-            </a:pPr>
-            <a:r>
-              <a:rPr lang="en-US" sz="2400" b="1" dirty="0" smtClean="0">
-                <a:solidFill>
-                  <a:srgbClr val="FC7500"/>
-                </a:solidFill>
-              </a:rPr>
-              <a:t>Auto-refresh 20 stocks at the same time without system failure</a:t>
-            </a:r>
-          </a:p>
-          <a:p>
-            <a:pPr marL="342900" indent="-342900">
-              <a:buFont typeface="Arial" pitchFamily="34" charset="0"/>
-              <a:buChar char="•"/>
-            </a:pPr>
-            <a:r>
-              <a:rPr lang="en-US" sz="2400" b="1" dirty="0" smtClean="0">
-                <a:solidFill>
-                  <a:srgbClr val="FC7500"/>
-                </a:solidFill>
-              </a:rPr>
-              <a:t>System is developed by using python</a:t>
-            </a:r>
-          </a:p>
-          <a:p>
-            <a:pPr marL="342900" indent="-342900">
-              <a:buFont typeface="Arial" pitchFamily="34" charset="0"/>
-              <a:buChar char="•"/>
-            </a:pPr>
-            <a:r>
-              <a:rPr lang="en-US" sz="2400" b="1" dirty="0" smtClean="0">
-                <a:solidFill>
-                  <a:srgbClr val="FC7500"/>
-                </a:solidFill>
-              </a:rPr>
-              <a:t>Time issue</a:t>
-            </a:r>
-          </a:p>
-          <a:p>
-            <a:pPr marL="342900" indent="-342900">
-              <a:buFont typeface="Arial" pitchFamily="34" charset="0"/>
-              <a:buChar char="•"/>
-            </a:pPr>
-            <a:endParaRPr lang="en-US" sz="2400" b="1" dirty="0" smtClean="0">
-              <a:solidFill>
-                <a:srgbClr val="FC7500"/>
-              </a:solidFill>
-            </a:endParaRPr>
-          </a:p>
-          <a:p>
-            <a:pPr marL="342900" indent="-342900">
-              <a:buFont typeface="Arial" pitchFamily="34" charset="0"/>
-              <a:buChar char="•"/>
-            </a:pPr>
-            <a:endParaRPr lang="en-US" sz="2400" b="1" dirty="0">
-              <a:solidFill>
-                <a:srgbClr val="FC7500"/>
-              </a:solidFill>
-            </a:endParaRPr>
-          </a:p>
-          <a:p>
-            <a:pPr marL="342900" indent="-342900">
-              <a:buFont typeface="Arial" pitchFamily="34" charset="0"/>
-              <a:buChar char="•"/>
-            </a:pPr>
-            <a:endParaRPr lang="en-US" sz="2400" dirty="0"/>
-          </a:p>
-        </p:txBody>
-      </p:sp>
-      <p:sp>
-        <p:nvSpPr>
-          <p:cNvPr id="10" name="TextBox 9"/>
-          <p:cNvSpPr txBox="1"/>
-          <p:nvPr/>
-        </p:nvSpPr>
-        <p:spPr>
-          <a:xfrm>
-            <a:off x="240767" y="762000"/>
-            <a:ext cx="6432176" cy="461665"/>
-          </a:xfrm>
-          <a:prstGeom prst="rect">
-            <a:avLst/>
-          </a:prstGeom>
-          <a:solidFill>
-            <a:schemeClr val="tx1">
-              <a:lumMod val="95000"/>
-              <a:lumOff val="5000"/>
-              <a:alpha val="55000"/>
-            </a:schemeClr>
-          </a:solidFill>
-        </p:spPr>
-        <p:txBody>
-          <a:bodyPr wrap="square" rtlCol="0">
-            <a:normAutofit/>
-          </a:bodyPr>
-          <a:lstStyle/>
-          <a:p>
-            <a:r>
-              <a:rPr lang="en-US" sz="2400" b="1" dirty="0" smtClean="0">
-                <a:solidFill>
-                  <a:schemeClr val="bg1"/>
-                </a:solidFill>
-              </a:rPr>
-              <a:t>	Difficulties of the system</a:t>
-            </a:r>
-            <a:endParaRPr lang="en-US" sz="2400" b="1" dirty="0">
-              <a:solidFill>
-                <a:schemeClr val="bg1"/>
-              </a:solidFill>
-            </a:endParaRPr>
-          </a:p>
-        </p:txBody>
-      </p:sp>
-    </p:spTree>
-    <p:extLst>
-      <p:ext uri="{BB962C8B-B14F-4D97-AF65-F5344CB8AC3E}">
-        <p14:creationId xmlns:p14="http://schemas.microsoft.com/office/powerpoint/2010/main" val="3056080029"/>
-      </p:ext>
-    </p:extLst>
-  </p:cSld>
-  <p:clrMapOvr>
-    <a:masterClrMapping/>
-  </p:clrMapOvr>
-  <mc:AlternateContent xmlns:mc="http://schemas.openxmlformats.org/markup-compatibility/2006" xmlns:p14="http://schemas.microsoft.com/office/powerpoint/2010/main">
-    <mc:Choice Requires="p14">
-      <p:transition spd="slow" p14:dur="2000">
-        <p:blinds dir="vert"/>
-      </p:transition>
-    </mc:Choice>
-    <mc:Fallback xmlns="">
-      <p:transition spd="slow">
-        <p:blinds dir="vert"/>
-      </p:transition>
-    </mc:Fallback>
-  </mc:AlternateContent>
-  <p:timing>
-    <p:tnLst>
-      <p:par>
-        <p:cTn id="1" dur="indefinite" restart="never" nodeType="tmRoot"/>
-      </p:par>
-    </p:tnLst>
-  </p:timing>
-</p:sld>
-</file>
-
-<file path=ppt/slides/slide6.xml><?xml version="1.0" encoding="utf-8"?>
-<p:sld xmlns:a="http://schemas.openxmlformats.org/drawingml/2006/main" xmlns:r="http://schemas.openxmlformats.org/officeDocument/2006/relationships" xmlns:p="http://schemas.openxmlformats.org/presentationml/2006/main">
-  <p:cSld>
-    <p:spTree>
-      <p:nvGrpSpPr>
-        <p:cNvPr id="1" name=""/>
-        <p:cNvGrpSpPr/>
-        <p:nvPr/>
-      </p:nvGrpSpPr>
-      <p:grpSpPr>
-        <a:xfrm>
-          <a:off x="0" y="0"/>
-          <a:ext cx="0" cy="0"/>
-          <a:chOff x="0" y="0"/>
-          <a:chExt cx="0" cy="0"/>
-        </a:xfrm>
-      </p:grpSpPr>
-      <p:sp>
-        <p:nvSpPr>
-          <p:cNvPr id="15" name="Rectangle 14"/>
-          <p:cNvSpPr/>
-          <p:nvPr/>
-        </p:nvSpPr>
-        <p:spPr>
-          <a:xfrm>
-            <a:off x="240475" y="240475"/>
-            <a:ext cx="8686800" cy="6400800"/>
-          </a:xfrm>
-          <a:prstGeom prst="rect">
-            <a:avLst/>
-          </a:prstGeom>
-          <a:solidFill>
-            <a:schemeClr val="bg1"/>
-          </a:solidFill>
-          <a:ln>
-            <a:noFill/>
-          </a:ln>
-        </p:spPr>
-        <p:style>
-          <a:lnRef idx="2">
-            <a:schemeClr val="accent1">
-              <a:shade val="50000"/>
-            </a:schemeClr>
-          </a:lnRef>
-          <a:fillRef idx="1">
-            <a:schemeClr val="accent1"/>
-          </a:fillRef>
-          <a:effectRef idx="0">
-            <a:schemeClr val="accent1"/>
-          </a:effectRef>
-          <a:fontRef idx="minor">
-            <a:schemeClr val="lt1"/>
-          </a:fontRef>
-        </p:style>
-        <p:txBody>
-          <a:bodyPr rtlCol="0" anchor="ctr"/>
-          <a:lstStyle/>
-          <a:p>
-            <a:pPr algn="ctr"/>
-            <a:endParaRPr lang="en-US"/>
-          </a:p>
-        </p:txBody>
-      </p:sp>
-      <p:sp>
-        <p:nvSpPr>
-          <p:cNvPr id="16" name="Rectangle 15"/>
-          <p:cNvSpPr/>
-          <p:nvPr/>
-        </p:nvSpPr>
-        <p:spPr>
-          <a:xfrm>
-            <a:off x="188259" y="188259"/>
-            <a:ext cx="8776448" cy="6490448"/>
-          </a:xfrm>
-          <a:prstGeom prst="rect">
-            <a:avLst/>
-          </a:prstGeom>
-          <a:noFill/>
-          <a:ln w="31750">
-            <a:solidFill>
-              <a:schemeClr val="bg1"/>
-            </a:solidFill>
-          </a:ln>
-        </p:spPr>
-        <p:style>
-          <a:lnRef idx="2">
-            <a:schemeClr val="accent1">
-              <a:shade val="50000"/>
-            </a:schemeClr>
-          </a:lnRef>
-          <a:fillRef idx="1">
-            <a:schemeClr val="accent1"/>
-          </a:fillRef>
-          <a:effectRef idx="0">
-            <a:schemeClr val="accent1"/>
-          </a:effectRef>
-          <a:fontRef idx="minor">
-            <a:schemeClr val="lt1"/>
-          </a:fontRef>
-        </p:style>
-        <p:txBody>
-          <a:bodyPr rtlCol="0" anchor="ctr"/>
-          <a:lstStyle/>
-          <a:p>
-            <a:pPr algn="ctr"/>
-            <a:endParaRPr lang="en-US"/>
-          </a:p>
-        </p:txBody>
-      </p:sp>
-      <p:sp>
-        <p:nvSpPr>
-          <p:cNvPr id="9" name="TextBox 8"/>
-          <p:cNvSpPr txBox="1"/>
-          <p:nvPr/>
-        </p:nvSpPr>
-        <p:spPr>
-          <a:xfrm>
-            <a:off x="1143000" y="1828799"/>
-            <a:ext cx="6781800" cy="4648201"/>
-          </a:xfrm>
-          <a:prstGeom prst="rect">
-            <a:avLst/>
-          </a:prstGeom>
-          <a:noFill/>
-        </p:spPr>
-        <p:txBody>
-          <a:bodyPr wrap="square" rtlCol="0">
-            <a:normAutofit/>
-          </a:bodyPr>
-          <a:lstStyle/>
-          <a:p>
-            <a:pPr marL="342900" indent="-342900">
-              <a:buFont typeface="Arial" pitchFamily="34" charset="0"/>
-              <a:buChar char="•"/>
-            </a:pPr>
-            <a:r>
-              <a:rPr lang="en-US" sz="2400" b="1" dirty="0" smtClean="0">
-                <a:solidFill>
-                  <a:srgbClr val="FC7500"/>
-                </a:solidFill>
-              </a:rPr>
-              <a:t>Using free API</a:t>
-            </a:r>
-          </a:p>
-          <a:p>
-            <a:pPr marL="342900" indent="-342900">
-              <a:buFont typeface="Arial" pitchFamily="34" charset="0"/>
-              <a:buChar char="•"/>
-            </a:pPr>
-            <a:r>
-              <a:rPr lang="en-US" sz="2400" b="1" dirty="0" smtClean="0">
-                <a:solidFill>
-                  <a:srgbClr val="FC7500"/>
-                </a:solidFill>
-              </a:rPr>
-              <a:t>Multi-threading/processing technology</a:t>
-            </a:r>
-          </a:p>
-          <a:p>
-            <a:pPr marL="342900" indent="-342900">
-              <a:buFont typeface="Arial" pitchFamily="34" charset="0"/>
-              <a:buChar char="•"/>
-            </a:pPr>
-            <a:r>
-              <a:rPr lang="en-US" sz="2400" b="1" dirty="0" smtClean="0">
-                <a:solidFill>
-                  <a:srgbClr val="FC7500"/>
-                </a:solidFill>
-              </a:rPr>
-              <a:t>Using free GUI-framework to develop the program</a:t>
-            </a:r>
-          </a:p>
-          <a:p>
-            <a:pPr marL="342900" indent="-342900">
-              <a:buFont typeface="Arial" pitchFamily="34" charset="0"/>
-              <a:buChar char="•"/>
-            </a:pPr>
-            <a:r>
-              <a:rPr lang="en-US" sz="2400" b="1" dirty="0" smtClean="0">
-                <a:solidFill>
-                  <a:srgbClr val="FC7500"/>
-                </a:solidFill>
-              </a:rPr>
-              <a:t>Using existing libraries</a:t>
-            </a:r>
-          </a:p>
-          <a:p>
-            <a:pPr marL="342900" indent="-342900">
-              <a:buFont typeface="Arial" pitchFamily="34" charset="0"/>
-              <a:buChar char="•"/>
-            </a:pPr>
-            <a:endParaRPr lang="en-US" sz="2400" b="1" dirty="0" smtClean="0">
-              <a:solidFill>
-                <a:srgbClr val="FC7500"/>
-              </a:solidFill>
-            </a:endParaRPr>
-          </a:p>
-          <a:p>
-            <a:pPr marL="342900" indent="-342900">
-              <a:buFont typeface="Arial" pitchFamily="34" charset="0"/>
-              <a:buChar char="•"/>
-            </a:pPr>
-            <a:endParaRPr lang="en-US" sz="2400" b="1" dirty="0" smtClean="0">
-              <a:solidFill>
-                <a:srgbClr val="FC7500"/>
-              </a:solidFill>
-            </a:endParaRPr>
-          </a:p>
-          <a:p>
-            <a:pPr marL="342900" indent="-342900">
-              <a:buFont typeface="Arial" pitchFamily="34" charset="0"/>
-              <a:buChar char="•"/>
-            </a:pPr>
-            <a:endParaRPr lang="en-US" sz="2400" b="1" dirty="0">
-              <a:solidFill>
-                <a:srgbClr val="FC7500"/>
-              </a:solidFill>
-            </a:endParaRPr>
-          </a:p>
-          <a:p>
-            <a:pPr marL="342900" indent="-342900">
-              <a:buFont typeface="Arial" pitchFamily="34" charset="0"/>
-              <a:buChar char="•"/>
-            </a:pPr>
-            <a:endParaRPr lang="en-US" sz="2400" dirty="0"/>
-          </a:p>
-        </p:txBody>
-      </p:sp>
-      <p:sp>
-        <p:nvSpPr>
-          <p:cNvPr id="10" name="TextBox 9"/>
-          <p:cNvSpPr txBox="1"/>
-          <p:nvPr/>
-        </p:nvSpPr>
-        <p:spPr>
-          <a:xfrm>
-            <a:off x="240767" y="762000"/>
-            <a:ext cx="6432176" cy="461665"/>
-          </a:xfrm>
-          <a:prstGeom prst="rect">
-            <a:avLst/>
-          </a:prstGeom>
-          <a:solidFill>
-            <a:schemeClr val="tx1">
-              <a:lumMod val="95000"/>
-              <a:lumOff val="5000"/>
-              <a:alpha val="55000"/>
-            </a:schemeClr>
-          </a:solidFill>
-        </p:spPr>
-        <p:txBody>
-          <a:bodyPr wrap="square" rtlCol="0">
-            <a:normAutofit/>
-          </a:bodyPr>
-          <a:lstStyle/>
-          <a:p>
-            <a:r>
-              <a:rPr lang="en-US" sz="2400" b="1" dirty="0" smtClean="0">
-                <a:solidFill>
-                  <a:schemeClr val="bg1"/>
-                </a:solidFill>
-              </a:rPr>
-              <a:t>	How to overcome the difficulties</a:t>
-            </a:r>
-            <a:endParaRPr lang="en-US" sz="2400" b="1" dirty="0">
-              <a:solidFill>
-                <a:schemeClr val="bg1"/>
-              </a:solidFill>
-            </a:endParaRPr>
-          </a:p>
-        </p:txBody>
-      </p:sp>
-    </p:spTree>
-    <p:extLst>
-      <p:ext uri="{BB962C8B-B14F-4D97-AF65-F5344CB8AC3E}">
-        <p14:creationId xmlns:p14="http://schemas.microsoft.com/office/powerpoint/2010/main" val="634503581"/>
-      </p:ext>
-    </p:extLst>
-  </p:cSld>
-  <p:clrMapOvr>
-    <a:masterClrMapping/>
-  </p:clrMapOvr>
-  <mc:AlternateContent xmlns:mc="http://schemas.openxmlformats.org/markup-compatibility/2006" xmlns:p14="http://schemas.microsoft.com/office/powerpoint/2010/main">
-    <mc:Choice Requires="p14">
-      <p:transition spd="slow" p14:dur="2000">
-        <p:blinds dir="vert"/>
-      </p:transition>
-    </mc:Choice>
-    <mc:Fallback xmlns="">
-      <p:transition spd="slow">
-        <p:blinds dir="vert"/>
-      </p:transition>
-    </mc:Fallback>
-  </mc:AlternateContent>
-  <p:timing>
-    <p:tnLst>
-      <p:par>
-        <p:cTn id="1" dur="indefinite" restart="never" nodeType="tmRoot"/>
-      </p:par>
-    </p:tnLst>
-  </p:timing>
-</p:sld>
-</file>
-
-<file path=ppt/slides/slide7.xml><?xml version="1.0" encoding="utf-8"?>
-<p:sld xmlns:a="http://schemas.openxmlformats.org/drawingml/2006/main" xmlns:r="http://schemas.openxmlformats.org/officeDocument/2006/relationships" xmlns:p="http://schemas.openxmlformats.org/presentationml/2006/main">
-  <p:cSld>
-    <p:spTree>
-      <p:nvGrpSpPr>
-        <p:cNvPr id="1" name=""/>
-        <p:cNvGrpSpPr/>
-        <p:nvPr/>
-      </p:nvGrpSpPr>
-      <p:grpSpPr>
-        <a:xfrm>
-          <a:off x="0" y="0"/>
-          <a:ext cx="0" cy="0"/>
-          <a:chOff x="0" y="0"/>
-          <a:chExt cx="0" cy="0"/>
-        </a:xfrm>
-      </p:grpSpPr>
-      <p:sp>
-        <p:nvSpPr>
-          <p:cNvPr id="15" name="Rectangle 14"/>
-          <p:cNvSpPr/>
-          <p:nvPr/>
-        </p:nvSpPr>
-        <p:spPr>
-          <a:xfrm>
-            <a:off x="240475" y="240475"/>
-            <a:ext cx="8686800" cy="6400800"/>
-          </a:xfrm>
-          <a:prstGeom prst="rect">
-            <a:avLst/>
-          </a:prstGeom>
-          <a:solidFill>
-            <a:schemeClr val="bg1"/>
-          </a:solidFill>
-          <a:ln>
-            <a:noFill/>
-          </a:ln>
-        </p:spPr>
-        <p:style>
-          <a:lnRef idx="2">
-            <a:schemeClr val="accent1">
-              <a:shade val="50000"/>
-            </a:schemeClr>
-          </a:lnRef>
-          <a:fillRef idx="1">
-            <a:schemeClr val="accent1"/>
-          </a:fillRef>
-          <a:effectRef idx="0">
-            <a:schemeClr val="accent1"/>
-          </a:effectRef>
-          <a:fontRef idx="minor">
-            <a:schemeClr val="lt1"/>
-          </a:fontRef>
-        </p:style>
-        <p:txBody>
-          <a:bodyPr rtlCol="0" anchor="ctr"/>
-          <a:lstStyle/>
-          <a:p>
-            <a:pPr algn="ctr"/>
-            <a:endParaRPr lang="en-US"/>
-          </a:p>
-        </p:txBody>
-      </p:sp>
-      <p:sp>
-        <p:nvSpPr>
-          <p:cNvPr id="16" name="Rectangle 15"/>
-          <p:cNvSpPr/>
-          <p:nvPr/>
-        </p:nvSpPr>
-        <p:spPr>
-          <a:xfrm>
-            <a:off x="188259" y="188259"/>
-            <a:ext cx="8776448" cy="6490448"/>
-          </a:xfrm>
-          <a:prstGeom prst="rect">
-            <a:avLst/>
-          </a:prstGeom>
-          <a:noFill/>
-          <a:ln w="31750">
-            <a:solidFill>
-              <a:schemeClr val="bg1"/>
-            </a:solidFill>
-          </a:ln>
-        </p:spPr>
-        <p:style>
-          <a:lnRef idx="2">
-            <a:schemeClr val="accent1">
-              <a:shade val="50000"/>
-            </a:schemeClr>
-          </a:lnRef>
-          <a:fillRef idx="1">
-            <a:schemeClr val="accent1"/>
-          </a:fillRef>
-          <a:effectRef idx="0">
-            <a:schemeClr val="accent1"/>
-          </a:effectRef>
-          <a:fontRef idx="minor">
-            <a:schemeClr val="lt1"/>
-          </a:fontRef>
-        </p:style>
-        <p:txBody>
-          <a:bodyPr rtlCol="0" anchor="ctr"/>
-          <a:lstStyle/>
-          <a:p>
-            <a:pPr algn="ctr"/>
-            <a:endParaRPr lang="en-US"/>
-          </a:p>
-        </p:txBody>
-      </p:sp>
-      <p:sp>
-        <p:nvSpPr>
-          <p:cNvPr id="9" name="TextBox 8"/>
-          <p:cNvSpPr txBox="1"/>
-          <p:nvPr/>
-        </p:nvSpPr>
-        <p:spPr>
-          <a:xfrm>
-            <a:off x="1143000" y="1828799"/>
-            <a:ext cx="6781800" cy="4648201"/>
-          </a:xfrm>
-          <a:prstGeom prst="rect">
-            <a:avLst/>
-          </a:prstGeom>
-          <a:noFill/>
-        </p:spPr>
-        <p:txBody>
-          <a:bodyPr wrap="square" rtlCol="0">
-            <a:normAutofit/>
-          </a:bodyPr>
-          <a:lstStyle/>
-          <a:p>
-            <a:pPr marL="342900" indent="-342900">
-              <a:buFont typeface="Arial" pitchFamily="34" charset="0"/>
-              <a:buChar char="•"/>
-            </a:pPr>
-            <a:r>
-              <a:rPr lang="en-US" sz="2400" b="1" dirty="0" smtClean="0">
-                <a:solidFill>
-                  <a:srgbClr val="FC7500"/>
-                </a:solidFill>
-              </a:rPr>
-              <a:t>User Management System</a:t>
-            </a:r>
-          </a:p>
-          <a:p>
-            <a:pPr marL="800100" lvl="1" indent="-342900">
-              <a:buFont typeface="Arial" pitchFamily="34" charset="0"/>
-              <a:buChar char="•"/>
-            </a:pPr>
-            <a:r>
-              <a:rPr lang="en-US" sz="2400" b="1" dirty="0" smtClean="0">
-                <a:solidFill>
-                  <a:srgbClr val="FC7500"/>
-                </a:solidFill>
-              </a:rPr>
-              <a:t>Register </a:t>
-            </a:r>
-          </a:p>
-          <a:p>
-            <a:pPr marL="800100" lvl="1" indent="-342900">
-              <a:buFont typeface="Arial" pitchFamily="34" charset="0"/>
-              <a:buChar char="•"/>
-            </a:pPr>
-            <a:r>
-              <a:rPr lang="en-US" sz="2400" b="1" dirty="0" smtClean="0">
-                <a:solidFill>
-                  <a:srgbClr val="FC7500"/>
-                </a:solidFill>
-              </a:rPr>
-              <a:t>Login*</a:t>
-            </a:r>
-          </a:p>
-          <a:p>
-            <a:pPr marL="800100" lvl="1" indent="-342900">
-              <a:buFont typeface="Arial" pitchFamily="34" charset="0"/>
-              <a:buChar char="•"/>
-            </a:pPr>
-            <a:r>
-              <a:rPr lang="en-US" sz="2400" b="1" dirty="0" smtClean="0">
-                <a:solidFill>
-                  <a:srgbClr val="FC7500"/>
-                </a:solidFill>
-              </a:rPr>
-              <a:t>Logout*</a:t>
-            </a:r>
-          </a:p>
-          <a:p>
-            <a:pPr marL="800100" lvl="1" indent="-342900">
-              <a:buFont typeface="Arial" pitchFamily="34" charset="0"/>
-              <a:buChar char="•"/>
-            </a:pPr>
-            <a:r>
-              <a:rPr lang="en-US" sz="2400" b="1" dirty="0" smtClean="0">
-                <a:solidFill>
-                  <a:srgbClr val="FC7500"/>
-                </a:solidFill>
-              </a:rPr>
-              <a:t>Setting</a:t>
-            </a:r>
-          </a:p>
-          <a:p>
-            <a:pPr marL="342900" indent="-342900">
-              <a:buFont typeface="Arial" pitchFamily="34" charset="0"/>
-              <a:buChar char="•"/>
-            </a:pPr>
-            <a:r>
-              <a:rPr lang="en-US" sz="2400" b="1" dirty="0" smtClean="0">
-                <a:solidFill>
-                  <a:srgbClr val="FC7500"/>
-                </a:solidFill>
-              </a:rPr>
-              <a:t>News Display System</a:t>
-            </a:r>
-          </a:p>
-          <a:p>
-            <a:pPr marL="800100" lvl="1" indent="-342900">
-              <a:buFont typeface="Arial" pitchFamily="34" charset="0"/>
-              <a:buChar char="•"/>
-            </a:pPr>
-            <a:r>
-              <a:rPr lang="en-US" sz="2400" b="1" dirty="0" smtClean="0">
-                <a:solidFill>
-                  <a:srgbClr val="FC7500"/>
-                </a:solidFill>
-              </a:rPr>
-              <a:t>Display news related to HK stock market*</a:t>
-            </a:r>
-          </a:p>
-          <a:p>
-            <a:pPr marL="342900" indent="-342900">
-              <a:buFont typeface="Arial" pitchFamily="34" charset="0"/>
-              <a:buChar char="•"/>
-            </a:pPr>
-            <a:r>
-              <a:rPr lang="en-US" sz="2400" b="1" dirty="0" smtClean="0">
-                <a:solidFill>
-                  <a:srgbClr val="FC7500"/>
-                </a:solidFill>
-              </a:rPr>
-              <a:t>Stock Searching Engine</a:t>
-            </a:r>
-          </a:p>
-          <a:p>
-            <a:pPr marL="800100" lvl="1" indent="-342900">
-              <a:buFont typeface="Arial" pitchFamily="34" charset="0"/>
-              <a:buChar char="•"/>
-            </a:pPr>
-            <a:r>
-              <a:rPr lang="en-US" sz="2400" b="1" dirty="0" smtClean="0">
-                <a:solidFill>
-                  <a:srgbClr val="FC7500"/>
-                </a:solidFill>
-              </a:rPr>
-              <a:t>Search stock real-time information*</a:t>
-            </a:r>
-          </a:p>
-          <a:p>
-            <a:pPr marL="342900" indent="-342900">
-              <a:buFont typeface="Arial" pitchFamily="34" charset="0"/>
-              <a:buChar char="•"/>
-            </a:pPr>
-            <a:endParaRPr lang="en-US" sz="2400" b="1" dirty="0">
-              <a:solidFill>
-                <a:srgbClr val="FC7500"/>
-              </a:solidFill>
-            </a:endParaRPr>
-          </a:p>
-          <a:p>
-            <a:pPr marL="342900" indent="-342900">
-              <a:buFont typeface="Arial" pitchFamily="34" charset="0"/>
-              <a:buChar char="•"/>
-            </a:pPr>
-            <a:endParaRPr lang="en-US" sz="2400" dirty="0"/>
-          </a:p>
-        </p:txBody>
-      </p:sp>
-      <p:sp>
-        <p:nvSpPr>
-          <p:cNvPr id="10" name="TextBox 9"/>
-          <p:cNvSpPr txBox="1"/>
-          <p:nvPr/>
-        </p:nvSpPr>
-        <p:spPr>
-          <a:xfrm>
-            <a:off x="240767" y="762000"/>
-            <a:ext cx="6432176" cy="461665"/>
-          </a:xfrm>
-          <a:prstGeom prst="rect">
-            <a:avLst/>
-          </a:prstGeom>
-          <a:solidFill>
-            <a:schemeClr val="tx1">
-              <a:lumMod val="95000"/>
-              <a:lumOff val="5000"/>
-              <a:alpha val="55000"/>
-            </a:schemeClr>
-          </a:solidFill>
-        </p:spPr>
-        <p:txBody>
-          <a:bodyPr wrap="square" rtlCol="0">
-            <a:normAutofit/>
-          </a:bodyPr>
-          <a:lstStyle/>
-          <a:p>
-            <a:r>
-              <a:rPr lang="en-US" sz="2400" b="1" dirty="0" smtClean="0">
-                <a:solidFill>
-                  <a:schemeClr val="bg1"/>
-                </a:solidFill>
-              </a:rPr>
-              <a:t>	Functions of the Program</a:t>
-            </a:r>
-            <a:endParaRPr lang="en-US" sz="2400" b="1" dirty="0">
-              <a:solidFill>
-                <a:schemeClr val="bg1"/>
-              </a:solidFill>
-            </a:endParaRPr>
-          </a:p>
-        </p:txBody>
-      </p:sp>
-    </p:spTree>
-    <p:extLst>
-      <p:ext uri="{BB962C8B-B14F-4D97-AF65-F5344CB8AC3E}">
-        <p14:creationId xmlns:p14="http://schemas.microsoft.com/office/powerpoint/2010/main" val="3014808409"/>
-      </p:ext>
-    </p:extLst>
-  </p:cSld>
-  <p:clrMapOvr>
-    <a:masterClrMapping/>
-  </p:clrMapOvr>
-  <mc:AlternateContent xmlns:mc="http://schemas.openxmlformats.org/markup-compatibility/2006" xmlns:p14="http://schemas.microsoft.com/office/powerpoint/2010/main">
-    <mc:Choice Requires="p14">
-      <p:transition spd="slow" p14:dur="2000">
-        <p:blinds dir="vert"/>
-      </p:transition>
-    </mc:Choice>
-    <mc:Fallback xmlns="">
-      <p:transition spd="slow">
-        <p:blinds dir="vert"/>
-      </p:transition>
-    </mc:Fallback>
-  </mc:AlternateContent>
-  <p:timing>
-    <p:tnLst>
-      <p:par>
-        <p:cTn id="1" dur="indefinite" restart="never" nodeType="tmRoot"/>
-      </p:par>
-    </p:tnLst>
-  </p:timing>
-</p:sld>
-</file>
-
-<file path=ppt/slides/slide8.xml><?xml version="1.0" encoding="utf-8"?>
-<p:sld xmlns:a="http://schemas.openxmlformats.org/drawingml/2006/main" xmlns:r="http://schemas.openxmlformats.org/officeDocument/2006/relationships" xmlns:p="http://schemas.openxmlformats.org/presentationml/2006/main">
-  <p:cSld>
-    <p:spTree>
-      <p:nvGrpSpPr>
-        <p:cNvPr id="1" name=""/>
-        <p:cNvGrpSpPr/>
-        <p:nvPr/>
-      </p:nvGrpSpPr>
-      <p:grpSpPr>
-        <a:xfrm>
-          <a:off x="0" y="0"/>
-          <a:ext cx="0" cy="0"/>
-          <a:chOff x="0" y="0"/>
-          <a:chExt cx="0" cy="0"/>
-        </a:xfrm>
-      </p:grpSpPr>
-      <p:sp>
-        <p:nvSpPr>
-          <p:cNvPr id="15" name="Rectangle 14"/>
-          <p:cNvSpPr/>
-          <p:nvPr/>
-        </p:nvSpPr>
-        <p:spPr>
-          <a:xfrm>
-            <a:off x="240475" y="240475"/>
-            <a:ext cx="8686800" cy="6400800"/>
-          </a:xfrm>
-          <a:prstGeom prst="rect">
-            <a:avLst/>
-          </a:prstGeom>
-          <a:solidFill>
-            <a:schemeClr val="bg1"/>
-          </a:solidFill>
-          <a:ln>
-            <a:noFill/>
-          </a:ln>
-        </p:spPr>
-        <p:style>
-          <a:lnRef idx="2">
-            <a:schemeClr val="accent1">
-              <a:shade val="50000"/>
-            </a:schemeClr>
-          </a:lnRef>
-          <a:fillRef idx="1">
-            <a:schemeClr val="accent1"/>
-          </a:fillRef>
-          <a:effectRef idx="0">
-            <a:schemeClr val="accent1"/>
-          </a:effectRef>
-          <a:fontRef idx="minor">
-            <a:schemeClr val="lt1"/>
-          </a:fontRef>
-        </p:style>
-        <p:txBody>
-          <a:bodyPr rtlCol="0" anchor="ctr"/>
-          <a:lstStyle/>
-          <a:p>
-            <a:pPr algn="ctr"/>
-            <a:endParaRPr lang="en-US"/>
-          </a:p>
-        </p:txBody>
-      </p:sp>
-      <p:sp>
-        <p:nvSpPr>
-          <p:cNvPr id="16" name="Rectangle 15"/>
-          <p:cNvSpPr/>
-          <p:nvPr/>
-        </p:nvSpPr>
-        <p:spPr>
-          <a:xfrm>
-            <a:off x="188259" y="188259"/>
-            <a:ext cx="8776448" cy="6490448"/>
-          </a:xfrm>
-          <a:prstGeom prst="rect">
-            <a:avLst/>
-          </a:prstGeom>
-          <a:noFill/>
-          <a:ln w="31750">
-            <a:solidFill>
-              <a:schemeClr val="bg1"/>
-            </a:solidFill>
-          </a:ln>
-        </p:spPr>
-        <p:style>
-          <a:lnRef idx="2">
-            <a:schemeClr val="accent1">
-              <a:shade val="50000"/>
-            </a:schemeClr>
-          </a:lnRef>
-          <a:fillRef idx="1">
-            <a:schemeClr val="accent1"/>
-          </a:fillRef>
-          <a:effectRef idx="0">
-            <a:schemeClr val="accent1"/>
-          </a:effectRef>
-          <a:fontRef idx="minor">
-            <a:schemeClr val="lt1"/>
-          </a:fontRef>
-        </p:style>
-        <p:txBody>
-          <a:bodyPr rtlCol="0" anchor="ctr"/>
-          <a:lstStyle/>
-          <a:p>
-            <a:pPr algn="ctr"/>
-            <a:endParaRPr lang="en-US"/>
-          </a:p>
-        </p:txBody>
-      </p:sp>
-      <p:sp>
-        <p:nvSpPr>
-          <p:cNvPr id="9" name="TextBox 8"/>
-          <p:cNvSpPr txBox="1"/>
-          <p:nvPr/>
-        </p:nvSpPr>
-        <p:spPr>
-          <a:xfrm>
-            <a:off x="1143000" y="1828799"/>
-            <a:ext cx="6781800" cy="4648201"/>
-          </a:xfrm>
-          <a:prstGeom prst="rect">
-            <a:avLst/>
-          </a:prstGeom>
-          <a:noFill/>
-        </p:spPr>
-        <p:txBody>
-          <a:bodyPr wrap="square" rtlCol="0">
-            <a:normAutofit/>
-          </a:bodyPr>
-          <a:lstStyle/>
-          <a:p>
-            <a:pPr marL="342900" indent="-342900">
-              <a:buFont typeface="Arial" pitchFamily="34" charset="0"/>
-              <a:buChar char="•"/>
-            </a:pPr>
-            <a:r>
-              <a:rPr lang="en-US" sz="2400" b="1" dirty="0">
-                <a:solidFill>
-                  <a:srgbClr val="FC7500"/>
-                </a:solidFill>
-              </a:rPr>
-              <a:t>Stock Monitoring System</a:t>
-            </a:r>
-          </a:p>
-          <a:p>
-            <a:pPr marL="800100" lvl="1" indent="-342900">
-              <a:buFont typeface="Arial" pitchFamily="34" charset="0"/>
-              <a:buChar char="•"/>
-            </a:pPr>
-            <a:r>
-              <a:rPr lang="en-US" sz="2400" b="1" dirty="0" smtClean="0">
-                <a:solidFill>
-                  <a:srgbClr val="FC7500"/>
-                </a:solidFill>
-              </a:rPr>
-              <a:t>Stock price tracking*</a:t>
-            </a:r>
-            <a:endParaRPr lang="en-US" sz="2400" b="1" dirty="0">
-              <a:solidFill>
-                <a:srgbClr val="FC7500"/>
-              </a:solidFill>
-            </a:endParaRPr>
-          </a:p>
-          <a:p>
-            <a:pPr marL="342900" indent="-342900">
-              <a:buFont typeface="Arial" pitchFamily="34" charset="0"/>
-              <a:buChar char="•"/>
-            </a:pPr>
-            <a:r>
-              <a:rPr lang="en-US" sz="2400" b="1" dirty="0">
-                <a:solidFill>
-                  <a:srgbClr val="FC7500"/>
-                </a:solidFill>
-              </a:rPr>
-              <a:t>Notification </a:t>
-            </a:r>
-            <a:r>
-              <a:rPr lang="en-US" sz="2400" b="1" dirty="0" smtClean="0">
-                <a:solidFill>
-                  <a:srgbClr val="FC7500"/>
-                </a:solidFill>
-              </a:rPr>
-              <a:t>System</a:t>
-            </a:r>
-          </a:p>
-          <a:p>
-            <a:pPr marL="800100" lvl="1" indent="-342900">
-              <a:buFont typeface="Arial" pitchFamily="34" charset="0"/>
-              <a:buChar char="•"/>
-            </a:pPr>
-            <a:r>
-              <a:rPr lang="en-US" sz="2400" b="1" dirty="0" smtClean="0">
-                <a:solidFill>
-                  <a:srgbClr val="FC7500"/>
-                </a:solidFill>
-              </a:rPr>
-              <a:t>Notification for custom stock conditions.</a:t>
-            </a:r>
-            <a:endParaRPr lang="en-US" sz="2400" b="1" dirty="0">
-              <a:solidFill>
-                <a:srgbClr val="FC7500"/>
-              </a:solidFill>
-            </a:endParaRPr>
-          </a:p>
-          <a:p>
-            <a:pPr marL="342900" indent="-342900">
-              <a:buFont typeface="Arial" pitchFamily="34" charset="0"/>
-              <a:buChar char="•"/>
-            </a:pPr>
-            <a:r>
-              <a:rPr lang="en-US" sz="2400" b="1" dirty="0" smtClean="0">
-                <a:solidFill>
-                  <a:srgbClr val="FC7500"/>
-                </a:solidFill>
-              </a:rPr>
-              <a:t>Administration System</a:t>
-            </a:r>
-          </a:p>
-          <a:p>
-            <a:pPr marL="800100" lvl="1" indent="-342900">
-              <a:buFont typeface="Arial" pitchFamily="34" charset="0"/>
-              <a:buChar char="•"/>
-            </a:pPr>
-            <a:r>
-              <a:rPr lang="en-US" sz="2400" b="1" dirty="0" smtClean="0">
-                <a:solidFill>
-                  <a:srgbClr val="FC7500"/>
-                </a:solidFill>
-              </a:rPr>
-              <a:t>Modify </a:t>
-            </a:r>
-            <a:r>
-              <a:rPr lang="en-US" sz="2400" b="1" dirty="0">
-                <a:solidFill>
-                  <a:srgbClr val="FC7500"/>
-                </a:solidFill>
-              </a:rPr>
-              <a:t>user information</a:t>
-            </a:r>
-          </a:p>
-          <a:p>
-            <a:pPr marL="800100" lvl="1" indent="-342900">
-              <a:buFont typeface="Arial" pitchFamily="34" charset="0"/>
-              <a:buChar char="•"/>
-            </a:pPr>
-            <a:r>
-              <a:rPr lang="en-US" sz="2400" b="1" dirty="0">
-                <a:solidFill>
-                  <a:srgbClr val="FC7500"/>
-                </a:solidFill>
-              </a:rPr>
-              <a:t>Member </a:t>
-            </a:r>
-            <a:r>
-              <a:rPr lang="en-US" sz="2400" b="1" dirty="0" smtClean="0">
-                <a:solidFill>
-                  <a:srgbClr val="FC7500"/>
-                </a:solidFill>
-              </a:rPr>
-              <a:t>authorization</a:t>
-            </a:r>
-          </a:p>
-          <a:p>
-            <a:pPr marL="800100" lvl="1" indent="-342900">
-              <a:buFont typeface="Arial" pitchFamily="34" charset="0"/>
-              <a:buChar char="•"/>
-            </a:pPr>
-            <a:r>
-              <a:rPr lang="en-US" sz="2400" b="1" dirty="0" smtClean="0">
-                <a:solidFill>
-                  <a:srgbClr val="FC7500"/>
-                </a:solidFill>
-              </a:rPr>
-              <a:t>System statistics</a:t>
-            </a:r>
-            <a:endParaRPr lang="en-US" sz="2400" b="1" dirty="0">
-              <a:solidFill>
-                <a:srgbClr val="FC7500"/>
-              </a:solidFill>
-            </a:endParaRPr>
-          </a:p>
-          <a:p>
-            <a:endParaRPr lang="en-US" sz="2400" b="1" dirty="0">
-              <a:solidFill>
-                <a:srgbClr val="FC7500"/>
-              </a:solidFill>
-            </a:endParaRPr>
-          </a:p>
-          <a:p>
-            <a:pPr marL="342900" indent="-342900">
-              <a:buFont typeface="Arial" pitchFamily="34" charset="0"/>
-              <a:buChar char="•"/>
-            </a:pPr>
-            <a:endParaRPr lang="en-US" sz="2400" b="1" dirty="0">
-              <a:solidFill>
-                <a:srgbClr val="FC7500"/>
-              </a:solidFill>
-            </a:endParaRPr>
-          </a:p>
-          <a:p>
-            <a:pPr marL="342900" indent="-342900">
-              <a:buFont typeface="Arial" pitchFamily="34" charset="0"/>
-              <a:buChar char="•"/>
-            </a:pPr>
-            <a:endParaRPr lang="en-US" sz="2400" dirty="0"/>
-          </a:p>
-        </p:txBody>
-      </p:sp>
-      <p:sp>
-        <p:nvSpPr>
-          <p:cNvPr id="10" name="TextBox 9"/>
-          <p:cNvSpPr txBox="1"/>
-          <p:nvPr/>
-        </p:nvSpPr>
-        <p:spPr>
-          <a:xfrm>
-            <a:off x="240767" y="762000"/>
-            <a:ext cx="6432176" cy="461665"/>
-          </a:xfrm>
-          <a:prstGeom prst="rect">
-            <a:avLst/>
-          </a:prstGeom>
-          <a:solidFill>
-            <a:schemeClr val="tx1">
-              <a:lumMod val="95000"/>
-              <a:lumOff val="5000"/>
-              <a:alpha val="55000"/>
-            </a:schemeClr>
-          </a:solidFill>
-        </p:spPr>
-        <p:txBody>
-          <a:bodyPr wrap="square" rtlCol="0">
-            <a:normAutofit/>
-          </a:bodyPr>
-          <a:lstStyle/>
-          <a:p>
-            <a:r>
-              <a:rPr lang="en-US" sz="2400" b="1" dirty="0" smtClean="0">
-                <a:solidFill>
-                  <a:schemeClr val="bg1"/>
-                </a:solidFill>
-              </a:rPr>
-              <a:t>	Functions of the Program</a:t>
-            </a:r>
-            <a:endParaRPr lang="en-US" sz="2400" b="1" dirty="0">
-              <a:solidFill>
-                <a:schemeClr val="bg1"/>
-              </a:solidFill>
-            </a:endParaRPr>
-          </a:p>
-        </p:txBody>
-      </p:sp>
-    </p:spTree>
-    <p:extLst>
-      <p:ext uri="{BB962C8B-B14F-4D97-AF65-F5344CB8AC3E}">
-        <p14:creationId xmlns:p14="http://schemas.microsoft.com/office/powerpoint/2010/main" val="3337177962"/>
-      </p:ext>
-    </p:extLst>
-  </p:cSld>
-  <p:clrMapOvr>
-    <a:masterClrMapping/>
-  </p:clrMapOvr>
-  <mc:AlternateContent xmlns:mc="http://schemas.openxmlformats.org/markup-compatibility/2006" xmlns:p14="http://schemas.microsoft.com/office/powerpoint/2010/main">
-    <mc:Choice Requires="p14">
-      <p:transition spd="slow" p14:dur="2000">
-        <p:blinds dir="vert"/>
-      </p:transition>
-    </mc:Choice>
-    <mc:Fallback xmlns="">
-      <p:transition spd="slow">
-        <p:blinds dir="vert"/>
-      </p:transition>
-    </mc:Fallback>
-  </mc:AlternateContent>
-  <p:timing>
-    <p:tnLst>
-      <p:par>
-        <p:cTn id="1" dur="indefinite" restart="never" nodeType="tmRoot"/>
-      </p:par>
-    </p:tnLst>
-  </p:timing>
-</p:sld>
-</file>
-
-<file path=ppt/slides/slide9.xml><?xml version="1.0" encoding="utf-8"?>
-<p:sld xmlns:a="http://schemas.openxmlformats.org/drawingml/2006/main" xmlns:r="http://schemas.openxmlformats.org/officeDocument/2006/relationships" xmlns:p="http://schemas.openxmlformats.org/presentationml/2006/main">
-  <p:cSld>
-    <p:spTree>
-      <p:nvGrpSpPr>
-        <p:cNvPr id="1" name=""/>
-        <p:cNvGrpSpPr/>
-        <p:nvPr/>
-      </p:nvGrpSpPr>
-      <p:grpSpPr>
-        <a:xfrm>
-          <a:off x="0" y="0"/>
-          <a:ext cx="0" cy="0"/>
-          <a:chOff x="0" y="0"/>
-          <a:chExt cx="0" cy="0"/>
-        </a:xfrm>
-      </p:grpSpPr>
-      <p:sp>
-        <p:nvSpPr>
           <p:cNvPr id="2" name="Title 1"/>
           <p:cNvSpPr>
             <a:spLocks noGrp="1"/>
@@ -22733,7 +20322,7 @@
                   </a:schemeClr>
                 </a:solidFill>
               </a:rPr>
-              <a:t>System Overview</a:t>
+              <a:t>Future Development</a:t>
             </a:r>
             <a:endParaRPr lang="en-US" sz="2800" b="1" dirty="0">
               <a:solidFill>
@@ -22749,7 +20338,7 @@
     </p:spTree>
     <p:extLst>
       <p:ext uri="{BB962C8B-B14F-4D97-AF65-F5344CB8AC3E}">
-        <p14:creationId xmlns:p14="http://schemas.microsoft.com/office/powerpoint/2010/main" val="3869848136"/>
+        <p14:creationId xmlns:p14="http://schemas.microsoft.com/office/powerpoint/2010/main" val="201756676"/>
       </p:ext>
     </p:extLst>
   </p:cSld>
@@ -22947,6 +20536,2915 @@
       <p:bldP spid="2" grpId="0"/>
       <p:bldP spid="3" grpId="0" build="p"/>
     </p:bldLst>
+  </p:timing>
+</p:sld>
+</file>
+
+<file path=ppt/slides/slide3.xml><?xml version="1.0" encoding="utf-8"?>
+<p:sld xmlns:a="http://schemas.openxmlformats.org/drawingml/2006/main" xmlns:r="http://schemas.openxmlformats.org/officeDocument/2006/relationships" xmlns:p="http://schemas.openxmlformats.org/presentationml/2006/main">
+  <p:cSld>
+    <p:spTree>
+      <p:nvGrpSpPr>
+        <p:cNvPr id="1" name=""/>
+        <p:cNvGrpSpPr/>
+        <p:nvPr/>
+      </p:nvGrpSpPr>
+      <p:grpSpPr>
+        <a:xfrm>
+          <a:off x="0" y="0"/>
+          <a:ext cx="0" cy="0"/>
+          <a:chOff x="0" y="0"/>
+          <a:chExt cx="0" cy="0"/>
+        </a:xfrm>
+      </p:grpSpPr>
+      <p:sp>
+        <p:nvSpPr>
+          <p:cNvPr id="15" name="Rectangle 14"/>
+          <p:cNvSpPr/>
+          <p:nvPr/>
+        </p:nvSpPr>
+        <p:spPr>
+          <a:xfrm>
+            <a:off x="240475" y="240475"/>
+            <a:ext cx="8686800" cy="6400800"/>
+          </a:xfrm>
+          <a:prstGeom prst="rect">
+            <a:avLst/>
+          </a:prstGeom>
+          <a:solidFill>
+            <a:schemeClr val="bg1"/>
+          </a:solidFill>
+          <a:ln>
+            <a:noFill/>
+          </a:ln>
+        </p:spPr>
+        <p:style>
+          <a:lnRef idx="2">
+            <a:schemeClr val="accent1">
+              <a:shade val="50000"/>
+            </a:schemeClr>
+          </a:lnRef>
+          <a:fillRef idx="1">
+            <a:schemeClr val="accent1"/>
+          </a:fillRef>
+          <a:effectRef idx="0">
+            <a:schemeClr val="accent1"/>
+          </a:effectRef>
+          <a:fontRef idx="minor">
+            <a:schemeClr val="lt1"/>
+          </a:fontRef>
+        </p:style>
+        <p:txBody>
+          <a:bodyPr rtlCol="0" anchor="ctr"/>
+          <a:lstStyle/>
+          <a:p>
+            <a:pPr algn="ctr"/>
+            <a:endParaRPr lang="en-US"/>
+          </a:p>
+        </p:txBody>
+      </p:sp>
+      <p:sp>
+        <p:nvSpPr>
+          <p:cNvPr id="16" name="Rectangle 15"/>
+          <p:cNvSpPr/>
+          <p:nvPr/>
+        </p:nvSpPr>
+        <p:spPr>
+          <a:xfrm>
+            <a:off x="188259" y="188259"/>
+            <a:ext cx="8776448" cy="6490448"/>
+          </a:xfrm>
+          <a:prstGeom prst="rect">
+            <a:avLst/>
+          </a:prstGeom>
+          <a:noFill/>
+          <a:ln w="31750">
+            <a:solidFill>
+              <a:schemeClr val="bg1"/>
+            </a:solidFill>
+          </a:ln>
+        </p:spPr>
+        <p:style>
+          <a:lnRef idx="2">
+            <a:schemeClr val="accent1">
+              <a:shade val="50000"/>
+            </a:schemeClr>
+          </a:lnRef>
+          <a:fillRef idx="1">
+            <a:schemeClr val="accent1"/>
+          </a:fillRef>
+          <a:effectRef idx="0">
+            <a:schemeClr val="accent1"/>
+          </a:effectRef>
+          <a:fontRef idx="minor">
+            <a:schemeClr val="lt1"/>
+          </a:fontRef>
+        </p:style>
+        <p:txBody>
+          <a:bodyPr rtlCol="0" anchor="ctr"/>
+          <a:lstStyle/>
+          <a:p>
+            <a:pPr algn="ctr"/>
+            <a:endParaRPr lang="en-US"/>
+          </a:p>
+        </p:txBody>
+      </p:sp>
+      <p:sp>
+        <p:nvSpPr>
+          <p:cNvPr id="9" name="TextBox 8"/>
+          <p:cNvSpPr txBox="1"/>
+          <p:nvPr/>
+        </p:nvSpPr>
+        <p:spPr>
+          <a:xfrm>
+            <a:off x="1143000" y="1828799"/>
+            <a:ext cx="6781800" cy="4648201"/>
+          </a:xfrm>
+          <a:prstGeom prst="rect">
+            <a:avLst/>
+          </a:prstGeom>
+          <a:noFill/>
+        </p:spPr>
+        <p:txBody>
+          <a:bodyPr wrap="square" rtlCol="0">
+            <a:normAutofit/>
+          </a:bodyPr>
+          <a:lstStyle/>
+          <a:p>
+            <a:pPr marL="342900" indent="-342900">
+              <a:buFont typeface="Arial" pitchFamily="34" charset="0"/>
+              <a:buChar char="•"/>
+            </a:pPr>
+            <a:r>
+              <a:rPr lang="en-US" altLang="zh-HK" sz="2400" dirty="0" smtClean="0"/>
+              <a:t>Serve </a:t>
+            </a:r>
+            <a:r>
+              <a:rPr lang="en-US" altLang="zh-HK" sz="2400" dirty="0"/>
+              <a:t>individual investors </a:t>
+            </a:r>
+            <a:endParaRPr lang="en-US" altLang="zh-HK" sz="2400" dirty="0" smtClean="0"/>
+          </a:p>
+          <a:p>
+            <a:pPr marL="800100" lvl="1" indent="-342900">
+              <a:buFont typeface="Arial" pitchFamily="34" charset="0"/>
+              <a:buChar char="•"/>
+            </a:pPr>
+            <a:r>
+              <a:rPr lang="en-US" altLang="zh-HK" sz="2400" dirty="0" smtClean="0"/>
+              <a:t>real-time </a:t>
+            </a:r>
+            <a:r>
+              <a:rPr lang="en-US" altLang="zh-HK" sz="2400" dirty="0"/>
+              <a:t>stock </a:t>
+            </a:r>
+            <a:r>
+              <a:rPr lang="en-US" altLang="zh-HK" sz="2400" dirty="0" smtClean="0"/>
+              <a:t>information</a:t>
+            </a:r>
+          </a:p>
+          <a:p>
+            <a:pPr marL="800100" lvl="1" indent="-342900">
+              <a:buFont typeface="Arial" pitchFamily="34" charset="0"/>
+              <a:buChar char="•"/>
+            </a:pPr>
+            <a:r>
+              <a:rPr lang="en-US" altLang="zh-HK" sz="2400" dirty="0" smtClean="0"/>
+              <a:t>their track list. </a:t>
+            </a:r>
+          </a:p>
+          <a:p>
+            <a:pPr lvl="1"/>
+            <a:endParaRPr lang="en-US" altLang="zh-HK" sz="2400" dirty="0" smtClean="0"/>
+          </a:p>
+          <a:p>
+            <a:pPr marL="342900" indent="-342900">
+              <a:buFont typeface="Arial" pitchFamily="34" charset="0"/>
+              <a:buChar char="•"/>
+            </a:pPr>
+            <a:r>
+              <a:rPr lang="en-US" altLang="zh-HK" sz="2400" dirty="0" smtClean="0"/>
+              <a:t>Platform to </a:t>
+            </a:r>
+            <a:r>
+              <a:rPr lang="en-US" altLang="zh-HK" sz="2400" dirty="0"/>
+              <a:t>track </a:t>
+            </a:r>
+            <a:r>
+              <a:rPr lang="en-US" altLang="zh-HK" sz="2400" dirty="0" smtClean="0"/>
+              <a:t>investors </a:t>
+            </a:r>
+            <a:r>
+              <a:rPr lang="en-US" altLang="zh-HK" sz="2400" dirty="0"/>
+              <a:t>target stocks </a:t>
+            </a:r>
+            <a:endParaRPr lang="en-US" altLang="zh-HK" sz="2400" dirty="0" smtClean="0"/>
+          </a:p>
+          <a:p>
+            <a:pPr marL="800100" lvl="1" indent="-342900">
+              <a:buFont typeface="Arial" pitchFamily="34" charset="0"/>
+              <a:buChar char="•"/>
+            </a:pPr>
+            <a:r>
+              <a:rPr lang="en-US" altLang="zh-HK" sz="2400" dirty="0" smtClean="0"/>
+              <a:t>Get notified </a:t>
+            </a:r>
+            <a:r>
+              <a:rPr lang="en-US" altLang="zh-HK" sz="2400" dirty="0"/>
+              <a:t>when </a:t>
+            </a:r>
+            <a:r>
+              <a:rPr lang="en-US" altLang="zh-HK" sz="2400" dirty="0" smtClean="0"/>
+              <a:t>stocks reach target </a:t>
+            </a:r>
+            <a:r>
+              <a:rPr lang="en-US" altLang="zh-HK" sz="2400" dirty="0"/>
+              <a:t>price </a:t>
+            </a:r>
+            <a:r>
+              <a:rPr lang="en-US" altLang="zh-HK" sz="2400" dirty="0" smtClean="0"/>
+              <a:t>ranges</a:t>
+            </a:r>
+          </a:p>
+          <a:p>
+            <a:pPr marL="800100" lvl="1" indent="-342900">
+              <a:buFont typeface="Arial" pitchFamily="34" charset="0"/>
+              <a:buChar char="•"/>
+            </a:pPr>
+            <a:endParaRPr lang="en-US" altLang="zh-TW" sz="2400" dirty="0"/>
+          </a:p>
+        </p:txBody>
+      </p:sp>
+      <p:sp>
+        <p:nvSpPr>
+          <p:cNvPr id="10" name="TextBox 9"/>
+          <p:cNvSpPr txBox="1"/>
+          <p:nvPr/>
+        </p:nvSpPr>
+        <p:spPr>
+          <a:xfrm>
+            <a:off x="240767" y="762000"/>
+            <a:ext cx="6432176" cy="461665"/>
+          </a:xfrm>
+          <a:prstGeom prst="rect">
+            <a:avLst/>
+          </a:prstGeom>
+          <a:solidFill>
+            <a:schemeClr val="tx1">
+              <a:lumMod val="95000"/>
+              <a:lumOff val="5000"/>
+              <a:alpha val="55000"/>
+            </a:schemeClr>
+          </a:solidFill>
+        </p:spPr>
+        <p:txBody>
+          <a:bodyPr wrap="square" rtlCol="0">
+            <a:normAutofit/>
+          </a:bodyPr>
+          <a:lstStyle/>
+          <a:p>
+            <a:r>
+              <a:rPr lang="en-US" sz="2400" b="1" dirty="0" smtClean="0">
+                <a:solidFill>
+                  <a:schemeClr val="bg1"/>
+                </a:solidFill>
+              </a:rPr>
+              <a:t>	What is Stock Monitoring System</a:t>
+            </a:r>
+            <a:endParaRPr lang="en-US" sz="2400" b="1" dirty="0">
+              <a:solidFill>
+                <a:schemeClr val="bg1"/>
+              </a:solidFill>
+            </a:endParaRPr>
+          </a:p>
+        </p:txBody>
+      </p:sp>
+    </p:spTree>
+    <p:extLst>
+      <p:ext uri="{BB962C8B-B14F-4D97-AF65-F5344CB8AC3E}">
+        <p14:creationId xmlns:p14="http://schemas.microsoft.com/office/powerpoint/2010/main" val="2408981521"/>
+      </p:ext>
+    </p:extLst>
+  </p:cSld>
+  <p:clrMapOvr>
+    <a:masterClrMapping/>
+  </p:clrMapOvr>
+  <mc:AlternateContent xmlns:mc="http://schemas.openxmlformats.org/markup-compatibility/2006" xmlns:p14="http://schemas.microsoft.com/office/powerpoint/2010/main">
+    <mc:Choice Requires="p14">
+      <p:transition spd="slow" p14:dur="2000">
+        <p:blinds dir="vert"/>
+      </p:transition>
+    </mc:Choice>
+    <mc:Fallback xmlns="">
+      <p:transition spd="slow">
+        <p:blinds dir="vert"/>
+      </p:transition>
+    </mc:Fallback>
+  </mc:AlternateContent>
+  <p:timing>
+    <p:tnLst>
+      <p:par>
+        <p:cTn id="1" dur="indefinite" restart="never" nodeType="tmRoot"/>
+      </p:par>
+    </p:tnLst>
+  </p:timing>
+</p:sld>
+</file>
+
+<file path=ppt/slides/slide30.xml><?xml version="1.0" encoding="utf-8"?>
+<p:sld xmlns:a="http://schemas.openxmlformats.org/drawingml/2006/main" xmlns:r="http://schemas.openxmlformats.org/officeDocument/2006/relationships" xmlns:p="http://schemas.openxmlformats.org/presentationml/2006/main">
+  <p:cSld>
+    <p:spTree>
+      <p:nvGrpSpPr>
+        <p:cNvPr id="1" name=""/>
+        <p:cNvGrpSpPr/>
+        <p:nvPr/>
+      </p:nvGrpSpPr>
+      <p:grpSpPr>
+        <a:xfrm>
+          <a:off x="0" y="0"/>
+          <a:ext cx="0" cy="0"/>
+          <a:chOff x="0" y="0"/>
+          <a:chExt cx="0" cy="0"/>
+        </a:xfrm>
+      </p:grpSpPr>
+      <p:sp>
+        <p:nvSpPr>
+          <p:cNvPr id="15" name="Rectangle 14"/>
+          <p:cNvSpPr/>
+          <p:nvPr/>
+        </p:nvSpPr>
+        <p:spPr>
+          <a:xfrm>
+            <a:off x="240475" y="240475"/>
+            <a:ext cx="8686800" cy="6400800"/>
+          </a:xfrm>
+          <a:prstGeom prst="rect">
+            <a:avLst/>
+          </a:prstGeom>
+          <a:solidFill>
+            <a:schemeClr val="bg1"/>
+          </a:solidFill>
+          <a:ln>
+            <a:noFill/>
+          </a:ln>
+        </p:spPr>
+        <p:style>
+          <a:lnRef idx="2">
+            <a:schemeClr val="accent1">
+              <a:shade val="50000"/>
+            </a:schemeClr>
+          </a:lnRef>
+          <a:fillRef idx="1">
+            <a:schemeClr val="accent1"/>
+          </a:fillRef>
+          <a:effectRef idx="0">
+            <a:schemeClr val="accent1"/>
+          </a:effectRef>
+          <a:fontRef idx="minor">
+            <a:schemeClr val="lt1"/>
+          </a:fontRef>
+        </p:style>
+        <p:txBody>
+          <a:bodyPr rtlCol="0" anchor="ctr"/>
+          <a:lstStyle/>
+          <a:p>
+            <a:pPr algn="ctr"/>
+            <a:endParaRPr lang="en-US"/>
+          </a:p>
+        </p:txBody>
+      </p:sp>
+      <p:sp>
+        <p:nvSpPr>
+          <p:cNvPr id="16" name="Rectangle 15"/>
+          <p:cNvSpPr/>
+          <p:nvPr/>
+        </p:nvSpPr>
+        <p:spPr>
+          <a:xfrm>
+            <a:off x="188259" y="188259"/>
+            <a:ext cx="8776448" cy="6490448"/>
+          </a:xfrm>
+          <a:prstGeom prst="rect">
+            <a:avLst/>
+          </a:prstGeom>
+          <a:noFill/>
+          <a:ln w="31750">
+            <a:solidFill>
+              <a:schemeClr val="bg1"/>
+            </a:solidFill>
+          </a:ln>
+        </p:spPr>
+        <p:style>
+          <a:lnRef idx="2">
+            <a:schemeClr val="accent1">
+              <a:shade val="50000"/>
+            </a:schemeClr>
+          </a:lnRef>
+          <a:fillRef idx="1">
+            <a:schemeClr val="accent1"/>
+          </a:fillRef>
+          <a:effectRef idx="0">
+            <a:schemeClr val="accent1"/>
+          </a:effectRef>
+          <a:fontRef idx="minor">
+            <a:schemeClr val="lt1"/>
+          </a:fontRef>
+        </p:style>
+        <p:txBody>
+          <a:bodyPr rtlCol="0" anchor="ctr"/>
+          <a:lstStyle/>
+          <a:p>
+            <a:pPr algn="ctr"/>
+            <a:endParaRPr lang="en-US"/>
+          </a:p>
+        </p:txBody>
+      </p:sp>
+      <p:sp>
+        <p:nvSpPr>
+          <p:cNvPr id="9" name="TextBox 8"/>
+          <p:cNvSpPr txBox="1"/>
+          <p:nvPr/>
+        </p:nvSpPr>
+        <p:spPr>
+          <a:xfrm>
+            <a:off x="1143000" y="1793031"/>
+            <a:ext cx="6781800" cy="4648201"/>
+          </a:xfrm>
+          <a:prstGeom prst="rect">
+            <a:avLst/>
+          </a:prstGeom>
+          <a:noFill/>
+        </p:spPr>
+        <p:txBody>
+          <a:bodyPr wrap="square" rtlCol="0">
+            <a:normAutofit/>
+          </a:bodyPr>
+          <a:lstStyle/>
+          <a:p>
+            <a:pPr marL="342900" indent="-342900">
+              <a:buFont typeface="Arial" pitchFamily="34" charset="0"/>
+              <a:buChar char="•"/>
+            </a:pPr>
+            <a:r>
+              <a:rPr lang="en-US" sz="2400" b="1" dirty="0" smtClean="0">
+                <a:solidFill>
+                  <a:srgbClr val="FC7500"/>
+                </a:solidFill>
+              </a:rPr>
+              <a:t>GUI enhancement</a:t>
+            </a:r>
+          </a:p>
+          <a:p>
+            <a:pPr marL="342900" indent="-342900">
+              <a:buFont typeface="Arial" pitchFamily="34" charset="0"/>
+              <a:buChar char="•"/>
+            </a:pPr>
+            <a:r>
+              <a:rPr lang="en-US" sz="2400" b="1" dirty="0" smtClean="0">
+                <a:solidFill>
+                  <a:srgbClr val="FC7500"/>
+                </a:solidFill>
+              </a:rPr>
+              <a:t>Multi-processing/threading enhancement</a:t>
+            </a:r>
+          </a:p>
+          <a:p>
+            <a:pPr marL="342900" indent="-342900">
+              <a:buFont typeface="Arial" pitchFamily="34" charset="0"/>
+              <a:buChar char="•"/>
+            </a:pPr>
+            <a:r>
+              <a:rPr lang="en-US" sz="2400" b="1" dirty="0" smtClean="0">
+                <a:solidFill>
+                  <a:srgbClr val="FC7500"/>
+                </a:solidFill>
+              </a:rPr>
+              <a:t>Complete Functions Development</a:t>
+            </a:r>
+          </a:p>
+          <a:p>
+            <a:pPr marL="342900" indent="-342900">
+              <a:buFont typeface="Arial" pitchFamily="34" charset="0"/>
+              <a:buChar char="•"/>
+            </a:pPr>
+            <a:r>
+              <a:rPr lang="en-US" sz="2400" b="1" dirty="0" smtClean="0">
+                <a:solidFill>
+                  <a:srgbClr val="FC7500"/>
+                </a:solidFill>
+              </a:rPr>
+              <a:t>Multi-language platforms</a:t>
+            </a:r>
+          </a:p>
+          <a:p>
+            <a:pPr marL="342900" indent="-342900">
+              <a:buFont typeface="Arial" pitchFamily="34" charset="0"/>
+              <a:buChar char="•"/>
+            </a:pPr>
+            <a:r>
+              <a:rPr lang="en-US" sz="2400" b="1" dirty="0" smtClean="0">
+                <a:solidFill>
+                  <a:srgbClr val="FC7500"/>
+                </a:solidFill>
+              </a:rPr>
+              <a:t>System Security</a:t>
+            </a:r>
+          </a:p>
+          <a:p>
+            <a:pPr marL="342900" indent="-342900">
+              <a:buFont typeface="Arial" pitchFamily="34" charset="0"/>
+              <a:buChar char="•"/>
+            </a:pPr>
+            <a:r>
+              <a:rPr lang="en-US" sz="2400" b="1" dirty="0" smtClean="0">
+                <a:solidFill>
+                  <a:srgbClr val="FC7500"/>
+                </a:solidFill>
+              </a:rPr>
+              <a:t>Multi-Platform Compatible</a:t>
+            </a:r>
+          </a:p>
+          <a:p>
+            <a:pPr marL="342900" indent="-342900">
+              <a:buFont typeface="Arial" pitchFamily="34" charset="0"/>
+              <a:buChar char="•"/>
+            </a:pPr>
+            <a:r>
+              <a:rPr lang="en-US" sz="2400" b="1" dirty="0">
+                <a:solidFill>
+                  <a:srgbClr val="FC7500"/>
+                </a:solidFill>
+              </a:rPr>
+              <a:t>Object Oriented Programming Enhancement</a:t>
+            </a:r>
+          </a:p>
+          <a:p>
+            <a:pPr marL="342900" indent="-342900">
+              <a:buFont typeface="Arial" pitchFamily="34" charset="0"/>
+              <a:buChar char="•"/>
+            </a:pPr>
+            <a:endParaRPr lang="en-US" sz="2400" b="1" dirty="0" smtClean="0">
+              <a:solidFill>
+                <a:srgbClr val="FC7500"/>
+              </a:solidFill>
+            </a:endParaRPr>
+          </a:p>
+          <a:p>
+            <a:pPr marL="342900" indent="-342900">
+              <a:buFont typeface="Arial" pitchFamily="34" charset="0"/>
+              <a:buChar char="•"/>
+            </a:pPr>
+            <a:endParaRPr lang="en-US" sz="2400" b="1" dirty="0">
+              <a:solidFill>
+                <a:srgbClr val="FC7500"/>
+              </a:solidFill>
+            </a:endParaRPr>
+          </a:p>
+          <a:p>
+            <a:endParaRPr lang="en-US" sz="2400" b="1" dirty="0">
+              <a:solidFill>
+                <a:srgbClr val="FC7500"/>
+              </a:solidFill>
+            </a:endParaRPr>
+          </a:p>
+          <a:p>
+            <a:pPr marL="342900" indent="-342900">
+              <a:buFont typeface="Arial" pitchFamily="34" charset="0"/>
+              <a:buChar char="•"/>
+            </a:pPr>
+            <a:endParaRPr lang="en-US" sz="2400" b="1" dirty="0">
+              <a:solidFill>
+                <a:srgbClr val="FC7500"/>
+              </a:solidFill>
+            </a:endParaRPr>
+          </a:p>
+          <a:p>
+            <a:pPr marL="342900" indent="-342900">
+              <a:buFont typeface="Arial" pitchFamily="34" charset="0"/>
+              <a:buChar char="•"/>
+            </a:pPr>
+            <a:endParaRPr lang="en-US" sz="2400" dirty="0"/>
+          </a:p>
+        </p:txBody>
+      </p:sp>
+      <p:sp>
+        <p:nvSpPr>
+          <p:cNvPr id="10" name="TextBox 9"/>
+          <p:cNvSpPr txBox="1"/>
+          <p:nvPr/>
+        </p:nvSpPr>
+        <p:spPr>
+          <a:xfrm>
+            <a:off x="240767" y="762000"/>
+            <a:ext cx="6432176" cy="461665"/>
+          </a:xfrm>
+          <a:prstGeom prst="rect">
+            <a:avLst/>
+          </a:prstGeom>
+          <a:solidFill>
+            <a:schemeClr val="tx1">
+              <a:lumMod val="95000"/>
+              <a:lumOff val="5000"/>
+              <a:alpha val="55000"/>
+            </a:schemeClr>
+          </a:solidFill>
+        </p:spPr>
+        <p:txBody>
+          <a:bodyPr wrap="square" rtlCol="0">
+            <a:normAutofit/>
+          </a:bodyPr>
+          <a:lstStyle/>
+          <a:p>
+            <a:r>
+              <a:rPr lang="en-US" sz="2400" b="1" dirty="0" smtClean="0">
+                <a:solidFill>
+                  <a:schemeClr val="bg1"/>
+                </a:solidFill>
+              </a:rPr>
+              <a:t>	Future development</a:t>
+            </a:r>
+            <a:endParaRPr lang="en-US" sz="2400" b="1" dirty="0">
+              <a:solidFill>
+                <a:schemeClr val="bg1"/>
+              </a:solidFill>
+            </a:endParaRPr>
+          </a:p>
+        </p:txBody>
+      </p:sp>
+    </p:spTree>
+    <p:extLst>
+      <p:ext uri="{BB962C8B-B14F-4D97-AF65-F5344CB8AC3E}">
+        <p14:creationId xmlns:p14="http://schemas.microsoft.com/office/powerpoint/2010/main" val="2836527046"/>
+      </p:ext>
+    </p:extLst>
+  </p:cSld>
+  <p:clrMapOvr>
+    <a:masterClrMapping/>
+  </p:clrMapOvr>
+  <mc:AlternateContent xmlns:mc="http://schemas.openxmlformats.org/markup-compatibility/2006" xmlns:p14="http://schemas.microsoft.com/office/powerpoint/2010/main">
+    <mc:Choice Requires="p14">
+      <p:transition spd="slow" p14:dur="2000">
+        <p:blinds dir="vert"/>
+      </p:transition>
+    </mc:Choice>
+    <mc:Fallback xmlns="">
+      <p:transition spd="slow">
+        <p:blinds dir="vert"/>
+      </p:transition>
+    </mc:Fallback>
+  </mc:AlternateContent>
+  <p:timing>
+    <p:tnLst>
+      <p:par>
+        <p:cTn id="1" dur="indefinite" restart="never" nodeType="tmRoot"/>
+      </p:par>
+    </p:tnLst>
+  </p:timing>
+</p:sld>
+</file>
+
+<file path=ppt/slides/slide31.xml><?xml version="1.0" encoding="utf-8"?>
+<p:sld xmlns:a="http://schemas.openxmlformats.org/drawingml/2006/main" xmlns:r="http://schemas.openxmlformats.org/officeDocument/2006/relationships" xmlns:p="http://schemas.openxmlformats.org/presentationml/2006/main" showMasterSp="0">
+  <p:cSld>
+    <p:spTree>
+      <p:nvGrpSpPr>
+        <p:cNvPr id="1" name=""/>
+        <p:cNvGrpSpPr/>
+        <p:nvPr/>
+      </p:nvGrpSpPr>
+      <p:grpSpPr>
+        <a:xfrm>
+          <a:off x="0" y="0"/>
+          <a:ext cx="0" cy="0"/>
+          <a:chOff x="0" y="0"/>
+          <a:chExt cx="0" cy="0"/>
+        </a:xfrm>
+      </p:grpSpPr>
+      <p:sp>
+        <p:nvSpPr>
+          <p:cNvPr id="3" name="TextBox 2"/>
+          <p:cNvSpPr txBox="1"/>
+          <p:nvPr/>
+        </p:nvSpPr>
+        <p:spPr>
+          <a:xfrm>
+            <a:off x="5303520" y="2560320"/>
+            <a:ext cx="3200400" cy="640080"/>
+          </a:xfrm>
+          <a:prstGeom prst="rect">
+            <a:avLst/>
+          </a:prstGeom>
+          <a:solidFill>
+            <a:schemeClr val="tx1">
+              <a:lumMod val="95000"/>
+              <a:lumOff val="5000"/>
+              <a:alpha val="55000"/>
+            </a:schemeClr>
+          </a:solidFill>
+        </p:spPr>
+        <p:txBody>
+          <a:bodyPr wrap="square" rtlCol="0" anchor="ctr" anchorCtr="1">
+            <a:normAutofit/>
+          </a:bodyPr>
+          <a:lstStyle/>
+          <a:p>
+            <a:r>
+              <a:rPr lang="en-US" sz="2400" b="1" dirty="0" smtClean="0">
+                <a:solidFill>
+                  <a:schemeClr val="bg1"/>
+                </a:solidFill>
+              </a:rPr>
+              <a:t>Q&amp;A TIME</a:t>
+            </a:r>
+            <a:endParaRPr lang="en-US" sz="2400" b="1" dirty="0">
+              <a:solidFill>
+                <a:schemeClr val="bg1"/>
+              </a:solidFill>
+            </a:endParaRPr>
+          </a:p>
+        </p:txBody>
+      </p:sp>
+      <p:pic>
+        <p:nvPicPr>
+          <p:cNvPr id="6" name="Picture 2"/>
+          <p:cNvPicPr>
+            <a:picLocks noChangeAspect="1" noChangeArrowheads="1"/>
+          </p:cNvPicPr>
+          <p:nvPr/>
+        </p:nvPicPr>
+        <p:blipFill rotWithShape="1">
+          <a:blip r:embed="rId3" cstate="email">
+            <a:extLst>
+              <a:ext uri="{28A0092B-C50C-407E-A947-70E740481C1C}">
+                <a14:useLocalDpi xmlns:a14="http://schemas.microsoft.com/office/drawing/2010/main"/>
+              </a:ext>
+            </a:extLst>
+          </a:blip>
+          <a:srcRect/>
+          <a:stretch/>
+        </p:blipFill>
+        <p:spPr bwMode="auto">
+          <a:xfrm>
+            <a:off x="0" y="0"/>
+            <a:ext cx="4583873" cy="6858000"/>
+          </a:xfrm>
+          <a:prstGeom prst="rect">
+            <a:avLst/>
+          </a:prstGeom>
+        </p:spPr>
+      </p:pic>
+    </p:spTree>
+  </p:cSld>
+  <p:clrMapOvr>
+    <a:masterClrMapping/>
+  </p:clrMapOvr>
+  <mc:AlternateContent xmlns:mc="http://schemas.openxmlformats.org/markup-compatibility/2006" xmlns:p14="http://schemas.microsoft.com/office/powerpoint/2010/main">
+    <mc:Choice Requires="p14">
+      <p:transition spd="slow" p14:dur="2000">
+        <p:push/>
+      </p:transition>
+    </mc:Choice>
+    <mc:Fallback xmlns="">
+      <p:transition spd="slow">
+        <p:push/>
+      </p:transition>
+    </mc:Fallback>
+  </mc:AlternateContent>
+  <p:timing>
+    <p:tnLst>
+      <p:par>
+        <p:cTn id="1" dur="indefinite" restart="never" nodeType="tmRoot"/>
+      </p:par>
+    </p:tnLst>
+  </p:timing>
+</p:sld>
+</file>
+
+<file path=ppt/slides/slide32.xml><?xml version="1.0" encoding="utf-8"?>
+<p:sld xmlns:a="http://schemas.openxmlformats.org/drawingml/2006/main" xmlns:r="http://schemas.openxmlformats.org/officeDocument/2006/relationships" xmlns:p="http://schemas.openxmlformats.org/presentationml/2006/main" showMasterSp="0">
+  <p:cSld>
+    <p:spTree>
+      <p:nvGrpSpPr>
+        <p:cNvPr id="1" name=""/>
+        <p:cNvGrpSpPr/>
+        <p:nvPr/>
+      </p:nvGrpSpPr>
+      <p:grpSpPr>
+        <a:xfrm>
+          <a:off x="0" y="0"/>
+          <a:ext cx="0" cy="0"/>
+          <a:chOff x="0" y="0"/>
+          <a:chExt cx="0" cy="0"/>
+        </a:xfrm>
+      </p:grpSpPr>
+      <p:sp>
+        <p:nvSpPr>
+          <p:cNvPr id="3" name="TextBox 2"/>
+          <p:cNvSpPr txBox="1"/>
+          <p:nvPr/>
+        </p:nvSpPr>
+        <p:spPr>
+          <a:xfrm>
+            <a:off x="5303520" y="2560320"/>
+            <a:ext cx="3200400" cy="640080"/>
+          </a:xfrm>
+          <a:prstGeom prst="rect">
+            <a:avLst/>
+          </a:prstGeom>
+          <a:solidFill>
+            <a:schemeClr val="tx1">
+              <a:lumMod val="95000"/>
+              <a:lumOff val="5000"/>
+              <a:alpha val="55000"/>
+            </a:schemeClr>
+          </a:solidFill>
+        </p:spPr>
+        <p:txBody>
+          <a:bodyPr wrap="square" rtlCol="0" anchor="ctr" anchorCtr="1">
+            <a:normAutofit/>
+          </a:bodyPr>
+          <a:lstStyle/>
+          <a:p>
+            <a:r>
+              <a:rPr lang="en-US" sz="2400" b="1" dirty="0" smtClean="0">
+                <a:solidFill>
+                  <a:schemeClr val="bg1"/>
+                </a:solidFill>
+              </a:rPr>
+              <a:t>Thank You !</a:t>
+            </a:r>
+            <a:endParaRPr lang="en-US" sz="2400" b="1" dirty="0">
+              <a:solidFill>
+                <a:schemeClr val="bg1"/>
+              </a:solidFill>
+            </a:endParaRPr>
+          </a:p>
+        </p:txBody>
+      </p:sp>
+      <p:pic>
+        <p:nvPicPr>
+          <p:cNvPr id="6" name="Picture 2"/>
+          <p:cNvPicPr>
+            <a:picLocks noChangeAspect="1" noChangeArrowheads="1"/>
+          </p:cNvPicPr>
+          <p:nvPr/>
+        </p:nvPicPr>
+        <p:blipFill rotWithShape="1">
+          <a:blip r:embed="rId3" cstate="email">
+            <a:extLst>
+              <a:ext uri="{28A0092B-C50C-407E-A947-70E740481C1C}">
+                <a14:useLocalDpi xmlns:a14="http://schemas.microsoft.com/office/drawing/2010/main"/>
+              </a:ext>
+            </a:extLst>
+          </a:blip>
+          <a:srcRect/>
+          <a:stretch/>
+        </p:blipFill>
+        <p:spPr bwMode="auto">
+          <a:xfrm>
+            <a:off x="0" y="0"/>
+            <a:ext cx="4583873" cy="6858000"/>
+          </a:xfrm>
+          <a:prstGeom prst="rect">
+            <a:avLst/>
+          </a:prstGeom>
+        </p:spPr>
+      </p:pic>
+    </p:spTree>
+    <p:extLst>
+      <p:ext uri="{BB962C8B-B14F-4D97-AF65-F5344CB8AC3E}">
+        <p14:creationId xmlns:p14="http://schemas.microsoft.com/office/powerpoint/2010/main" val="2337517943"/>
+      </p:ext>
+    </p:extLst>
+  </p:cSld>
+  <p:clrMapOvr>
+    <a:masterClrMapping/>
+  </p:clrMapOvr>
+  <mc:AlternateContent xmlns:mc="http://schemas.openxmlformats.org/markup-compatibility/2006" xmlns:p14="http://schemas.microsoft.com/office/powerpoint/2010/main">
+    <mc:Choice Requires="p14">
+      <p:transition spd="slow" p14:dur="2000">
+        <p:push/>
+      </p:transition>
+    </mc:Choice>
+    <mc:Fallback xmlns="">
+      <p:transition spd="slow">
+        <p:push/>
+      </p:transition>
+    </mc:Fallback>
+  </mc:AlternateContent>
+  <p:timing>
+    <p:tnLst>
+      <p:par>
+        <p:cTn id="1" dur="indefinite" restart="never" nodeType="tmRoot"/>
+      </p:par>
+    </p:tnLst>
+  </p:timing>
+</p:sld>
+</file>
+
+<file path=ppt/slides/slide4.xml><?xml version="1.0" encoding="utf-8"?>
+<p:sld xmlns:a="http://schemas.openxmlformats.org/drawingml/2006/main" xmlns:r="http://schemas.openxmlformats.org/officeDocument/2006/relationships" xmlns:p="http://schemas.openxmlformats.org/presentationml/2006/main">
+  <p:cSld>
+    <p:spTree>
+      <p:nvGrpSpPr>
+        <p:cNvPr id="1" name=""/>
+        <p:cNvGrpSpPr/>
+        <p:nvPr/>
+      </p:nvGrpSpPr>
+      <p:grpSpPr>
+        <a:xfrm>
+          <a:off x="0" y="0"/>
+          <a:ext cx="0" cy="0"/>
+          <a:chOff x="0" y="0"/>
+          <a:chExt cx="0" cy="0"/>
+        </a:xfrm>
+      </p:grpSpPr>
+      <p:sp>
+        <p:nvSpPr>
+          <p:cNvPr id="15" name="Rectangle 14"/>
+          <p:cNvSpPr/>
+          <p:nvPr/>
+        </p:nvSpPr>
+        <p:spPr>
+          <a:xfrm>
+            <a:off x="240475" y="240475"/>
+            <a:ext cx="8686800" cy="6400800"/>
+          </a:xfrm>
+          <a:prstGeom prst="rect">
+            <a:avLst/>
+          </a:prstGeom>
+          <a:solidFill>
+            <a:schemeClr val="bg1"/>
+          </a:solidFill>
+          <a:ln>
+            <a:noFill/>
+          </a:ln>
+        </p:spPr>
+        <p:style>
+          <a:lnRef idx="2">
+            <a:schemeClr val="accent1">
+              <a:shade val="50000"/>
+            </a:schemeClr>
+          </a:lnRef>
+          <a:fillRef idx="1">
+            <a:schemeClr val="accent1"/>
+          </a:fillRef>
+          <a:effectRef idx="0">
+            <a:schemeClr val="accent1"/>
+          </a:effectRef>
+          <a:fontRef idx="minor">
+            <a:schemeClr val="lt1"/>
+          </a:fontRef>
+        </p:style>
+        <p:txBody>
+          <a:bodyPr rtlCol="0" anchor="ctr"/>
+          <a:lstStyle/>
+          <a:p>
+            <a:pPr algn="ctr"/>
+            <a:endParaRPr lang="en-US"/>
+          </a:p>
+        </p:txBody>
+      </p:sp>
+      <p:sp>
+        <p:nvSpPr>
+          <p:cNvPr id="16" name="Rectangle 15"/>
+          <p:cNvSpPr/>
+          <p:nvPr/>
+        </p:nvSpPr>
+        <p:spPr>
+          <a:xfrm>
+            <a:off x="188259" y="188259"/>
+            <a:ext cx="8776448" cy="6490448"/>
+          </a:xfrm>
+          <a:prstGeom prst="rect">
+            <a:avLst/>
+          </a:prstGeom>
+          <a:noFill/>
+          <a:ln w="31750">
+            <a:solidFill>
+              <a:schemeClr val="bg1"/>
+            </a:solidFill>
+          </a:ln>
+        </p:spPr>
+        <p:style>
+          <a:lnRef idx="2">
+            <a:schemeClr val="accent1">
+              <a:shade val="50000"/>
+            </a:schemeClr>
+          </a:lnRef>
+          <a:fillRef idx="1">
+            <a:schemeClr val="accent1"/>
+          </a:fillRef>
+          <a:effectRef idx="0">
+            <a:schemeClr val="accent1"/>
+          </a:effectRef>
+          <a:fontRef idx="minor">
+            <a:schemeClr val="lt1"/>
+          </a:fontRef>
+        </p:style>
+        <p:txBody>
+          <a:bodyPr rtlCol="0" anchor="ctr"/>
+          <a:lstStyle/>
+          <a:p>
+            <a:pPr algn="ctr"/>
+            <a:endParaRPr lang="en-US"/>
+          </a:p>
+        </p:txBody>
+      </p:sp>
+      <p:sp>
+        <p:nvSpPr>
+          <p:cNvPr id="9" name="TextBox 8"/>
+          <p:cNvSpPr txBox="1"/>
+          <p:nvPr/>
+        </p:nvSpPr>
+        <p:spPr>
+          <a:xfrm>
+            <a:off x="1143000" y="1828799"/>
+            <a:ext cx="6781800" cy="4648201"/>
+          </a:xfrm>
+          <a:prstGeom prst="rect">
+            <a:avLst/>
+          </a:prstGeom>
+          <a:noFill/>
+        </p:spPr>
+        <p:txBody>
+          <a:bodyPr wrap="square" rtlCol="0">
+            <a:normAutofit/>
+          </a:bodyPr>
+          <a:lstStyle/>
+          <a:p>
+            <a:pPr marL="342900" indent="-342900">
+              <a:buFont typeface="Arial" pitchFamily="34" charset="0"/>
+              <a:buChar char="•"/>
+            </a:pPr>
+            <a:r>
+              <a:rPr lang="en-US" altLang="zh-HK" sz="2400" dirty="0"/>
+              <a:t>Stock price </a:t>
+            </a:r>
+            <a:r>
+              <a:rPr lang="en-US" altLang="zh-HK" sz="2400" dirty="0" smtClean="0"/>
+              <a:t>notification</a:t>
+            </a:r>
+          </a:p>
+          <a:p>
+            <a:pPr marL="800100" lvl="1" indent="-342900">
+              <a:buFont typeface="Arial" pitchFamily="34" charset="0"/>
+              <a:buChar char="•"/>
+            </a:pPr>
+            <a:r>
+              <a:rPr lang="en-US" altLang="zh-HK" sz="2400" dirty="0" smtClean="0"/>
+              <a:t>display </a:t>
+            </a:r>
+            <a:r>
+              <a:rPr lang="en-US" altLang="zh-HK" sz="2400" dirty="0"/>
+              <a:t>real-time stock market </a:t>
+            </a:r>
+            <a:r>
+              <a:rPr lang="en-US" altLang="zh-HK" sz="2400" dirty="0" smtClean="0"/>
+              <a:t>situation</a:t>
+            </a:r>
+          </a:p>
+          <a:p>
+            <a:pPr marL="800100" lvl="1" indent="-342900">
+              <a:buFont typeface="Arial" pitchFamily="34" charset="0"/>
+              <a:buChar char="•"/>
+            </a:pPr>
+            <a:r>
+              <a:rPr lang="en-US" altLang="zh-HK" sz="2400" dirty="0" smtClean="0"/>
+              <a:t>Changes </a:t>
+            </a:r>
+            <a:r>
+              <a:rPr lang="en-US" altLang="zh-HK" sz="2400" dirty="0"/>
+              <a:t>by </a:t>
+            </a:r>
+            <a:r>
+              <a:rPr lang="en-US" altLang="zh-HK" sz="2400" dirty="0" smtClean="0"/>
+              <a:t>alerting users automatically</a:t>
+            </a:r>
+            <a:endParaRPr lang="en-US" altLang="zh-HK" sz="2400" dirty="0"/>
+          </a:p>
+          <a:p>
+            <a:pPr marL="800100" lvl="1" indent="-342900">
+              <a:buFont typeface="Arial" pitchFamily="34" charset="0"/>
+              <a:buChar char="•"/>
+            </a:pPr>
+            <a:r>
+              <a:rPr lang="en-US" altLang="zh-HK" sz="2400" dirty="0" smtClean="0"/>
+              <a:t>Users can aware </a:t>
+            </a:r>
+            <a:r>
+              <a:rPr lang="en-US" altLang="zh-HK" sz="2400" dirty="0"/>
+              <a:t>of the changes of their target stocks during the daily life. </a:t>
+            </a:r>
+            <a:endParaRPr lang="en-US" altLang="zh-HK" sz="2400" dirty="0" smtClean="0"/>
+          </a:p>
+          <a:p>
+            <a:pPr marL="800100" lvl="1" indent="-342900">
+              <a:buFont typeface="Arial" pitchFamily="34" charset="0"/>
+              <a:buChar char="•"/>
+            </a:pPr>
+            <a:endParaRPr lang="en-US" altLang="zh-HK" sz="2400" dirty="0"/>
+          </a:p>
+          <a:p>
+            <a:pPr marL="342900" indent="-342900">
+              <a:buFont typeface="Arial" pitchFamily="34" charset="0"/>
+              <a:buChar char="•"/>
+            </a:pPr>
+            <a:r>
+              <a:rPr lang="en-US" altLang="zh-HK" sz="2400" dirty="0"/>
+              <a:t>personal watch lists and profit calculator </a:t>
+            </a:r>
+          </a:p>
+          <a:p>
+            <a:pPr marL="800100" lvl="1" indent="-342900">
+              <a:buFont typeface="Arial" pitchFamily="34" charset="0"/>
+              <a:buChar char="•"/>
+            </a:pPr>
+            <a:r>
+              <a:rPr lang="en-US" altLang="zh-HK" sz="2400" dirty="0"/>
+              <a:t>manage target stocks</a:t>
+            </a:r>
+          </a:p>
+          <a:p>
+            <a:pPr marL="800100" lvl="1" indent="-342900">
+              <a:buFont typeface="Arial" pitchFamily="34" charset="0"/>
+              <a:buChar char="•"/>
+            </a:pPr>
+            <a:r>
+              <a:rPr lang="en-US" altLang="zh-HK" sz="2400" dirty="0"/>
+              <a:t>in the organized and clear interface.</a:t>
+            </a:r>
+            <a:endParaRPr lang="zh-TW" altLang="zh-HK" sz="2400" dirty="0"/>
+          </a:p>
+          <a:p>
+            <a:endParaRPr lang="en-US" altLang="zh-HK" sz="2400" dirty="0" smtClean="0"/>
+          </a:p>
+          <a:p>
+            <a:pPr marL="800100" lvl="1" indent="-342900">
+              <a:buFont typeface="Arial" pitchFamily="34" charset="0"/>
+              <a:buChar char="•"/>
+            </a:pPr>
+            <a:endParaRPr lang="en-US" altLang="zh-HK" sz="2400" dirty="0"/>
+          </a:p>
+          <a:p>
+            <a:pPr marL="342900" indent="-342900">
+              <a:buFont typeface="Arial" pitchFamily="34" charset="0"/>
+              <a:buChar char="•"/>
+            </a:pPr>
+            <a:endParaRPr lang="en-US" altLang="zh-HK" sz="2400" dirty="0" smtClean="0"/>
+          </a:p>
+          <a:p>
+            <a:pPr marL="1257300" lvl="2" indent="-342900">
+              <a:buFont typeface="Arial" pitchFamily="34" charset="0"/>
+              <a:buChar char="•"/>
+            </a:pPr>
+            <a:endParaRPr lang="en-US" altLang="zh-HK" sz="2400" dirty="0" smtClean="0"/>
+          </a:p>
+          <a:p>
+            <a:pPr lvl="1"/>
+            <a:endParaRPr lang="en-US" altLang="zh-HK" sz="2400" dirty="0" smtClean="0"/>
+          </a:p>
+        </p:txBody>
+      </p:sp>
+      <p:sp>
+        <p:nvSpPr>
+          <p:cNvPr id="10" name="TextBox 9"/>
+          <p:cNvSpPr txBox="1"/>
+          <p:nvPr/>
+        </p:nvSpPr>
+        <p:spPr>
+          <a:xfrm>
+            <a:off x="240767" y="762000"/>
+            <a:ext cx="6432176" cy="461665"/>
+          </a:xfrm>
+          <a:prstGeom prst="rect">
+            <a:avLst/>
+          </a:prstGeom>
+          <a:solidFill>
+            <a:schemeClr val="tx1">
+              <a:lumMod val="95000"/>
+              <a:lumOff val="5000"/>
+              <a:alpha val="55000"/>
+            </a:schemeClr>
+          </a:solidFill>
+        </p:spPr>
+        <p:txBody>
+          <a:bodyPr wrap="square" rtlCol="0">
+            <a:normAutofit/>
+          </a:bodyPr>
+          <a:lstStyle/>
+          <a:p>
+            <a:r>
+              <a:rPr lang="en-US" sz="2400" b="1" dirty="0" smtClean="0">
+                <a:solidFill>
+                  <a:schemeClr val="bg1"/>
+                </a:solidFill>
+              </a:rPr>
+              <a:t>	What is Stock Monitoring System</a:t>
+            </a:r>
+            <a:endParaRPr lang="en-US" sz="2400" b="1" dirty="0">
+              <a:solidFill>
+                <a:schemeClr val="bg1"/>
+              </a:solidFill>
+            </a:endParaRPr>
+          </a:p>
+        </p:txBody>
+      </p:sp>
+    </p:spTree>
+    <p:extLst>
+      <p:ext uri="{BB962C8B-B14F-4D97-AF65-F5344CB8AC3E}">
+        <p14:creationId xmlns:p14="http://schemas.microsoft.com/office/powerpoint/2010/main" val="2445551010"/>
+      </p:ext>
+    </p:extLst>
+  </p:cSld>
+  <p:clrMapOvr>
+    <a:masterClrMapping/>
+  </p:clrMapOvr>
+  <mc:AlternateContent xmlns:mc="http://schemas.openxmlformats.org/markup-compatibility/2006" xmlns:p14="http://schemas.microsoft.com/office/powerpoint/2010/main">
+    <mc:Choice Requires="p14">
+      <p:transition spd="slow" p14:dur="2000">
+        <p:blinds dir="vert"/>
+      </p:transition>
+    </mc:Choice>
+    <mc:Fallback xmlns="">
+      <p:transition spd="slow">
+        <p:blinds dir="vert"/>
+      </p:transition>
+    </mc:Fallback>
+  </mc:AlternateContent>
+  <p:timing>
+    <p:tnLst>
+      <p:par>
+        <p:cTn id="1" dur="indefinite" restart="never" nodeType="tmRoot"/>
+      </p:par>
+    </p:tnLst>
+  </p:timing>
+</p:sld>
+</file>
+
+<file path=ppt/slides/slide5.xml><?xml version="1.0" encoding="utf-8"?>
+<p:sld xmlns:a="http://schemas.openxmlformats.org/drawingml/2006/main" xmlns:r="http://schemas.openxmlformats.org/officeDocument/2006/relationships" xmlns:p="http://schemas.openxmlformats.org/presentationml/2006/main">
+  <p:cSld>
+    <p:spTree>
+      <p:nvGrpSpPr>
+        <p:cNvPr id="1" name=""/>
+        <p:cNvGrpSpPr/>
+        <p:nvPr/>
+      </p:nvGrpSpPr>
+      <p:grpSpPr>
+        <a:xfrm>
+          <a:off x="0" y="0"/>
+          <a:ext cx="0" cy="0"/>
+          <a:chOff x="0" y="0"/>
+          <a:chExt cx="0" cy="0"/>
+        </a:xfrm>
+      </p:grpSpPr>
+      <p:sp>
+        <p:nvSpPr>
+          <p:cNvPr id="15" name="Rectangle 14"/>
+          <p:cNvSpPr/>
+          <p:nvPr/>
+        </p:nvSpPr>
+        <p:spPr>
+          <a:xfrm>
+            <a:off x="240475" y="240475"/>
+            <a:ext cx="8686800" cy="6400800"/>
+          </a:xfrm>
+          <a:prstGeom prst="rect">
+            <a:avLst/>
+          </a:prstGeom>
+          <a:solidFill>
+            <a:schemeClr val="bg1"/>
+          </a:solidFill>
+          <a:ln>
+            <a:noFill/>
+          </a:ln>
+        </p:spPr>
+        <p:style>
+          <a:lnRef idx="2">
+            <a:schemeClr val="accent1">
+              <a:shade val="50000"/>
+            </a:schemeClr>
+          </a:lnRef>
+          <a:fillRef idx="1">
+            <a:schemeClr val="accent1"/>
+          </a:fillRef>
+          <a:effectRef idx="0">
+            <a:schemeClr val="accent1"/>
+          </a:effectRef>
+          <a:fontRef idx="minor">
+            <a:schemeClr val="lt1"/>
+          </a:fontRef>
+        </p:style>
+        <p:txBody>
+          <a:bodyPr rtlCol="0" anchor="ctr"/>
+          <a:lstStyle/>
+          <a:p>
+            <a:pPr algn="ctr"/>
+            <a:endParaRPr lang="en-US"/>
+          </a:p>
+        </p:txBody>
+      </p:sp>
+      <p:sp>
+        <p:nvSpPr>
+          <p:cNvPr id="16" name="Rectangle 15"/>
+          <p:cNvSpPr/>
+          <p:nvPr/>
+        </p:nvSpPr>
+        <p:spPr>
+          <a:xfrm>
+            <a:off x="188259" y="188259"/>
+            <a:ext cx="8776448" cy="6490448"/>
+          </a:xfrm>
+          <a:prstGeom prst="rect">
+            <a:avLst/>
+          </a:prstGeom>
+          <a:noFill/>
+          <a:ln w="31750">
+            <a:solidFill>
+              <a:schemeClr val="bg1"/>
+            </a:solidFill>
+          </a:ln>
+        </p:spPr>
+        <p:style>
+          <a:lnRef idx="2">
+            <a:schemeClr val="accent1">
+              <a:shade val="50000"/>
+            </a:schemeClr>
+          </a:lnRef>
+          <a:fillRef idx="1">
+            <a:schemeClr val="accent1"/>
+          </a:fillRef>
+          <a:effectRef idx="0">
+            <a:schemeClr val="accent1"/>
+          </a:effectRef>
+          <a:fontRef idx="minor">
+            <a:schemeClr val="lt1"/>
+          </a:fontRef>
+        </p:style>
+        <p:txBody>
+          <a:bodyPr rtlCol="0" anchor="ctr"/>
+          <a:lstStyle/>
+          <a:p>
+            <a:pPr algn="ctr"/>
+            <a:endParaRPr lang="en-US"/>
+          </a:p>
+        </p:txBody>
+      </p:sp>
+      <p:sp>
+        <p:nvSpPr>
+          <p:cNvPr id="9" name="TextBox 8"/>
+          <p:cNvSpPr txBox="1"/>
+          <p:nvPr/>
+        </p:nvSpPr>
+        <p:spPr>
+          <a:xfrm>
+            <a:off x="1143000" y="1828798"/>
+            <a:ext cx="6781800" cy="4648201"/>
+          </a:xfrm>
+          <a:prstGeom prst="rect">
+            <a:avLst/>
+          </a:prstGeom>
+          <a:noFill/>
+        </p:spPr>
+        <p:txBody>
+          <a:bodyPr wrap="square" rtlCol="0">
+            <a:normAutofit/>
+          </a:bodyPr>
+          <a:lstStyle/>
+          <a:p>
+            <a:pPr marL="342900" indent="-342900">
+              <a:buFont typeface="Arial" pitchFamily="34" charset="0"/>
+              <a:buChar char="•"/>
+            </a:pPr>
+            <a:r>
+              <a:rPr lang="en-US" sz="2400" b="1" dirty="0" smtClean="0">
+                <a:solidFill>
+                  <a:srgbClr val="FC7500"/>
+                </a:solidFill>
+              </a:rPr>
+              <a:t>Problems of software in the market:</a:t>
+            </a:r>
+          </a:p>
+          <a:p>
+            <a:pPr marL="800100" lvl="1" indent="-342900">
+              <a:buFont typeface="Arial" pitchFamily="34" charset="0"/>
+              <a:buChar char="•"/>
+            </a:pPr>
+            <a:r>
+              <a:rPr lang="en-US" sz="2400" b="1" dirty="0" smtClean="0">
+                <a:solidFill>
+                  <a:srgbClr val="FC7500"/>
+                </a:solidFill>
+              </a:rPr>
+              <a:t>Information </a:t>
+            </a:r>
+            <a:r>
+              <a:rPr lang="en-US" sz="2400" b="1" dirty="0">
+                <a:solidFill>
+                  <a:srgbClr val="FC7500"/>
+                </a:solidFill>
+              </a:rPr>
+              <a:t>not up to </a:t>
+            </a:r>
+            <a:r>
+              <a:rPr lang="en-US" sz="2400" b="1" dirty="0" smtClean="0">
+                <a:solidFill>
+                  <a:srgbClr val="FC7500"/>
+                </a:solidFill>
+              </a:rPr>
+              <a:t>date</a:t>
+            </a:r>
+          </a:p>
+          <a:p>
+            <a:pPr marL="800100" lvl="1" indent="-342900">
+              <a:buFont typeface="Arial" pitchFamily="34" charset="0"/>
+              <a:buChar char="•"/>
+            </a:pPr>
+            <a:r>
+              <a:rPr lang="en-US" sz="2400" b="1" dirty="0" smtClean="0">
+                <a:solidFill>
+                  <a:srgbClr val="FC7500"/>
+                </a:solidFill>
+              </a:rPr>
+              <a:t>Data not sync</a:t>
+            </a:r>
+          </a:p>
+          <a:p>
+            <a:pPr marL="800100" lvl="1" indent="-342900">
+              <a:buFont typeface="Arial" pitchFamily="34" charset="0"/>
+              <a:buChar char="•"/>
+            </a:pPr>
+            <a:r>
+              <a:rPr lang="en-US" sz="2400" b="1" dirty="0" smtClean="0">
+                <a:solidFill>
+                  <a:srgbClr val="FC7500"/>
+                </a:solidFill>
+              </a:rPr>
+              <a:t>Not user friendly</a:t>
+            </a:r>
+          </a:p>
+          <a:p>
+            <a:pPr marL="800100" lvl="1" indent="-342900">
+              <a:buFont typeface="Arial" pitchFamily="34" charset="0"/>
+              <a:buChar char="•"/>
+            </a:pPr>
+            <a:r>
+              <a:rPr lang="en-US" sz="2400" b="1" dirty="0" smtClean="0">
+                <a:solidFill>
+                  <a:srgbClr val="FC7500"/>
+                </a:solidFill>
+              </a:rPr>
+              <a:t>Poor security</a:t>
+            </a:r>
+          </a:p>
+          <a:p>
+            <a:pPr marL="800100" lvl="1" indent="-342900">
+              <a:buFont typeface="Arial" pitchFamily="34" charset="0"/>
+              <a:buChar char="•"/>
+            </a:pPr>
+            <a:r>
+              <a:rPr lang="en-US" sz="2400" b="1" dirty="0" smtClean="0">
+                <a:solidFill>
+                  <a:srgbClr val="FC7500"/>
+                </a:solidFill>
+              </a:rPr>
+              <a:t>Price issue</a:t>
+            </a:r>
+          </a:p>
+          <a:p>
+            <a:endParaRPr lang="en-US" sz="2400" b="1" dirty="0" smtClean="0">
+              <a:solidFill>
+                <a:srgbClr val="FC7500"/>
+              </a:solidFill>
+            </a:endParaRPr>
+          </a:p>
+          <a:p>
+            <a:pPr marL="342900" indent="-342900">
+              <a:buFont typeface="Arial" pitchFamily="34" charset="0"/>
+              <a:buChar char="•"/>
+            </a:pPr>
+            <a:endParaRPr lang="en-US" sz="2400" b="1" dirty="0">
+              <a:solidFill>
+                <a:srgbClr val="FC7500"/>
+              </a:solidFill>
+            </a:endParaRPr>
+          </a:p>
+          <a:p>
+            <a:pPr marL="342900" indent="-342900">
+              <a:buFont typeface="Arial" pitchFamily="34" charset="0"/>
+              <a:buChar char="•"/>
+            </a:pPr>
+            <a:endParaRPr lang="en-US" sz="2400" dirty="0"/>
+          </a:p>
+        </p:txBody>
+      </p:sp>
+      <p:sp>
+        <p:nvSpPr>
+          <p:cNvPr id="10" name="TextBox 9"/>
+          <p:cNvSpPr txBox="1"/>
+          <p:nvPr/>
+        </p:nvSpPr>
+        <p:spPr>
+          <a:xfrm>
+            <a:off x="240767" y="762000"/>
+            <a:ext cx="6432176" cy="461665"/>
+          </a:xfrm>
+          <a:prstGeom prst="rect">
+            <a:avLst/>
+          </a:prstGeom>
+          <a:solidFill>
+            <a:schemeClr val="tx1">
+              <a:lumMod val="95000"/>
+              <a:lumOff val="5000"/>
+              <a:alpha val="55000"/>
+            </a:schemeClr>
+          </a:solidFill>
+        </p:spPr>
+        <p:txBody>
+          <a:bodyPr wrap="square" rtlCol="0">
+            <a:normAutofit/>
+          </a:bodyPr>
+          <a:lstStyle/>
+          <a:p>
+            <a:r>
+              <a:rPr lang="en-US" sz="2400" b="1" dirty="0" smtClean="0">
+                <a:solidFill>
+                  <a:schemeClr val="bg1"/>
+                </a:solidFill>
+              </a:rPr>
+              <a:t>	Why do we need to develop this system</a:t>
+            </a:r>
+            <a:endParaRPr lang="en-US" sz="2400" b="1" dirty="0">
+              <a:solidFill>
+                <a:schemeClr val="bg1"/>
+              </a:solidFill>
+            </a:endParaRPr>
+          </a:p>
+        </p:txBody>
+      </p:sp>
+    </p:spTree>
+    <p:extLst>
+      <p:ext uri="{BB962C8B-B14F-4D97-AF65-F5344CB8AC3E}">
+        <p14:creationId xmlns:p14="http://schemas.microsoft.com/office/powerpoint/2010/main" val="3404545742"/>
+      </p:ext>
+    </p:extLst>
+  </p:cSld>
+  <p:clrMapOvr>
+    <a:masterClrMapping/>
+  </p:clrMapOvr>
+  <mc:AlternateContent xmlns:mc="http://schemas.openxmlformats.org/markup-compatibility/2006" xmlns:p14="http://schemas.microsoft.com/office/powerpoint/2010/main">
+    <mc:Choice Requires="p14">
+      <p:transition spd="slow" p14:dur="2000">
+        <p:blinds dir="vert"/>
+      </p:transition>
+    </mc:Choice>
+    <mc:Fallback xmlns="">
+      <p:transition spd="slow">
+        <p:blinds dir="vert"/>
+      </p:transition>
+    </mc:Fallback>
+  </mc:AlternateContent>
+  <p:timing>
+    <p:tnLst>
+      <p:par>
+        <p:cTn id="1" dur="indefinite" restart="never" nodeType="tmRoot"/>
+      </p:par>
+    </p:tnLst>
+  </p:timing>
+</p:sld>
+</file>
+
+<file path=ppt/slides/slide6.xml><?xml version="1.0" encoding="utf-8"?>
+<p:sld xmlns:a="http://schemas.openxmlformats.org/drawingml/2006/main" xmlns:r="http://schemas.openxmlformats.org/officeDocument/2006/relationships" xmlns:p="http://schemas.openxmlformats.org/presentationml/2006/main">
+  <p:cSld>
+    <p:spTree>
+      <p:nvGrpSpPr>
+        <p:cNvPr id="1" name=""/>
+        <p:cNvGrpSpPr/>
+        <p:nvPr/>
+      </p:nvGrpSpPr>
+      <p:grpSpPr>
+        <a:xfrm>
+          <a:off x="0" y="0"/>
+          <a:ext cx="0" cy="0"/>
+          <a:chOff x="0" y="0"/>
+          <a:chExt cx="0" cy="0"/>
+        </a:xfrm>
+      </p:grpSpPr>
+      <p:sp>
+        <p:nvSpPr>
+          <p:cNvPr id="15" name="Rectangle 14"/>
+          <p:cNvSpPr/>
+          <p:nvPr/>
+        </p:nvSpPr>
+        <p:spPr>
+          <a:xfrm>
+            <a:off x="240475" y="240475"/>
+            <a:ext cx="8686800" cy="6400800"/>
+          </a:xfrm>
+          <a:prstGeom prst="rect">
+            <a:avLst/>
+          </a:prstGeom>
+          <a:solidFill>
+            <a:schemeClr val="bg1"/>
+          </a:solidFill>
+          <a:ln>
+            <a:noFill/>
+          </a:ln>
+        </p:spPr>
+        <p:style>
+          <a:lnRef idx="2">
+            <a:schemeClr val="accent1">
+              <a:shade val="50000"/>
+            </a:schemeClr>
+          </a:lnRef>
+          <a:fillRef idx="1">
+            <a:schemeClr val="accent1"/>
+          </a:fillRef>
+          <a:effectRef idx="0">
+            <a:schemeClr val="accent1"/>
+          </a:effectRef>
+          <a:fontRef idx="minor">
+            <a:schemeClr val="lt1"/>
+          </a:fontRef>
+        </p:style>
+        <p:txBody>
+          <a:bodyPr rtlCol="0" anchor="ctr"/>
+          <a:lstStyle/>
+          <a:p>
+            <a:pPr algn="ctr"/>
+            <a:endParaRPr lang="en-US"/>
+          </a:p>
+        </p:txBody>
+      </p:sp>
+      <p:sp>
+        <p:nvSpPr>
+          <p:cNvPr id="16" name="Rectangle 15"/>
+          <p:cNvSpPr/>
+          <p:nvPr/>
+        </p:nvSpPr>
+        <p:spPr>
+          <a:xfrm>
+            <a:off x="188259" y="188259"/>
+            <a:ext cx="8776448" cy="6490448"/>
+          </a:xfrm>
+          <a:prstGeom prst="rect">
+            <a:avLst/>
+          </a:prstGeom>
+          <a:noFill/>
+          <a:ln w="31750">
+            <a:solidFill>
+              <a:schemeClr val="bg1"/>
+            </a:solidFill>
+          </a:ln>
+        </p:spPr>
+        <p:style>
+          <a:lnRef idx="2">
+            <a:schemeClr val="accent1">
+              <a:shade val="50000"/>
+            </a:schemeClr>
+          </a:lnRef>
+          <a:fillRef idx="1">
+            <a:schemeClr val="accent1"/>
+          </a:fillRef>
+          <a:effectRef idx="0">
+            <a:schemeClr val="accent1"/>
+          </a:effectRef>
+          <a:fontRef idx="minor">
+            <a:schemeClr val="lt1"/>
+          </a:fontRef>
+        </p:style>
+        <p:txBody>
+          <a:bodyPr rtlCol="0" anchor="ctr"/>
+          <a:lstStyle/>
+          <a:p>
+            <a:pPr algn="ctr"/>
+            <a:endParaRPr lang="en-US"/>
+          </a:p>
+        </p:txBody>
+      </p:sp>
+      <p:sp>
+        <p:nvSpPr>
+          <p:cNvPr id="9" name="TextBox 8"/>
+          <p:cNvSpPr txBox="1"/>
+          <p:nvPr/>
+        </p:nvSpPr>
+        <p:spPr>
+          <a:xfrm>
+            <a:off x="1143000" y="1828799"/>
+            <a:ext cx="6781800" cy="4648201"/>
+          </a:xfrm>
+          <a:prstGeom prst="rect">
+            <a:avLst/>
+          </a:prstGeom>
+          <a:noFill/>
+        </p:spPr>
+        <p:txBody>
+          <a:bodyPr wrap="square" rtlCol="0">
+            <a:normAutofit/>
+          </a:bodyPr>
+          <a:lstStyle/>
+          <a:p>
+            <a:pPr marL="342900" indent="-342900">
+              <a:buFont typeface="Arial" pitchFamily="34" charset="0"/>
+              <a:buChar char="•"/>
+            </a:pPr>
+            <a:r>
+              <a:rPr lang="en-US" sz="2400" b="1" dirty="0" smtClean="0">
+                <a:solidFill>
+                  <a:srgbClr val="FC7500"/>
+                </a:solidFill>
+              </a:rPr>
+              <a:t>API for stock information</a:t>
+            </a:r>
+          </a:p>
+          <a:p>
+            <a:pPr marL="342900" indent="-342900">
+              <a:buFont typeface="Arial" pitchFamily="34" charset="0"/>
+              <a:buChar char="•"/>
+            </a:pPr>
+            <a:r>
+              <a:rPr lang="en-US" sz="2400" b="1" dirty="0" smtClean="0">
+                <a:solidFill>
+                  <a:srgbClr val="FC7500"/>
+                </a:solidFill>
+              </a:rPr>
+              <a:t>Auto-refresh 20 stocks at the same time without system failure</a:t>
+            </a:r>
+          </a:p>
+          <a:p>
+            <a:pPr marL="342900" indent="-342900">
+              <a:buFont typeface="Arial" pitchFamily="34" charset="0"/>
+              <a:buChar char="•"/>
+            </a:pPr>
+            <a:r>
+              <a:rPr lang="en-US" sz="2400" b="1" dirty="0" smtClean="0">
+                <a:solidFill>
+                  <a:srgbClr val="FC7500"/>
+                </a:solidFill>
+              </a:rPr>
+              <a:t>System is developed by using python</a:t>
+            </a:r>
+          </a:p>
+          <a:p>
+            <a:pPr marL="342900" indent="-342900">
+              <a:buFont typeface="Arial" pitchFamily="34" charset="0"/>
+              <a:buChar char="•"/>
+            </a:pPr>
+            <a:r>
+              <a:rPr lang="en-US" sz="2400" b="1" dirty="0" smtClean="0">
+                <a:solidFill>
+                  <a:srgbClr val="FC7500"/>
+                </a:solidFill>
+              </a:rPr>
+              <a:t>Time issue</a:t>
+            </a:r>
+          </a:p>
+          <a:p>
+            <a:pPr marL="342900" indent="-342900">
+              <a:buFont typeface="Arial" pitchFamily="34" charset="0"/>
+              <a:buChar char="•"/>
+            </a:pPr>
+            <a:endParaRPr lang="en-US" sz="2400" b="1" dirty="0" smtClean="0">
+              <a:solidFill>
+                <a:srgbClr val="FC7500"/>
+              </a:solidFill>
+            </a:endParaRPr>
+          </a:p>
+          <a:p>
+            <a:pPr marL="342900" indent="-342900">
+              <a:buFont typeface="Arial" pitchFamily="34" charset="0"/>
+              <a:buChar char="•"/>
+            </a:pPr>
+            <a:endParaRPr lang="en-US" sz="2400" b="1" dirty="0">
+              <a:solidFill>
+                <a:srgbClr val="FC7500"/>
+              </a:solidFill>
+            </a:endParaRPr>
+          </a:p>
+          <a:p>
+            <a:pPr marL="342900" indent="-342900">
+              <a:buFont typeface="Arial" pitchFamily="34" charset="0"/>
+              <a:buChar char="•"/>
+            </a:pPr>
+            <a:endParaRPr lang="en-US" sz="2400" dirty="0"/>
+          </a:p>
+        </p:txBody>
+      </p:sp>
+      <p:sp>
+        <p:nvSpPr>
+          <p:cNvPr id="10" name="TextBox 9"/>
+          <p:cNvSpPr txBox="1"/>
+          <p:nvPr/>
+        </p:nvSpPr>
+        <p:spPr>
+          <a:xfrm>
+            <a:off x="240767" y="762000"/>
+            <a:ext cx="6432176" cy="461665"/>
+          </a:xfrm>
+          <a:prstGeom prst="rect">
+            <a:avLst/>
+          </a:prstGeom>
+          <a:solidFill>
+            <a:schemeClr val="tx1">
+              <a:lumMod val="95000"/>
+              <a:lumOff val="5000"/>
+              <a:alpha val="55000"/>
+            </a:schemeClr>
+          </a:solidFill>
+        </p:spPr>
+        <p:txBody>
+          <a:bodyPr wrap="square" rtlCol="0">
+            <a:normAutofit/>
+          </a:bodyPr>
+          <a:lstStyle/>
+          <a:p>
+            <a:r>
+              <a:rPr lang="en-US" sz="2400" b="1" dirty="0" smtClean="0">
+                <a:solidFill>
+                  <a:schemeClr val="bg1"/>
+                </a:solidFill>
+              </a:rPr>
+              <a:t>	Difficulties of the system</a:t>
+            </a:r>
+            <a:endParaRPr lang="en-US" sz="2400" b="1" dirty="0">
+              <a:solidFill>
+                <a:schemeClr val="bg1"/>
+              </a:solidFill>
+            </a:endParaRPr>
+          </a:p>
+        </p:txBody>
+      </p:sp>
+    </p:spTree>
+    <p:extLst>
+      <p:ext uri="{BB962C8B-B14F-4D97-AF65-F5344CB8AC3E}">
+        <p14:creationId xmlns:p14="http://schemas.microsoft.com/office/powerpoint/2010/main" val="3056080029"/>
+      </p:ext>
+    </p:extLst>
+  </p:cSld>
+  <p:clrMapOvr>
+    <a:masterClrMapping/>
+  </p:clrMapOvr>
+  <mc:AlternateContent xmlns:mc="http://schemas.openxmlformats.org/markup-compatibility/2006" xmlns:p14="http://schemas.microsoft.com/office/powerpoint/2010/main">
+    <mc:Choice Requires="p14">
+      <p:transition spd="slow" p14:dur="2000">
+        <p:blinds dir="vert"/>
+      </p:transition>
+    </mc:Choice>
+    <mc:Fallback xmlns="">
+      <p:transition spd="slow">
+        <p:blinds dir="vert"/>
+      </p:transition>
+    </mc:Fallback>
+  </mc:AlternateContent>
+  <p:timing>
+    <p:tnLst>
+      <p:par>
+        <p:cTn id="1" dur="indefinite" restart="never" nodeType="tmRoot"/>
+      </p:par>
+    </p:tnLst>
+  </p:timing>
+</p:sld>
+</file>
+
+<file path=ppt/slides/slide7.xml><?xml version="1.0" encoding="utf-8"?>
+<p:sld xmlns:a="http://schemas.openxmlformats.org/drawingml/2006/main" xmlns:r="http://schemas.openxmlformats.org/officeDocument/2006/relationships" xmlns:p="http://schemas.openxmlformats.org/presentationml/2006/main">
+  <p:cSld>
+    <p:spTree>
+      <p:nvGrpSpPr>
+        <p:cNvPr id="1" name=""/>
+        <p:cNvGrpSpPr/>
+        <p:nvPr/>
+      </p:nvGrpSpPr>
+      <p:grpSpPr>
+        <a:xfrm>
+          <a:off x="0" y="0"/>
+          <a:ext cx="0" cy="0"/>
+          <a:chOff x="0" y="0"/>
+          <a:chExt cx="0" cy="0"/>
+        </a:xfrm>
+      </p:grpSpPr>
+      <p:sp>
+        <p:nvSpPr>
+          <p:cNvPr id="15" name="Rectangle 14"/>
+          <p:cNvSpPr/>
+          <p:nvPr/>
+        </p:nvSpPr>
+        <p:spPr>
+          <a:xfrm>
+            <a:off x="240475" y="240475"/>
+            <a:ext cx="8686800" cy="6400800"/>
+          </a:xfrm>
+          <a:prstGeom prst="rect">
+            <a:avLst/>
+          </a:prstGeom>
+          <a:solidFill>
+            <a:schemeClr val="bg1"/>
+          </a:solidFill>
+          <a:ln>
+            <a:noFill/>
+          </a:ln>
+        </p:spPr>
+        <p:style>
+          <a:lnRef idx="2">
+            <a:schemeClr val="accent1">
+              <a:shade val="50000"/>
+            </a:schemeClr>
+          </a:lnRef>
+          <a:fillRef idx="1">
+            <a:schemeClr val="accent1"/>
+          </a:fillRef>
+          <a:effectRef idx="0">
+            <a:schemeClr val="accent1"/>
+          </a:effectRef>
+          <a:fontRef idx="minor">
+            <a:schemeClr val="lt1"/>
+          </a:fontRef>
+        </p:style>
+        <p:txBody>
+          <a:bodyPr rtlCol="0" anchor="ctr"/>
+          <a:lstStyle/>
+          <a:p>
+            <a:pPr algn="ctr"/>
+            <a:endParaRPr lang="en-US"/>
+          </a:p>
+        </p:txBody>
+      </p:sp>
+      <p:sp>
+        <p:nvSpPr>
+          <p:cNvPr id="16" name="Rectangle 15"/>
+          <p:cNvSpPr/>
+          <p:nvPr/>
+        </p:nvSpPr>
+        <p:spPr>
+          <a:xfrm>
+            <a:off x="188259" y="188259"/>
+            <a:ext cx="8776448" cy="6490448"/>
+          </a:xfrm>
+          <a:prstGeom prst="rect">
+            <a:avLst/>
+          </a:prstGeom>
+          <a:noFill/>
+          <a:ln w="31750">
+            <a:solidFill>
+              <a:schemeClr val="bg1"/>
+            </a:solidFill>
+          </a:ln>
+        </p:spPr>
+        <p:style>
+          <a:lnRef idx="2">
+            <a:schemeClr val="accent1">
+              <a:shade val="50000"/>
+            </a:schemeClr>
+          </a:lnRef>
+          <a:fillRef idx="1">
+            <a:schemeClr val="accent1"/>
+          </a:fillRef>
+          <a:effectRef idx="0">
+            <a:schemeClr val="accent1"/>
+          </a:effectRef>
+          <a:fontRef idx="minor">
+            <a:schemeClr val="lt1"/>
+          </a:fontRef>
+        </p:style>
+        <p:txBody>
+          <a:bodyPr rtlCol="0" anchor="ctr"/>
+          <a:lstStyle/>
+          <a:p>
+            <a:pPr algn="ctr"/>
+            <a:endParaRPr lang="en-US"/>
+          </a:p>
+        </p:txBody>
+      </p:sp>
+      <p:sp>
+        <p:nvSpPr>
+          <p:cNvPr id="9" name="TextBox 8"/>
+          <p:cNvSpPr txBox="1"/>
+          <p:nvPr/>
+        </p:nvSpPr>
+        <p:spPr>
+          <a:xfrm>
+            <a:off x="1143000" y="1828799"/>
+            <a:ext cx="6781800" cy="4648201"/>
+          </a:xfrm>
+          <a:prstGeom prst="rect">
+            <a:avLst/>
+          </a:prstGeom>
+          <a:noFill/>
+        </p:spPr>
+        <p:txBody>
+          <a:bodyPr wrap="square" rtlCol="0">
+            <a:normAutofit/>
+          </a:bodyPr>
+          <a:lstStyle/>
+          <a:p>
+            <a:pPr marL="342900" indent="-342900">
+              <a:buFont typeface="Arial" pitchFamily="34" charset="0"/>
+              <a:buChar char="•"/>
+            </a:pPr>
+            <a:r>
+              <a:rPr lang="en-US" sz="2400" b="1" dirty="0" smtClean="0">
+                <a:solidFill>
+                  <a:srgbClr val="FC7500"/>
+                </a:solidFill>
+              </a:rPr>
+              <a:t>Using free API</a:t>
+            </a:r>
+          </a:p>
+          <a:p>
+            <a:pPr marL="342900" indent="-342900">
+              <a:buFont typeface="Arial" pitchFamily="34" charset="0"/>
+              <a:buChar char="•"/>
+            </a:pPr>
+            <a:r>
+              <a:rPr lang="en-US" sz="2400" b="1" dirty="0" smtClean="0">
+                <a:solidFill>
+                  <a:srgbClr val="FC7500"/>
+                </a:solidFill>
+              </a:rPr>
+              <a:t>Multi-threading/processing technology</a:t>
+            </a:r>
+          </a:p>
+          <a:p>
+            <a:pPr marL="342900" indent="-342900">
+              <a:buFont typeface="Arial" pitchFamily="34" charset="0"/>
+              <a:buChar char="•"/>
+            </a:pPr>
+            <a:r>
+              <a:rPr lang="en-US" sz="2400" b="1" dirty="0" smtClean="0">
+                <a:solidFill>
+                  <a:srgbClr val="FC7500"/>
+                </a:solidFill>
+              </a:rPr>
+              <a:t>Using free GUI-framework to develop the program</a:t>
+            </a:r>
+          </a:p>
+          <a:p>
+            <a:pPr marL="342900" indent="-342900">
+              <a:buFont typeface="Arial" pitchFamily="34" charset="0"/>
+              <a:buChar char="•"/>
+            </a:pPr>
+            <a:r>
+              <a:rPr lang="en-US" sz="2400" b="1" dirty="0" smtClean="0">
+                <a:solidFill>
+                  <a:srgbClr val="FC7500"/>
+                </a:solidFill>
+              </a:rPr>
+              <a:t>Using existing libraries</a:t>
+            </a:r>
+          </a:p>
+          <a:p>
+            <a:pPr marL="342900" indent="-342900">
+              <a:buFont typeface="Arial" pitchFamily="34" charset="0"/>
+              <a:buChar char="•"/>
+            </a:pPr>
+            <a:endParaRPr lang="en-US" sz="2400" b="1" dirty="0" smtClean="0">
+              <a:solidFill>
+                <a:srgbClr val="FC7500"/>
+              </a:solidFill>
+            </a:endParaRPr>
+          </a:p>
+          <a:p>
+            <a:pPr marL="342900" indent="-342900">
+              <a:buFont typeface="Arial" pitchFamily="34" charset="0"/>
+              <a:buChar char="•"/>
+            </a:pPr>
+            <a:endParaRPr lang="en-US" sz="2400" b="1" dirty="0" smtClean="0">
+              <a:solidFill>
+                <a:srgbClr val="FC7500"/>
+              </a:solidFill>
+            </a:endParaRPr>
+          </a:p>
+          <a:p>
+            <a:pPr marL="342900" indent="-342900">
+              <a:buFont typeface="Arial" pitchFamily="34" charset="0"/>
+              <a:buChar char="•"/>
+            </a:pPr>
+            <a:endParaRPr lang="en-US" sz="2400" b="1" dirty="0">
+              <a:solidFill>
+                <a:srgbClr val="FC7500"/>
+              </a:solidFill>
+            </a:endParaRPr>
+          </a:p>
+          <a:p>
+            <a:pPr marL="342900" indent="-342900">
+              <a:buFont typeface="Arial" pitchFamily="34" charset="0"/>
+              <a:buChar char="•"/>
+            </a:pPr>
+            <a:endParaRPr lang="en-US" sz="2400" dirty="0"/>
+          </a:p>
+        </p:txBody>
+      </p:sp>
+      <p:sp>
+        <p:nvSpPr>
+          <p:cNvPr id="10" name="TextBox 9"/>
+          <p:cNvSpPr txBox="1"/>
+          <p:nvPr/>
+        </p:nvSpPr>
+        <p:spPr>
+          <a:xfrm>
+            <a:off x="240767" y="762000"/>
+            <a:ext cx="6432176" cy="461665"/>
+          </a:xfrm>
+          <a:prstGeom prst="rect">
+            <a:avLst/>
+          </a:prstGeom>
+          <a:solidFill>
+            <a:schemeClr val="tx1">
+              <a:lumMod val="95000"/>
+              <a:lumOff val="5000"/>
+              <a:alpha val="55000"/>
+            </a:schemeClr>
+          </a:solidFill>
+        </p:spPr>
+        <p:txBody>
+          <a:bodyPr wrap="square" rtlCol="0">
+            <a:normAutofit/>
+          </a:bodyPr>
+          <a:lstStyle/>
+          <a:p>
+            <a:r>
+              <a:rPr lang="en-US" sz="2400" b="1" dirty="0" smtClean="0">
+                <a:solidFill>
+                  <a:schemeClr val="bg1"/>
+                </a:solidFill>
+              </a:rPr>
+              <a:t>	How to overcome the difficulties</a:t>
+            </a:r>
+            <a:endParaRPr lang="en-US" sz="2400" b="1" dirty="0">
+              <a:solidFill>
+                <a:schemeClr val="bg1"/>
+              </a:solidFill>
+            </a:endParaRPr>
+          </a:p>
+        </p:txBody>
+      </p:sp>
+    </p:spTree>
+    <p:extLst>
+      <p:ext uri="{BB962C8B-B14F-4D97-AF65-F5344CB8AC3E}">
+        <p14:creationId xmlns:p14="http://schemas.microsoft.com/office/powerpoint/2010/main" val="634503581"/>
+      </p:ext>
+    </p:extLst>
+  </p:cSld>
+  <p:clrMapOvr>
+    <a:masterClrMapping/>
+  </p:clrMapOvr>
+  <mc:AlternateContent xmlns:mc="http://schemas.openxmlformats.org/markup-compatibility/2006" xmlns:p14="http://schemas.microsoft.com/office/powerpoint/2010/main">
+    <mc:Choice Requires="p14">
+      <p:transition spd="slow" p14:dur="2000">
+        <p:blinds dir="vert"/>
+      </p:transition>
+    </mc:Choice>
+    <mc:Fallback xmlns="">
+      <p:transition spd="slow">
+        <p:blinds dir="vert"/>
+      </p:transition>
+    </mc:Fallback>
+  </mc:AlternateContent>
+  <p:timing>
+    <p:tnLst>
+      <p:par>
+        <p:cTn id="1" dur="indefinite" restart="never" nodeType="tmRoot"/>
+      </p:par>
+    </p:tnLst>
+  </p:timing>
+</p:sld>
+</file>
+
+<file path=ppt/slides/slide8.xml><?xml version="1.0" encoding="utf-8"?>
+<p:sld xmlns:a="http://schemas.openxmlformats.org/drawingml/2006/main" xmlns:r="http://schemas.openxmlformats.org/officeDocument/2006/relationships" xmlns:p="http://schemas.openxmlformats.org/presentationml/2006/main">
+  <p:cSld>
+    <p:spTree>
+      <p:nvGrpSpPr>
+        <p:cNvPr id="1" name=""/>
+        <p:cNvGrpSpPr/>
+        <p:nvPr/>
+      </p:nvGrpSpPr>
+      <p:grpSpPr>
+        <a:xfrm>
+          <a:off x="0" y="0"/>
+          <a:ext cx="0" cy="0"/>
+          <a:chOff x="0" y="0"/>
+          <a:chExt cx="0" cy="0"/>
+        </a:xfrm>
+      </p:grpSpPr>
+      <p:sp>
+        <p:nvSpPr>
+          <p:cNvPr id="15" name="Rectangle 14"/>
+          <p:cNvSpPr/>
+          <p:nvPr/>
+        </p:nvSpPr>
+        <p:spPr>
+          <a:xfrm>
+            <a:off x="240475" y="240475"/>
+            <a:ext cx="8686800" cy="6400800"/>
+          </a:xfrm>
+          <a:prstGeom prst="rect">
+            <a:avLst/>
+          </a:prstGeom>
+          <a:solidFill>
+            <a:schemeClr val="bg1"/>
+          </a:solidFill>
+          <a:ln>
+            <a:noFill/>
+          </a:ln>
+        </p:spPr>
+        <p:style>
+          <a:lnRef idx="2">
+            <a:schemeClr val="accent1">
+              <a:shade val="50000"/>
+            </a:schemeClr>
+          </a:lnRef>
+          <a:fillRef idx="1">
+            <a:schemeClr val="accent1"/>
+          </a:fillRef>
+          <a:effectRef idx="0">
+            <a:schemeClr val="accent1"/>
+          </a:effectRef>
+          <a:fontRef idx="minor">
+            <a:schemeClr val="lt1"/>
+          </a:fontRef>
+        </p:style>
+        <p:txBody>
+          <a:bodyPr rtlCol="0" anchor="ctr"/>
+          <a:lstStyle/>
+          <a:p>
+            <a:pPr algn="ctr"/>
+            <a:endParaRPr lang="en-US"/>
+          </a:p>
+        </p:txBody>
+      </p:sp>
+      <p:sp>
+        <p:nvSpPr>
+          <p:cNvPr id="16" name="Rectangle 15"/>
+          <p:cNvSpPr/>
+          <p:nvPr/>
+        </p:nvSpPr>
+        <p:spPr>
+          <a:xfrm>
+            <a:off x="188259" y="188259"/>
+            <a:ext cx="8776448" cy="6490448"/>
+          </a:xfrm>
+          <a:prstGeom prst="rect">
+            <a:avLst/>
+          </a:prstGeom>
+          <a:noFill/>
+          <a:ln w="31750">
+            <a:solidFill>
+              <a:schemeClr val="bg1"/>
+            </a:solidFill>
+          </a:ln>
+        </p:spPr>
+        <p:style>
+          <a:lnRef idx="2">
+            <a:schemeClr val="accent1">
+              <a:shade val="50000"/>
+            </a:schemeClr>
+          </a:lnRef>
+          <a:fillRef idx="1">
+            <a:schemeClr val="accent1"/>
+          </a:fillRef>
+          <a:effectRef idx="0">
+            <a:schemeClr val="accent1"/>
+          </a:effectRef>
+          <a:fontRef idx="minor">
+            <a:schemeClr val="lt1"/>
+          </a:fontRef>
+        </p:style>
+        <p:txBody>
+          <a:bodyPr rtlCol="0" anchor="ctr"/>
+          <a:lstStyle/>
+          <a:p>
+            <a:pPr algn="ctr"/>
+            <a:endParaRPr lang="en-US"/>
+          </a:p>
+        </p:txBody>
+      </p:sp>
+      <p:sp>
+        <p:nvSpPr>
+          <p:cNvPr id="9" name="TextBox 8"/>
+          <p:cNvSpPr txBox="1"/>
+          <p:nvPr/>
+        </p:nvSpPr>
+        <p:spPr>
+          <a:xfrm>
+            <a:off x="1143000" y="1828799"/>
+            <a:ext cx="6781800" cy="4648201"/>
+          </a:xfrm>
+          <a:prstGeom prst="rect">
+            <a:avLst/>
+          </a:prstGeom>
+          <a:noFill/>
+        </p:spPr>
+        <p:txBody>
+          <a:bodyPr wrap="square" rtlCol="0">
+            <a:normAutofit/>
+          </a:bodyPr>
+          <a:lstStyle/>
+          <a:p>
+            <a:pPr marL="342900" indent="-342900">
+              <a:buFont typeface="Arial" pitchFamily="34" charset="0"/>
+              <a:buChar char="•"/>
+            </a:pPr>
+            <a:r>
+              <a:rPr lang="en-US" sz="2400" b="1" dirty="0" smtClean="0">
+                <a:solidFill>
+                  <a:srgbClr val="FC7500"/>
+                </a:solidFill>
+              </a:rPr>
+              <a:t>User Management System</a:t>
+            </a:r>
+          </a:p>
+          <a:p>
+            <a:pPr marL="800100" lvl="1" indent="-342900">
+              <a:buFont typeface="Arial" pitchFamily="34" charset="0"/>
+              <a:buChar char="•"/>
+            </a:pPr>
+            <a:r>
+              <a:rPr lang="en-US" sz="2400" b="1" dirty="0" smtClean="0">
+                <a:solidFill>
+                  <a:srgbClr val="FC7500"/>
+                </a:solidFill>
+              </a:rPr>
+              <a:t>Register </a:t>
+            </a:r>
+          </a:p>
+          <a:p>
+            <a:pPr marL="800100" lvl="1" indent="-342900">
+              <a:buFont typeface="Arial" pitchFamily="34" charset="0"/>
+              <a:buChar char="•"/>
+            </a:pPr>
+            <a:r>
+              <a:rPr lang="en-US" sz="2400" b="1" dirty="0" smtClean="0">
+                <a:solidFill>
+                  <a:srgbClr val="FC7500"/>
+                </a:solidFill>
+              </a:rPr>
+              <a:t>Login*</a:t>
+            </a:r>
+          </a:p>
+          <a:p>
+            <a:pPr marL="800100" lvl="1" indent="-342900">
+              <a:buFont typeface="Arial" pitchFamily="34" charset="0"/>
+              <a:buChar char="•"/>
+            </a:pPr>
+            <a:r>
+              <a:rPr lang="en-US" sz="2400" b="1" dirty="0" smtClean="0">
+                <a:solidFill>
+                  <a:srgbClr val="FC7500"/>
+                </a:solidFill>
+              </a:rPr>
+              <a:t>Logout*</a:t>
+            </a:r>
+          </a:p>
+          <a:p>
+            <a:pPr marL="800100" lvl="1" indent="-342900">
+              <a:buFont typeface="Arial" pitchFamily="34" charset="0"/>
+              <a:buChar char="•"/>
+            </a:pPr>
+            <a:r>
+              <a:rPr lang="en-US" sz="2400" b="1" dirty="0" smtClean="0">
+                <a:solidFill>
+                  <a:srgbClr val="FC7500"/>
+                </a:solidFill>
+              </a:rPr>
+              <a:t>Setting</a:t>
+            </a:r>
+          </a:p>
+          <a:p>
+            <a:pPr marL="342900" indent="-342900">
+              <a:buFont typeface="Arial" pitchFamily="34" charset="0"/>
+              <a:buChar char="•"/>
+            </a:pPr>
+            <a:r>
+              <a:rPr lang="en-US" sz="2400" b="1" dirty="0" smtClean="0">
+                <a:solidFill>
+                  <a:srgbClr val="FC7500"/>
+                </a:solidFill>
+              </a:rPr>
+              <a:t>News Display System</a:t>
+            </a:r>
+          </a:p>
+          <a:p>
+            <a:pPr marL="800100" lvl="1" indent="-342900">
+              <a:buFont typeface="Arial" pitchFamily="34" charset="0"/>
+              <a:buChar char="•"/>
+            </a:pPr>
+            <a:r>
+              <a:rPr lang="en-US" sz="2400" b="1" dirty="0" smtClean="0">
+                <a:solidFill>
+                  <a:srgbClr val="FC7500"/>
+                </a:solidFill>
+              </a:rPr>
+              <a:t>Display news related to HK stock market*</a:t>
+            </a:r>
+          </a:p>
+          <a:p>
+            <a:pPr marL="342900" indent="-342900">
+              <a:buFont typeface="Arial" pitchFamily="34" charset="0"/>
+              <a:buChar char="•"/>
+            </a:pPr>
+            <a:r>
+              <a:rPr lang="en-US" sz="2400" b="1" dirty="0" smtClean="0">
+                <a:solidFill>
+                  <a:srgbClr val="FC7500"/>
+                </a:solidFill>
+              </a:rPr>
+              <a:t>Stock Searching Engine</a:t>
+            </a:r>
+          </a:p>
+          <a:p>
+            <a:pPr marL="800100" lvl="1" indent="-342900">
+              <a:buFont typeface="Arial" pitchFamily="34" charset="0"/>
+              <a:buChar char="•"/>
+            </a:pPr>
+            <a:r>
+              <a:rPr lang="en-US" sz="2400" b="1" dirty="0" smtClean="0">
+                <a:solidFill>
+                  <a:srgbClr val="FC7500"/>
+                </a:solidFill>
+              </a:rPr>
+              <a:t>Search stock real-time information*</a:t>
+            </a:r>
+          </a:p>
+          <a:p>
+            <a:pPr marL="342900" indent="-342900">
+              <a:buFont typeface="Arial" pitchFamily="34" charset="0"/>
+              <a:buChar char="•"/>
+            </a:pPr>
+            <a:endParaRPr lang="en-US" sz="2400" b="1" dirty="0">
+              <a:solidFill>
+                <a:srgbClr val="FC7500"/>
+              </a:solidFill>
+            </a:endParaRPr>
+          </a:p>
+          <a:p>
+            <a:pPr marL="342900" indent="-342900">
+              <a:buFont typeface="Arial" pitchFamily="34" charset="0"/>
+              <a:buChar char="•"/>
+            </a:pPr>
+            <a:endParaRPr lang="en-US" sz="2400" dirty="0"/>
+          </a:p>
+        </p:txBody>
+      </p:sp>
+      <p:sp>
+        <p:nvSpPr>
+          <p:cNvPr id="10" name="TextBox 9"/>
+          <p:cNvSpPr txBox="1"/>
+          <p:nvPr/>
+        </p:nvSpPr>
+        <p:spPr>
+          <a:xfrm>
+            <a:off x="240767" y="762000"/>
+            <a:ext cx="6432176" cy="461665"/>
+          </a:xfrm>
+          <a:prstGeom prst="rect">
+            <a:avLst/>
+          </a:prstGeom>
+          <a:solidFill>
+            <a:schemeClr val="tx1">
+              <a:lumMod val="95000"/>
+              <a:lumOff val="5000"/>
+              <a:alpha val="55000"/>
+            </a:schemeClr>
+          </a:solidFill>
+        </p:spPr>
+        <p:txBody>
+          <a:bodyPr wrap="square" rtlCol="0">
+            <a:normAutofit/>
+          </a:bodyPr>
+          <a:lstStyle/>
+          <a:p>
+            <a:r>
+              <a:rPr lang="en-US" sz="2400" b="1" dirty="0" smtClean="0">
+                <a:solidFill>
+                  <a:schemeClr val="bg1"/>
+                </a:solidFill>
+              </a:rPr>
+              <a:t>	Functions of the Program</a:t>
+            </a:r>
+            <a:endParaRPr lang="en-US" sz="2400" b="1" dirty="0">
+              <a:solidFill>
+                <a:schemeClr val="bg1"/>
+              </a:solidFill>
+            </a:endParaRPr>
+          </a:p>
+        </p:txBody>
+      </p:sp>
+    </p:spTree>
+    <p:extLst>
+      <p:ext uri="{BB962C8B-B14F-4D97-AF65-F5344CB8AC3E}">
+        <p14:creationId xmlns:p14="http://schemas.microsoft.com/office/powerpoint/2010/main" val="3014808409"/>
+      </p:ext>
+    </p:extLst>
+  </p:cSld>
+  <p:clrMapOvr>
+    <a:masterClrMapping/>
+  </p:clrMapOvr>
+  <mc:AlternateContent xmlns:mc="http://schemas.openxmlformats.org/markup-compatibility/2006" xmlns:p14="http://schemas.microsoft.com/office/powerpoint/2010/main">
+    <mc:Choice Requires="p14">
+      <p:transition spd="slow" p14:dur="2000">
+        <p:blinds dir="vert"/>
+      </p:transition>
+    </mc:Choice>
+    <mc:Fallback xmlns="">
+      <p:transition spd="slow">
+        <p:blinds dir="vert"/>
+      </p:transition>
+    </mc:Fallback>
+  </mc:AlternateContent>
+  <p:timing>
+    <p:tnLst>
+      <p:par>
+        <p:cTn id="1" dur="indefinite" restart="never" nodeType="tmRoot"/>
+      </p:par>
+    </p:tnLst>
+  </p:timing>
+</p:sld>
+</file>
+
+<file path=ppt/slides/slide9.xml><?xml version="1.0" encoding="utf-8"?>
+<p:sld xmlns:a="http://schemas.openxmlformats.org/drawingml/2006/main" xmlns:r="http://schemas.openxmlformats.org/officeDocument/2006/relationships" xmlns:p="http://schemas.openxmlformats.org/presentationml/2006/main">
+  <p:cSld>
+    <p:spTree>
+      <p:nvGrpSpPr>
+        <p:cNvPr id="1" name=""/>
+        <p:cNvGrpSpPr/>
+        <p:nvPr/>
+      </p:nvGrpSpPr>
+      <p:grpSpPr>
+        <a:xfrm>
+          <a:off x="0" y="0"/>
+          <a:ext cx="0" cy="0"/>
+          <a:chOff x="0" y="0"/>
+          <a:chExt cx="0" cy="0"/>
+        </a:xfrm>
+      </p:grpSpPr>
+      <p:sp>
+        <p:nvSpPr>
+          <p:cNvPr id="15" name="Rectangle 14"/>
+          <p:cNvSpPr/>
+          <p:nvPr/>
+        </p:nvSpPr>
+        <p:spPr>
+          <a:xfrm>
+            <a:off x="240475" y="240475"/>
+            <a:ext cx="8686800" cy="6400800"/>
+          </a:xfrm>
+          <a:prstGeom prst="rect">
+            <a:avLst/>
+          </a:prstGeom>
+          <a:solidFill>
+            <a:schemeClr val="bg1"/>
+          </a:solidFill>
+          <a:ln>
+            <a:noFill/>
+          </a:ln>
+        </p:spPr>
+        <p:style>
+          <a:lnRef idx="2">
+            <a:schemeClr val="accent1">
+              <a:shade val="50000"/>
+            </a:schemeClr>
+          </a:lnRef>
+          <a:fillRef idx="1">
+            <a:schemeClr val="accent1"/>
+          </a:fillRef>
+          <a:effectRef idx="0">
+            <a:schemeClr val="accent1"/>
+          </a:effectRef>
+          <a:fontRef idx="minor">
+            <a:schemeClr val="lt1"/>
+          </a:fontRef>
+        </p:style>
+        <p:txBody>
+          <a:bodyPr rtlCol="0" anchor="ctr"/>
+          <a:lstStyle/>
+          <a:p>
+            <a:pPr algn="ctr"/>
+            <a:endParaRPr lang="en-US"/>
+          </a:p>
+        </p:txBody>
+      </p:sp>
+      <p:sp>
+        <p:nvSpPr>
+          <p:cNvPr id="16" name="Rectangle 15"/>
+          <p:cNvSpPr/>
+          <p:nvPr/>
+        </p:nvSpPr>
+        <p:spPr>
+          <a:xfrm>
+            <a:off x="188259" y="188259"/>
+            <a:ext cx="8776448" cy="6490448"/>
+          </a:xfrm>
+          <a:prstGeom prst="rect">
+            <a:avLst/>
+          </a:prstGeom>
+          <a:noFill/>
+          <a:ln w="31750">
+            <a:solidFill>
+              <a:schemeClr val="bg1"/>
+            </a:solidFill>
+          </a:ln>
+        </p:spPr>
+        <p:style>
+          <a:lnRef idx="2">
+            <a:schemeClr val="accent1">
+              <a:shade val="50000"/>
+            </a:schemeClr>
+          </a:lnRef>
+          <a:fillRef idx="1">
+            <a:schemeClr val="accent1"/>
+          </a:fillRef>
+          <a:effectRef idx="0">
+            <a:schemeClr val="accent1"/>
+          </a:effectRef>
+          <a:fontRef idx="minor">
+            <a:schemeClr val="lt1"/>
+          </a:fontRef>
+        </p:style>
+        <p:txBody>
+          <a:bodyPr rtlCol="0" anchor="ctr"/>
+          <a:lstStyle/>
+          <a:p>
+            <a:pPr algn="ctr"/>
+            <a:endParaRPr lang="en-US"/>
+          </a:p>
+        </p:txBody>
+      </p:sp>
+      <p:sp>
+        <p:nvSpPr>
+          <p:cNvPr id="9" name="TextBox 8"/>
+          <p:cNvSpPr txBox="1"/>
+          <p:nvPr/>
+        </p:nvSpPr>
+        <p:spPr>
+          <a:xfrm>
+            <a:off x="1143000" y="1828799"/>
+            <a:ext cx="6781800" cy="4648201"/>
+          </a:xfrm>
+          <a:prstGeom prst="rect">
+            <a:avLst/>
+          </a:prstGeom>
+          <a:noFill/>
+        </p:spPr>
+        <p:txBody>
+          <a:bodyPr wrap="square" rtlCol="0">
+            <a:normAutofit/>
+          </a:bodyPr>
+          <a:lstStyle/>
+          <a:p>
+            <a:pPr marL="342900" indent="-342900">
+              <a:buFont typeface="Arial" pitchFamily="34" charset="0"/>
+              <a:buChar char="•"/>
+            </a:pPr>
+            <a:r>
+              <a:rPr lang="en-US" sz="2400" b="1" dirty="0">
+                <a:solidFill>
+                  <a:srgbClr val="FC7500"/>
+                </a:solidFill>
+              </a:rPr>
+              <a:t>Stock Monitoring System</a:t>
+            </a:r>
+          </a:p>
+          <a:p>
+            <a:pPr marL="800100" lvl="1" indent="-342900">
+              <a:buFont typeface="Arial" pitchFamily="34" charset="0"/>
+              <a:buChar char="•"/>
+            </a:pPr>
+            <a:r>
+              <a:rPr lang="en-US" sz="2400" b="1" dirty="0" smtClean="0">
+                <a:solidFill>
+                  <a:srgbClr val="FC7500"/>
+                </a:solidFill>
+              </a:rPr>
+              <a:t>Stock price tracking*</a:t>
+            </a:r>
+            <a:endParaRPr lang="en-US" sz="2400" b="1" dirty="0">
+              <a:solidFill>
+                <a:srgbClr val="FC7500"/>
+              </a:solidFill>
+            </a:endParaRPr>
+          </a:p>
+          <a:p>
+            <a:pPr marL="342900" indent="-342900">
+              <a:buFont typeface="Arial" pitchFamily="34" charset="0"/>
+              <a:buChar char="•"/>
+            </a:pPr>
+            <a:r>
+              <a:rPr lang="en-US" sz="2400" b="1" dirty="0">
+                <a:solidFill>
+                  <a:srgbClr val="FC7500"/>
+                </a:solidFill>
+              </a:rPr>
+              <a:t>Notification </a:t>
+            </a:r>
+            <a:r>
+              <a:rPr lang="en-US" sz="2400" b="1" dirty="0" smtClean="0">
+                <a:solidFill>
+                  <a:srgbClr val="FC7500"/>
+                </a:solidFill>
+              </a:rPr>
+              <a:t>System</a:t>
+            </a:r>
+          </a:p>
+          <a:p>
+            <a:pPr marL="800100" lvl="1" indent="-342900">
+              <a:buFont typeface="Arial" pitchFamily="34" charset="0"/>
+              <a:buChar char="•"/>
+            </a:pPr>
+            <a:r>
+              <a:rPr lang="en-US" sz="2400" b="1" dirty="0" smtClean="0">
+                <a:solidFill>
+                  <a:srgbClr val="FC7500"/>
+                </a:solidFill>
+              </a:rPr>
+              <a:t>Notification for custom stock conditions.</a:t>
+            </a:r>
+            <a:endParaRPr lang="en-US" sz="2400" b="1" dirty="0">
+              <a:solidFill>
+                <a:srgbClr val="FC7500"/>
+              </a:solidFill>
+            </a:endParaRPr>
+          </a:p>
+          <a:p>
+            <a:pPr marL="342900" indent="-342900">
+              <a:buFont typeface="Arial" pitchFamily="34" charset="0"/>
+              <a:buChar char="•"/>
+            </a:pPr>
+            <a:r>
+              <a:rPr lang="en-US" sz="2400" b="1" dirty="0" smtClean="0">
+                <a:solidFill>
+                  <a:srgbClr val="FC7500"/>
+                </a:solidFill>
+              </a:rPr>
+              <a:t>Administration System</a:t>
+            </a:r>
+          </a:p>
+          <a:p>
+            <a:pPr marL="800100" lvl="1" indent="-342900">
+              <a:buFont typeface="Arial" pitchFamily="34" charset="0"/>
+              <a:buChar char="•"/>
+            </a:pPr>
+            <a:r>
+              <a:rPr lang="en-US" sz="2400" b="1" dirty="0" smtClean="0">
+                <a:solidFill>
+                  <a:srgbClr val="FC7500"/>
+                </a:solidFill>
+              </a:rPr>
+              <a:t>Modify </a:t>
+            </a:r>
+            <a:r>
+              <a:rPr lang="en-US" sz="2400" b="1" dirty="0">
+                <a:solidFill>
+                  <a:srgbClr val="FC7500"/>
+                </a:solidFill>
+              </a:rPr>
+              <a:t>user information</a:t>
+            </a:r>
+          </a:p>
+          <a:p>
+            <a:pPr marL="800100" lvl="1" indent="-342900">
+              <a:buFont typeface="Arial" pitchFamily="34" charset="0"/>
+              <a:buChar char="•"/>
+            </a:pPr>
+            <a:r>
+              <a:rPr lang="en-US" sz="2400" b="1" dirty="0">
+                <a:solidFill>
+                  <a:srgbClr val="FC7500"/>
+                </a:solidFill>
+              </a:rPr>
+              <a:t>Member </a:t>
+            </a:r>
+            <a:r>
+              <a:rPr lang="en-US" sz="2400" b="1" dirty="0" smtClean="0">
+                <a:solidFill>
+                  <a:srgbClr val="FC7500"/>
+                </a:solidFill>
+              </a:rPr>
+              <a:t>authorization</a:t>
+            </a:r>
+          </a:p>
+          <a:p>
+            <a:pPr marL="800100" lvl="1" indent="-342900">
+              <a:buFont typeface="Arial" pitchFamily="34" charset="0"/>
+              <a:buChar char="•"/>
+            </a:pPr>
+            <a:r>
+              <a:rPr lang="en-US" sz="2400" b="1" dirty="0" smtClean="0">
+                <a:solidFill>
+                  <a:srgbClr val="FC7500"/>
+                </a:solidFill>
+              </a:rPr>
+              <a:t>System statistics</a:t>
+            </a:r>
+            <a:endParaRPr lang="en-US" sz="2400" b="1" dirty="0">
+              <a:solidFill>
+                <a:srgbClr val="FC7500"/>
+              </a:solidFill>
+            </a:endParaRPr>
+          </a:p>
+          <a:p>
+            <a:endParaRPr lang="en-US" sz="2400" b="1" dirty="0">
+              <a:solidFill>
+                <a:srgbClr val="FC7500"/>
+              </a:solidFill>
+            </a:endParaRPr>
+          </a:p>
+          <a:p>
+            <a:pPr marL="342900" indent="-342900">
+              <a:buFont typeface="Arial" pitchFamily="34" charset="0"/>
+              <a:buChar char="•"/>
+            </a:pPr>
+            <a:endParaRPr lang="en-US" sz="2400" b="1" dirty="0">
+              <a:solidFill>
+                <a:srgbClr val="FC7500"/>
+              </a:solidFill>
+            </a:endParaRPr>
+          </a:p>
+          <a:p>
+            <a:pPr marL="342900" indent="-342900">
+              <a:buFont typeface="Arial" pitchFamily="34" charset="0"/>
+              <a:buChar char="•"/>
+            </a:pPr>
+            <a:endParaRPr lang="en-US" sz="2400" dirty="0"/>
+          </a:p>
+        </p:txBody>
+      </p:sp>
+      <p:sp>
+        <p:nvSpPr>
+          <p:cNvPr id="10" name="TextBox 9"/>
+          <p:cNvSpPr txBox="1"/>
+          <p:nvPr/>
+        </p:nvSpPr>
+        <p:spPr>
+          <a:xfrm>
+            <a:off x="240767" y="762000"/>
+            <a:ext cx="6432176" cy="461665"/>
+          </a:xfrm>
+          <a:prstGeom prst="rect">
+            <a:avLst/>
+          </a:prstGeom>
+          <a:solidFill>
+            <a:schemeClr val="tx1">
+              <a:lumMod val="95000"/>
+              <a:lumOff val="5000"/>
+              <a:alpha val="55000"/>
+            </a:schemeClr>
+          </a:solidFill>
+        </p:spPr>
+        <p:txBody>
+          <a:bodyPr wrap="square" rtlCol="0">
+            <a:normAutofit/>
+          </a:bodyPr>
+          <a:lstStyle/>
+          <a:p>
+            <a:r>
+              <a:rPr lang="en-US" sz="2400" b="1" dirty="0" smtClean="0">
+                <a:solidFill>
+                  <a:schemeClr val="bg1"/>
+                </a:solidFill>
+              </a:rPr>
+              <a:t>	Functions of the Program</a:t>
+            </a:r>
+            <a:endParaRPr lang="en-US" sz="2400" b="1" dirty="0">
+              <a:solidFill>
+                <a:schemeClr val="bg1"/>
+              </a:solidFill>
+            </a:endParaRPr>
+          </a:p>
+        </p:txBody>
+      </p:sp>
+    </p:spTree>
+    <p:extLst>
+      <p:ext uri="{BB962C8B-B14F-4D97-AF65-F5344CB8AC3E}">
+        <p14:creationId xmlns:p14="http://schemas.microsoft.com/office/powerpoint/2010/main" val="3337177962"/>
+      </p:ext>
+    </p:extLst>
+  </p:cSld>
+  <p:clrMapOvr>
+    <a:masterClrMapping/>
+  </p:clrMapOvr>
+  <mc:AlternateContent xmlns:mc="http://schemas.openxmlformats.org/markup-compatibility/2006" xmlns:p14="http://schemas.microsoft.com/office/powerpoint/2010/main">
+    <mc:Choice Requires="p14">
+      <p:transition spd="slow" p14:dur="2000">
+        <p:blinds dir="vert"/>
+      </p:transition>
+    </mc:Choice>
+    <mc:Fallback xmlns="">
+      <p:transition spd="slow">
+        <p:blinds dir="vert"/>
+      </p:transition>
+    </mc:Fallback>
+  </mc:AlternateContent>
+  <p:timing>
+    <p:tnLst>
+      <p:par>
+        <p:cTn id="1" dur="indefinite" restart="never" nodeType="tmRoot"/>
+      </p:par>
+    </p:tnLst>
   </p:timing>
 </p:sld>
 </file>

--- a/phrase 5 submission/Presentation3.pptx
+++ b/phrase 5 submission/Presentation3.pptx
@@ -226,7 +226,7 @@
           <a:p>
             <a:fld id="{744D7EC3-CD50-4DA5-B722-330229C0073D}" type="datetimeFigureOut">
               <a:rPr lang="en-US" smtClean="0"/>
-              <a:t>11/30/2015</a:t>
+              <a:t>12/2/2015</a:t>
             </a:fld>
             <a:endParaRPr lang="en-US"/>
           </a:p>
@@ -391,7 +391,7 @@
           <a:p>
             <a:fld id="{85BE0011-04E0-4F3F-BFCE-633C944A425A}" type="datetimeFigureOut">
               <a:rPr lang="en-US" smtClean="0"/>
-              <a:t>11/30/2015</a:t>
+              <a:t>12/2/2015</a:t>
             </a:fld>
             <a:endParaRPr lang="en-US"/>
           </a:p>
@@ -4157,7 +4157,7 @@
             <a:fld id="{EFEED2B4-868F-4681-9E70-FF7ECCDC67D4}" type="datetimeFigureOut">
               <a:rPr lang="en-US" smtClean="0"/>
               <a:pPr/>
-              <a:t>11/30/2015</a:t>
+              <a:t>12/2/2015</a:t>
             </a:fld>
             <a:endParaRPr lang="en-US" dirty="0"/>
           </a:p>
@@ -4423,7 +4423,7 @@
           <a:p>
             <a:fld id="{EFEED2B4-868F-4681-9E70-FF7ECCDC67D4}" type="datetimeFigureOut">
               <a:rPr lang="en-US" smtClean="0"/>
-              <a:t>11/30/2015</a:t>
+              <a:t>12/2/2015</a:t>
             </a:fld>
             <a:endParaRPr lang="en-US"/>
           </a:p>
@@ -5133,7 +5133,7 @@
           <a:p>
             <a:fld id="{EFEED2B4-868F-4681-9E70-FF7ECCDC67D4}" type="datetimeFigureOut">
               <a:rPr lang="en-US" smtClean="0"/>
-              <a:t>11/30/2015</a:t>
+              <a:t>12/2/2015</a:t>
             </a:fld>
             <a:endParaRPr lang="en-US"/>
           </a:p>
@@ -5743,7 +5743,7 @@
             <a:fld id="{EFEED2B4-868F-4681-9E70-FF7ECCDC67D4}" type="datetimeFigureOut">
               <a:rPr lang="en-US" smtClean="0"/>
               <a:pPr/>
-              <a:t>11/30/2015</a:t>
+              <a:t>12/2/2015</a:t>
             </a:fld>
             <a:endParaRPr lang="en-US" dirty="0"/>
           </a:p>
@@ -5897,7 +5897,7 @@
           <a:p>
             <a:fld id="{EFEED2B4-868F-4681-9E70-FF7ECCDC67D4}" type="datetimeFigureOut">
               <a:rPr lang="en-US" smtClean="0"/>
-              <a:t>11/30/2015</a:t>
+              <a:t>12/2/2015</a:t>
             </a:fld>
             <a:endParaRPr lang="en-US"/>
           </a:p>
@@ -6416,7 +6416,7 @@
           <a:p>
             <a:fld id="{EFEED2B4-868F-4681-9E70-FF7ECCDC67D4}" type="datetimeFigureOut">
               <a:rPr lang="en-US" smtClean="0"/>
-              <a:t>11/30/2015</a:t>
+              <a:t>12/2/2015</a:t>
             </a:fld>
             <a:endParaRPr lang="en-US"/>
           </a:p>
@@ -6958,7 +6958,7 @@
           <a:p>
             <a:fld id="{EFEED2B4-868F-4681-9E70-FF7ECCDC67D4}" type="datetimeFigureOut">
               <a:rPr lang="en-US" smtClean="0"/>
-              <a:t>11/30/2015</a:t>
+              <a:t>12/2/2015</a:t>
             </a:fld>
             <a:endParaRPr lang="en-US"/>
           </a:p>
@@ -7526,7 +7526,7 @@
           <a:p>
             <a:fld id="{EFEED2B4-868F-4681-9E70-FF7ECCDC67D4}" type="datetimeFigureOut">
               <a:rPr lang="en-US" smtClean="0"/>
-              <a:t>11/30/2015</a:t>
+              <a:t>12/2/2015</a:t>
             </a:fld>
             <a:endParaRPr lang="en-US"/>
           </a:p>
@@ -8584,7 +8584,7 @@
             <a:fld id="{EFEED2B4-868F-4681-9E70-FF7ECCDC67D4}" type="datetimeFigureOut">
               <a:rPr lang="en-US" smtClean="0"/>
               <a:pPr/>
-              <a:t>11/30/2015</a:t>
+              <a:t>12/2/2015</a:t>
             </a:fld>
             <a:endParaRPr lang="en-US" dirty="0"/>
           </a:p>
@@ -9031,7 +9031,7 @@
           <a:p>
             <a:fld id="{EFEED2B4-868F-4681-9E70-FF7ECCDC67D4}" type="datetimeFigureOut">
               <a:rPr lang="en-US" smtClean="0"/>
-              <a:t>11/30/2015</a:t>
+              <a:t>12/2/2015</a:t>
             </a:fld>
             <a:endParaRPr lang="en-US"/>
           </a:p>
@@ -9416,7 +9416,7 @@
           <a:p>
             <a:fld id="{EFEED2B4-868F-4681-9E70-FF7ECCDC67D4}" type="datetimeFigureOut">
               <a:rPr lang="en-US" smtClean="0"/>
-              <a:t>11/30/2015</a:t>
+              <a:t>12/2/2015</a:t>
             </a:fld>
             <a:endParaRPr lang="en-US"/>
           </a:p>
@@ -9977,7 +9977,7 @@
           <a:p>
             <a:fld id="{EFEED2B4-868F-4681-9E70-FF7ECCDC67D4}" type="datetimeFigureOut">
               <a:rPr lang="en-US" smtClean="0"/>
-              <a:t>11/30/2015</a:t>
+              <a:t>12/2/2015</a:t>
             </a:fld>
             <a:endParaRPr lang="en-US"/>
           </a:p>
@@ -10094,7 +10094,7 @@
           <a:p>
             <a:fld id="{EFEED2B4-868F-4681-9E70-FF7ECCDC67D4}" type="datetimeFigureOut">
               <a:rPr lang="en-US" smtClean="0"/>
-              <a:t>11/30/2015</a:t>
+              <a:t>12/2/2015</a:t>
             </a:fld>
             <a:endParaRPr lang="en-US"/>
           </a:p>
@@ -11610,7 +11610,7 @@
           <a:p>
             <a:fld id="{EFEED2B4-868F-4681-9E70-FF7ECCDC67D4}" type="datetimeFigureOut">
               <a:rPr lang="en-US" smtClean="0"/>
-              <a:t>11/30/2015</a:t>
+              <a:t>12/2/2015</a:t>
             </a:fld>
             <a:endParaRPr lang="en-US"/>
           </a:p>
@@ -12772,7 +12772,7 @@
           <a:p>
             <a:fld id="{EFEED2B4-868F-4681-9E70-FF7ECCDC67D4}" type="datetimeFigureOut">
               <a:rPr lang="en-US" smtClean="0"/>
-              <a:t>11/30/2015</a:t>
+              <a:t>12/2/2015</a:t>
             </a:fld>
             <a:endParaRPr lang="en-US"/>
           </a:p>
@@ -13151,7 +13151,7 @@
             <a:fld id="{EFEED2B4-868F-4681-9E70-FF7ECCDC67D4}" type="datetimeFigureOut">
               <a:rPr lang="en-US" smtClean="0"/>
               <a:pPr/>
-              <a:t>11/30/2015</a:t>
+              <a:t>12/2/2015</a:t>
             </a:fld>
             <a:endParaRPr lang="en-US" dirty="0"/>
           </a:p>
@@ -13448,7 +13448,7 @@
             <a:fld id="{EFEED2B4-868F-4681-9E70-FF7ECCDC67D4}" type="datetimeFigureOut">
               <a:rPr lang="en-US" smtClean="0"/>
               <a:pPr/>
-              <a:t>11/30/2015</a:t>
+              <a:t>12/2/2015</a:t>
             </a:fld>
             <a:endParaRPr lang="en-US" dirty="0"/>
           </a:p>
@@ -13924,7 +13924,7 @@
             <a:fld id="{EFEED2B4-868F-4681-9E70-FF7ECCDC67D4}" type="datetimeFigureOut">
               <a:rPr lang="en-US" smtClean="0"/>
               <a:pPr/>
-              <a:t>11/30/2015</a:t>
+              <a:t>12/2/2015</a:t>
             </a:fld>
             <a:endParaRPr lang="en-US" dirty="0"/>
           </a:p>
@@ -14207,7 +14207,7 @@
           <a:p>
             <a:fld id="{EFEED2B4-868F-4681-9E70-FF7ECCDC67D4}" type="datetimeFigureOut">
               <a:rPr lang="en-US" smtClean="0"/>
-              <a:t>11/30/2015</a:t>
+              <a:t>12/2/2015</a:t>
             </a:fld>
             <a:endParaRPr lang="en-US"/>
           </a:p>
@@ -14421,7 +14421,7 @@
           <a:p>
             <a:fld id="{EFEED2B4-868F-4681-9E70-FF7ECCDC67D4}" type="datetimeFigureOut">
               <a:rPr lang="en-US" smtClean="0"/>
-              <a:t>11/30/2015</a:t>
+              <a:t>12/2/2015</a:t>
             </a:fld>
             <a:endParaRPr lang="en-US"/>
           </a:p>
@@ -14832,7 +14832,7 @@
           <a:p>
             <a:fld id="{EFEED2B4-868F-4681-9E70-FF7ECCDC67D4}" type="datetimeFigureOut">
               <a:rPr lang="en-US" smtClean="0"/>
-              <a:t>11/30/2015</a:t>
+              <a:t>12/2/2015</a:t>
             </a:fld>
             <a:endParaRPr lang="en-US"/>
           </a:p>
@@ -15108,7 +15108,7 @@
           <a:p>
             <a:fld id="{EFEED2B4-868F-4681-9E70-FF7ECCDC67D4}" type="datetimeFigureOut">
               <a:rPr lang="en-US" smtClean="0"/>
-              <a:t>11/30/2015</a:t>
+              <a:t>12/2/2015</a:t>
             </a:fld>
             <a:endParaRPr lang="en-US"/>
           </a:p>
@@ -15545,7 +15545,7 @@
           <a:p>
             <a:fld id="{EFEED2B4-868F-4681-9E70-FF7ECCDC67D4}" type="datetimeFigureOut">
               <a:rPr lang="en-US" smtClean="0"/>
-              <a:t>11/30/2015</a:t>
+              <a:t>12/2/2015</a:t>
             </a:fld>
             <a:endParaRPr lang="en-US"/>
           </a:p>
@@ -15766,7 +15766,7 @@
           <a:p>
             <a:fld id="{EFEED2B4-868F-4681-9E70-FF7ECCDC67D4}" type="datetimeFigureOut">
               <a:rPr lang="en-US" smtClean="0"/>
-              <a:t>11/30/2015</a:t>
+              <a:t>12/2/2015</a:t>
             </a:fld>
             <a:endParaRPr lang="en-US"/>
           </a:p>
@@ -16256,7 +16256,7 @@
           <a:p>
             <a:fld id="{EFEED2B4-868F-4681-9E70-FF7ECCDC67D4}" type="datetimeFigureOut">
               <a:rPr lang="en-US" smtClean="0"/>
-              <a:t>11/30/2015</a:t>
+              <a:t>12/2/2015</a:t>
             </a:fld>
             <a:endParaRPr lang="en-US"/>
           </a:p>
@@ -16410,7 +16410,7 @@
             <a:fld id="{EFEED2B4-868F-4681-9E70-FF7ECCDC67D4}" type="datetimeFigureOut">
               <a:rPr lang="en-US" smtClean="0"/>
               <a:pPr/>
-              <a:t>11/30/2015</a:t>
+              <a:t>12/2/2015</a:t>
             </a:fld>
             <a:endParaRPr lang="en-US" dirty="0"/>
           </a:p>
@@ -16903,7 +16903,7 @@
           <a:p>
             <a:fld id="{EFEED2B4-868F-4681-9E70-FF7ECCDC67D4}" type="datetimeFigureOut">
               <a:rPr lang="en-US" smtClean="0"/>
-              <a:t>11/30/2015</a:t>
+              <a:t>12/2/2015</a:t>
             </a:fld>
             <a:endParaRPr lang="en-US"/>
           </a:p>
@@ -17133,7 +17133,7 @@
           <a:p>
             <a:fld id="{EFEED2B4-868F-4681-9E70-FF7ECCDC67D4}" type="datetimeFigureOut">
               <a:rPr lang="en-US" smtClean="0"/>
-              <a:t>11/30/2015</a:t>
+              <a:t>12/2/2015</a:t>
             </a:fld>
             <a:endParaRPr lang="en-US"/>
           </a:p>
@@ -20676,14 +20676,26 @@
               <a:buChar char="•"/>
             </a:pPr>
             <a:r>
-              <a:rPr lang="en-US" altLang="zh-HK" sz="2400" dirty="0" smtClean="0"/>
+              <a:rPr lang="en-US" altLang="zh-HK" sz="2400" b="1" dirty="0" smtClean="0">
+                <a:solidFill>
+                  <a:srgbClr val="FC7500"/>
+                </a:solidFill>
+              </a:rPr>
               <a:t>Serve </a:t>
             </a:r>
             <a:r>
-              <a:rPr lang="en-US" altLang="zh-HK" sz="2400" dirty="0"/>
+              <a:rPr lang="en-US" altLang="zh-HK" sz="2400" b="1" dirty="0">
+                <a:solidFill>
+                  <a:srgbClr val="FC7500"/>
+                </a:solidFill>
+              </a:rPr>
               <a:t>individual investors </a:t>
             </a:r>
-            <a:endParaRPr lang="en-US" altLang="zh-HK" sz="2400" dirty="0" smtClean="0"/>
+            <a:endParaRPr lang="en-US" altLang="zh-HK" sz="2400" b="1" dirty="0" smtClean="0">
+              <a:solidFill>
+                <a:srgbClr val="FC7500"/>
+              </a:solidFill>
+            </a:endParaRPr>
           </a:p>
           <a:p>
             <a:pPr marL="800100" lvl="1" indent="-342900">
@@ -20691,15 +20703,27 @@
               <a:buChar char="•"/>
             </a:pPr>
             <a:r>
-              <a:rPr lang="en-US" altLang="zh-HK" sz="2400" dirty="0" smtClean="0"/>
-              <a:t>real-time </a:t>
-            </a:r>
-            <a:r>
-              <a:rPr lang="en-US" altLang="zh-HK" sz="2400" dirty="0"/>
+              <a:rPr lang="en-US" altLang="zh-HK" sz="2400" b="1" dirty="0" smtClean="0">
+                <a:solidFill>
+                  <a:srgbClr val="FC7500"/>
+                </a:solidFill>
+              </a:rPr>
+              <a:t>Real-time </a:t>
+            </a:r>
+            <a:r>
+              <a:rPr lang="en-US" altLang="zh-HK" sz="2400" b="1" dirty="0">
+                <a:solidFill>
+                  <a:srgbClr val="FC7500"/>
+                </a:solidFill>
+              </a:rPr>
               <a:t>stock </a:t>
             </a:r>
             <a:r>
-              <a:rPr lang="en-US" altLang="zh-HK" sz="2400" dirty="0" smtClean="0"/>
+              <a:rPr lang="en-US" altLang="zh-HK" sz="2400" b="1" dirty="0" smtClean="0">
+                <a:solidFill>
+                  <a:srgbClr val="FC7500"/>
+                </a:solidFill>
+              </a:rPr>
               <a:t>information</a:t>
             </a:r>
           </a:p>
@@ -20709,13 +20733,29 @@
               <a:buChar char="•"/>
             </a:pPr>
             <a:r>
-              <a:rPr lang="en-US" altLang="zh-HK" sz="2400" dirty="0" smtClean="0"/>
-              <a:t>their track list. </a:t>
+              <a:rPr lang="en-US" altLang="zh-HK" sz="2400" b="1" dirty="0" smtClean="0">
+                <a:solidFill>
+                  <a:srgbClr val="FC7500"/>
+                </a:solidFill>
+              </a:rPr>
+              <a:t>Track </a:t>
+            </a:r>
+            <a:r>
+              <a:rPr lang="en-US" altLang="zh-HK" sz="2400" b="1" dirty="0" smtClean="0">
+                <a:solidFill>
+                  <a:srgbClr val="FC7500"/>
+                </a:solidFill>
+              </a:rPr>
+              <a:t>list. </a:t>
             </a:r>
           </a:p>
           <a:p>
             <a:pPr lvl="1"/>
-            <a:endParaRPr lang="en-US" altLang="zh-HK" sz="2400" dirty="0" smtClean="0"/>
+            <a:endParaRPr lang="en-US" altLang="zh-HK" sz="2400" b="1" dirty="0" smtClean="0">
+              <a:solidFill>
+                <a:srgbClr val="FC7500"/>
+              </a:solidFill>
+            </a:endParaRPr>
           </a:p>
           <a:p>
             <a:pPr marL="342900" indent="-342900">
@@ -20723,22 +20763,13 @@
               <a:buChar char="•"/>
             </a:pPr>
             <a:r>
-              <a:rPr lang="en-US" altLang="zh-HK" sz="2400" dirty="0" smtClean="0"/>
-              <a:t>Platform to </a:t>
-            </a:r>
-            <a:r>
-              <a:rPr lang="en-US" altLang="zh-HK" sz="2400" dirty="0"/>
-              <a:t>track </a:t>
-            </a:r>
-            <a:r>
-              <a:rPr lang="en-US" altLang="zh-HK" sz="2400" dirty="0" smtClean="0"/>
-              <a:t>investors </a:t>
-            </a:r>
-            <a:r>
-              <a:rPr lang="en-US" altLang="zh-HK" sz="2400" dirty="0"/>
-              <a:t>target stocks </a:t>
-            </a:r>
-            <a:endParaRPr lang="en-US" altLang="zh-HK" sz="2400" dirty="0" smtClean="0"/>
+              <a:rPr lang="en-US" altLang="zh-HK" sz="2400" b="1" dirty="0">
+                <a:solidFill>
+                  <a:srgbClr val="FC7500"/>
+                </a:solidFill>
+              </a:rPr>
+              <a:t>Stock price tracking</a:t>
+            </a:r>
           </a:p>
           <a:p>
             <a:pPr marL="800100" lvl="1" indent="-342900">
@@ -20746,24 +20777,12 @@
               <a:buChar char="•"/>
             </a:pPr>
             <a:r>
-              <a:rPr lang="en-US" altLang="zh-HK" sz="2400" dirty="0" smtClean="0"/>
-              <a:t>Get notified </a:t>
-            </a:r>
-            <a:r>
-              <a:rPr lang="en-US" altLang="zh-HK" sz="2400" dirty="0"/>
-              <a:t>when </a:t>
-            </a:r>
-            <a:r>
-              <a:rPr lang="en-US" altLang="zh-HK" sz="2400" dirty="0" smtClean="0"/>
-              <a:t>stocks reach target </a:t>
-            </a:r>
-            <a:r>
-              <a:rPr lang="en-US" altLang="zh-HK" sz="2400" dirty="0"/>
-              <a:t>price </a:t>
-            </a:r>
-            <a:r>
-              <a:rPr lang="en-US" altLang="zh-HK" sz="2400" dirty="0" smtClean="0"/>
-              <a:t>ranges</a:t>
+              <a:rPr lang="en-US" altLang="zh-HK" sz="2400" b="1" dirty="0">
+                <a:solidFill>
+                  <a:srgbClr val="FC7500"/>
+                </a:solidFill>
+              </a:rPr>
+              <a:t>display real-time stock market situation</a:t>
             </a:r>
           </a:p>
           <a:p>
@@ -20771,7 +20790,28 @@
               <a:buFont typeface="Arial" pitchFamily="34" charset="0"/>
               <a:buChar char="•"/>
             </a:pPr>
-            <a:endParaRPr lang="en-US" altLang="zh-TW" sz="2400" dirty="0"/>
+            <a:r>
+              <a:rPr lang="en-US" altLang="zh-HK" sz="2400" b="1" dirty="0">
+                <a:solidFill>
+                  <a:srgbClr val="FC7500"/>
+                </a:solidFill>
+              </a:rPr>
+              <a:t>Changes by alerting users automatically</a:t>
+            </a:r>
+          </a:p>
+          <a:p>
+            <a:pPr marL="800100" lvl="1" indent="-342900">
+              <a:buFont typeface="Arial" pitchFamily="34" charset="0"/>
+              <a:buChar char="•"/>
+            </a:pPr>
+            <a:r>
+              <a:rPr lang="en-US" altLang="zh-HK" sz="2400" b="1" dirty="0">
+                <a:solidFill>
+                  <a:srgbClr val="FC7500"/>
+                </a:solidFill>
+              </a:rPr>
+              <a:t>Users can aware of the changes of their target stocks during the daily life. </a:t>
+            </a:r>
           </a:p>
         </p:txBody>
       </p:sp>
@@ -21579,13 +21619,18 @@
               <a:buChar char="•"/>
             </a:pPr>
             <a:r>
-              <a:rPr lang="en-US" altLang="zh-HK" sz="2400" dirty="0"/>
-              <a:t>Stock price </a:t>
-            </a:r>
-            <a:r>
-              <a:rPr lang="en-US" altLang="zh-HK" sz="2400" dirty="0" smtClean="0"/>
-              <a:t>notification</a:t>
-            </a:r>
+              <a:rPr lang="en-US" altLang="zh-HK" sz="2400" b="1" dirty="0" smtClean="0">
+                <a:solidFill>
+                  <a:srgbClr val="FC7500"/>
+                </a:solidFill>
+              </a:rPr>
+              <a:t>Notification</a:t>
+            </a:r>
+            <a:endParaRPr lang="en-US" altLang="zh-HK" sz="2400" b="1" dirty="0">
+              <a:solidFill>
+                <a:srgbClr val="FC7500"/>
+              </a:solidFill>
+            </a:endParaRPr>
           </a:p>
           <a:p>
             <a:pPr marL="800100" lvl="1" indent="-342900">
@@ -21593,16 +21638,12 @@
               <a:buChar char="•"/>
             </a:pPr>
             <a:r>
-              <a:rPr lang="en-US" altLang="zh-HK" sz="2400" dirty="0" smtClean="0"/>
-              <a:t>display </a:t>
-            </a:r>
-            <a:r>
-              <a:rPr lang="en-US" altLang="zh-HK" sz="2400" dirty="0"/>
-              <a:t>real-time stock market </a:t>
-            </a:r>
-            <a:r>
-              <a:rPr lang="en-US" altLang="zh-HK" sz="2400" dirty="0" smtClean="0"/>
-              <a:t>situation</a:t>
+              <a:rPr lang="en-US" altLang="zh-HK" sz="2400" b="1" dirty="0">
+                <a:solidFill>
+                  <a:srgbClr val="FC7500"/>
+                </a:solidFill>
+              </a:rPr>
+              <a:t>Get notified when stocks reach target price ranges</a:t>
             </a:r>
           </a:p>
           <a:p>
@@ -21610,19 +21651,33 @@
               <a:buFont typeface="Arial" pitchFamily="34" charset="0"/>
               <a:buChar char="•"/>
             </a:pPr>
-            <a:r>
-              <a:rPr lang="en-US" altLang="zh-HK" sz="2400" dirty="0" smtClean="0"/>
-              <a:t>Changes </a:t>
-            </a:r>
-            <a:r>
-              <a:rPr lang="en-US" altLang="zh-HK" sz="2400" dirty="0"/>
-              <a:t>by </a:t>
-            </a:r>
-            <a:r>
-              <a:rPr lang="en-US" altLang="zh-HK" sz="2400" dirty="0" smtClean="0"/>
-              <a:t>alerting users automatically</a:t>
-            </a:r>
-            <a:endParaRPr lang="en-US" altLang="zh-HK" sz="2400" dirty="0"/>
+            <a:endParaRPr lang="en-US" altLang="zh-HK" sz="2400" b="1" dirty="0">
+              <a:solidFill>
+                <a:srgbClr val="FC7500"/>
+              </a:solidFill>
+            </a:endParaRPr>
+          </a:p>
+          <a:p>
+            <a:pPr marL="342900" indent="-342900">
+              <a:buFont typeface="Arial" pitchFamily="34" charset="0"/>
+              <a:buChar char="•"/>
+            </a:pPr>
+            <a:r>
+              <a:rPr lang="en-US" altLang="zh-HK" sz="2400" b="1" dirty="0" smtClean="0">
+                <a:solidFill>
+                  <a:srgbClr val="FC7500"/>
+                </a:solidFill>
+              </a:rPr>
+              <a:t>Personal </a:t>
+            </a:r>
+            <a:r>
+              <a:rPr lang="en-US" altLang="zh-HK" sz="2400" b="1" dirty="0">
+                <a:solidFill>
+                  <a:srgbClr val="FC7500"/>
+                </a:solidFill>
+              </a:rPr>
+              <a:t>watch lists and profit calculator </a:t>
+            </a:r>
           </a:p>
           <a:p>
             <a:pPr marL="800100" lvl="1" indent="-342900">
@@ -21630,80 +21685,80 @@
               <a:buChar char="•"/>
             </a:pPr>
             <a:r>
-              <a:rPr lang="en-US" altLang="zh-HK" sz="2400" dirty="0" smtClean="0"/>
-              <a:t>Users can aware </a:t>
-            </a:r>
-            <a:r>
-              <a:rPr lang="en-US" altLang="zh-HK" sz="2400" dirty="0"/>
-              <a:t>of the changes of their target stocks during the daily life. </a:t>
-            </a:r>
-            <a:endParaRPr lang="en-US" altLang="zh-HK" sz="2400" dirty="0" smtClean="0"/>
+              <a:rPr lang="en-US" altLang="zh-HK" sz="2400" b="1" dirty="0">
+                <a:solidFill>
+                  <a:srgbClr val="FC7500"/>
+                </a:solidFill>
+              </a:rPr>
+              <a:t>manage target stocks</a:t>
+            </a:r>
           </a:p>
           <a:p>
             <a:pPr marL="800100" lvl="1" indent="-342900">
               <a:buFont typeface="Arial" pitchFamily="34" charset="0"/>
               <a:buChar char="•"/>
             </a:pPr>
-            <a:endParaRPr lang="en-US" altLang="zh-HK" sz="2400" dirty="0"/>
+            <a:r>
+              <a:rPr lang="en-US" altLang="zh-HK" sz="2400" b="1" dirty="0">
+                <a:solidFill>
+                  <a:srgbClr val="FC7500"/>
+                </a:solidFill>
+              </a:rPr>
+              <a:t>in the organized and clear interface.</a:t>
+            </a:r>
+            <a:endParaRPr lang="zh-TW" altLang="zh-HK" sz="2400" b="1" dirty="0">
+              <a:solidFill>
+                <a:srgbClr val="FC7500"/>
+              </a:solidFill>
+            </a:endParaRPr>
+          </a:p>
+          <a:p>
+            <a:endParaRPr lang="en-US" altLang="zh-HK" sz="2400" b="1" dirty="0" smtClean="0">
+              <a:solidFill>
+                <a:srgbClr val="FC7500"/>
+              </a:solidFill>
+            </a:endParaRPr>
+          </a:p>
+          <a:p>
+            <a:pPr marL="800100" lvl="1" indent="-342900">
+              <a:buFont typeface="Arial" pitchFamily="34" charset="0"/>
+              <a:buChar char="•"/>
+            </a:pPr>
+            <a:endParaRPr lang="en-US" altLang="zh-HK" sz="2400" b="1" dirty="0">
+              <a:solidFill>
+                <a:srgbClr val="FC7500"/>
+              </a:solidFill>
+            </a:endParaRPr>
           </a:p>
           <a:p>
             <a:pPr marL="342900" indent="-342900">
               <a:buFont typeface="Arial" pitchFamily="34" charset="0"/>
               <a:buChar char="•"/>
             </a:pPr>
-            <a:r>
-              <a:rPr lang="en-US" altLang="zh-HK" sz="2400" dirty="0"/>
-              <a:t>personal watch lists and profit calculator </a:t>
-            </a:r>
-          </a:p>
-          <a:p>
-            <a:pPr marL="800100" lvl="1" indent="-342900">
-              <a:buFont typeface="Arial" pitchFamily="34" charset="0"/>
-              <a:buChar char="•"/>
-            </a:pPr>
-            <a:r>
-              <a:rPr lang="en-US" altLang="zh-HK" sz="2400" dirty="0"/>
-              <a:t>manage target stocks</a:t>
-            </a:r>
-          </a:p>
-          <a:p>
-            <a:pPr marL="800100" lvl="1" indent="-342900">
-              <a:buFont typeface="Arial" pitchFamily="34" charset="0"/>
-              <a:buChar char="•"/>
-            </a:pPr>
-            <a:r>
-              <a:rPr lang="en-US" altLang="zh-HK" sz="2400" dirty="0"/>
-              <a:t>in the organized and clear interface.</a:t>
-            </a:r>
-            <a:endParaRPr lang="zh-TW" altLang="zh-HK" sz="2400" dirty="0"/>
-          </a:p>
-          <a:p>
-            <a:endParaRPr lang="en-US" altLang="zh-HK" sz="2400" dirty="0" smtClean="0"/>
-          </a:p>
-          <a:p>
-            <a:pPr marL="800100" lvl="1" indent="-342900">
-              <a:buFont typeface="Arial" pitchFamily="34" charset="0"/>
-              <a:buChar char="•"/>
-            </a:pPr>
-            <a:endParaRPr lang="en-US" altLang="zh-HK" sz="2400" dirty="0"/>
-          </a:p>
-          <a:p>
-            <a:pPr marL="342900" indent="-342900">
-              <a:buFont typeface="Arial" pitchFamily="34" charset="0"/>
-              <a:buChar char="•"/>
-            </a:pPr>
-            <a:endParaRPr lang="en-US" altLang="zh-HK" sz="2400" dirty="0" smtClean="0"/>
+            <a:endParaRPr lang="en-US" altLang="zh-HK" sz="2400" b="1" dirty="0" smtClean="0">
+              <a:solidFill>
+                <a:srgbClr val="FC7500"/>
+              </a:solidFill>
+            </a:endParaRPr>
           </a:p>
           <a:p>
             <a:pPr marL="1257300" lvl="2" indent="-342900">
               <a:buFont typeface="Arial" pitchFamily="34" charset="0"/>
               <a:buChar char="•"/>
             </a:pPr>
-            <a:endParaRPr lang="en-US" altLang="zh-HK" sz="2400" dirty="0" smtClean="0"/>
+            <a:endParaRPr lang="en-US" altLang="zh-HK" sz="2400" b="1" dirty="0" smtClean="0">
+              <a:solidFill>
+                <a:srgbClr val="FC7500"/>
+              </a:solidFill>
+            </a:endParaRPr>
           </a:p>
           <a:p>
             <a:pPr lvl="1"/>
-            <a:endParaRPr lang="en-US" altLang="zh-HK" sz="2400" dirty="0" smtClean="0"/>
+            <a:endParaRPr lang="en-US" altLang="zh-HK" sz="2400" b="1" dirty="0" smtClean="0">
+              <a:solidFill>
+                <a:srgbClr val="FC7500"/>
+              </a:solidFill>
+            </a:endParaRPr>
           </a:p>
         </p:txBody>
       </p:sp>
